--- a/需求工程计划/需求工程项目计划PPT.pptx
+++ b/需求工程计划/需求工程项目计划PPT.pptx
@@ -156,7 +156,7 @@
   </p:defaultTextStyle>
   <p:extLst>
     <p:ext uri="{EFAFB233-063F-42B5-8137-9DF3F51BA10A}">
-      <p15:sldGuideLst xmlns:p15="http://schemas.microsoft.com/office/powerpoint/2012/main" xmlns="">
+      <p15:sldGuideLst xmlns="" xmlns:p15="http://schemas.microsoft.com/office/powerpoint/2012/main">
         <p15:guide id="1" orient="horz" pos="1620">
           <p15:clr>
             <a:srgbClr val="A4A3A4"/>
@@ -3265,20 +3265,7 @@
                 <a:latin typeface="Adobe Gothic Std B" pitchFamily="34" charset="-128"/>
                 <a:ea typeface="Adobe Gothic Std B" pitchFamily="34" charset="-128"/>
               </a:rPr>
-              <a:t>》</a:t>
-            </a:r>
-            <a:r>
-              <a:rPr lang="en-US" altLang="zh-CN" sz="4400" dirty="0" smtClean="0">
-                <a:solidFill>
-                  <a:schemeClr val="tx1">
-                    <a:lumMod val="75000"/>
-                    <a:lumOff val="25000"/>
-                  </a:schemeClr>
-                </a:solidFill>
-                <a:latin typeface="Adobe Gothic Std B" pitchFamily="34" charset="-128"/>
-                <a:ea typeface="Adobe Gothic Std B" pitchFamily="34" charset="-128"/>
-              </a:rPr>
-              <a:t>PPT</a:t>
+              <a:t>》PPT</a:t>
             </a:r>
           </a:p>
           <a:p>
@@ -35649,8 +35636,8 @@
         </p:nvSpPr>
         <p:spPr>
           <a:xfrm>
-            <a:off x="7236296" y="2099202"/>
-            <a:ext cx="1930006" cy="338554"/>
+            <a:off x="7092280" y="2099202"/>
+            <a:ext cx="2074022" cy="584775"/>
           </a:xfrm>
           <a:prstGeom prst="rect">
             <a:avLst/>
@@ -35669,7 +35656,30 @@
                   <a:srgbClr val="53C780"/>
                 </a:solidFill>
               </a:rPr>
-              <a:t>成立质量保证小组。</a:t>
+              <a:t>成立质量保证</a:t>
+            </a:r>
+            <a:r>
+              <a:rPr lang="zh-CN" altLang="en-US" sz="1600" dirty="0" smtClean="0">
+                <a:solidFill>
+                  <a:srgbClr val="53C780"/>
+                </a:solidFill>
+              </a:rPr>
+              <a:t>小组</a:t>
+            </a:r>
+            <a:endParaRPr lang="en-US" altLang="zh-CN" sz="1600" dirty="0" smtClean="0">
+              <a:solidFill>
+                <a:srgbClr val="53C780"/>
+              </a:solidFill>
+            </a:endParaRPr>
+          </a:p>
+          <a:p>
+            <a:r>
+              <a:rPr lang="zh-CN" altLang="en-US" sz="1600" dirty="0" smtClean="0">
+                <a:solidFill>
+                  <a:srgbClr val="53C780"/>
+                </a:solidFill>
+              </a:rPr>
+              <a:t>建立需求变更委员会</a:t>
             </a:r>
             <a:endParaRPr lang="zh-CN" altLang="en-US" sz="1600" dirty="0">
               <a:solidFill>

--- a/需求工程计划/需求工程项目计划PPT.pptx
+++ b/需求工程计划/需求工程项目计划PPT.pptx
@@ -37,22 +37,22 @@
     <p:sldId id="308" r:id="rId31"/>
     <p:sldId id="309" r:id="rId32"/>
     <p:sldId id="310" r:id="rId33"/>
-    <p:sldId id="324" r:id="rId34"/>
-    <p:sldId id="325" r:id="rId35"/>
-    <p:sldId id="326" r:id="rId36"/>
-    <p:sldId id="327" r:id="rId37"/>
-    <p:sldId id="328" r:id="rId38"/>
-    <p:sldId id="329" r:id="rId39"/>
-    <p:sldId id="330" r:id="rId40"/>
-    <p:sldId id="331" r:id="rId41"/>
-    <p:sldId id="332" r:id="rId42"/>
-    <p:sldId id="333" r:id="rId43"/>
-    <p:sldId id="334" r:id="rId44"/>
-    <p:sldId id="335" r:id="rId45"/>
-    <p:sldId id="336" r:id="rId46"/>
-    <p:sldId id="337" r:id="rId47"/>
-    <p:sldId id="338" r:id="rId48"/>
-    <p:sldId id="311" r:id="rId49"/>
+    <p:sldId id="339" r:id="rId34"/>
+    <p:sldId id="324" r:id="rId35"/>
+    <p:sldId id="325" r:id="rId36"/>
+    <p:sldId id="326" r:id="rId37"/>
+    <p:sldId id="327" r:id="rId38"/>
+    <p:sldId id="328" r:id="rId39"/>
+    <p:sldId id="329" r:id="rId40"/>
+    <p:sldId id="330" r:id="rId41"/>
+    <p:sldId id="331" r:id="rId42"/>
+    <p:sldId id="332" r:id="rId43"/>
+    <p:sldId id="333" r:id="rId44"/>
+    <p:sldId id="334" r:id="rId45"/>
+    <p:sldId id="335" r:id="rId46"/>
+    <p:sldId id="336" r:id="rId47"/>
+    <p:sldId id="337" r:id="rId48"/>
+    <p:sldId id="338" r:id="rId49"/>
     <p:sldId id="302" r:id="rId50"/>
     <p:sldId id="295" r:id="rId51"/>
     <p:sldId id="278" r:id="rId52"/>
@@ -156,7 +156,7 @@
   </p:defaultTextStyle>
   <p:extLst>
     <p:ext uri="{EFAFB233-063F-42B5-8137-9DF3F51BA10A}">
-      <p15:sldGuideLst xmlns="" xmlns:p15="http://schemas.microsoft.com/office/powerpoint/2012/main">
+      <p15:sldGuideLst xmlns:p15="http://schemas.microsoft.com/office/powerpoint/2012/main" xmlns="">
         <p15:guide id="1" orient="horz" pos="1620">
           <p15:clr>
             <a:srgbClr val="A4A3A4"/>
@@ -23584,6 +23584,1105 @@
           <a:chExt cx="0" cy="0"/>
         </a:xfrm>
       </p:grpSpPr>
+      <p:sp>
+        <p:nvSpPr>
+          <p:cNvPr id="3" name="矩形 2"/>
+          <p:cNvSpPr/>
+          <p:nvPr/>
+        </p:nvSpPr>
+        <p:spPr>
+          <a:xfrm>
+            <a:off x="0" y="448022"/>
+            <a:ext cx="611560" cy="611560"/>
+          </a:xfrm>
+          <a:prstGeom prst="rect">
+            <a:avLst/>
+          </a:prstGeom>
+          <a:solidFill>
+            <a:srgbClr val="53C780"/>
+          </a:solidFill>
+          <a:ln>
+            <a:noFill/>
+          </a:ln>
+        </p:spPr>
+        <p:style>
+          <a:lnRef idx="2">
+            <a:schemeClr val="accent1">
+              <a:shade val="50000"/>
+            </a:schemeClr>
+          </a:lnRef>
+          <a:fillRef idx="1">
+            <a:schemeClr val="accent1"/>
+          </a:fillRef>
+          <a:effectRef idx="0">
+            <a:schemeClr val="accent1"/>
+          </a:effectRef>
+          <a:fontRef idx="minor">
+            <a:schemeClr val="lt1"/>
+          </a:fontRef>
+        </p:style>
+        <p:txBody>
+          <a:bodyPr rtlCol="0" anchor="ctr"/>
+          <a:lstStyle/>
+          <a:p>
+            <a:pPr algn="ctr"/>
+            <a:endParaRPr lang="zh-CN" altLang="en-US">
+              <a:solidFill>
+                <a:srgbClr val="53C780"/>
+              </a:solidFill>
+            </a:endParaRPr>
+          </a:p>
+        </p:txBody>
+      </p:sp>
+      <p:grpSp>
+        <p:nvGrpSpPr>
+          <p:cNvPr id="12" name="组合 11"/>
+          <p:cNvGrpSpPr/>
+          <p:nvPr/>
+        </p:nvGrpSpPr>
+        <p:grpSpPr>
+          <a:xfrm>
+            <a:off x="755576" y="2283718"/>
+            <a:ext cx="576064" cy="576064"/>
+            <a:chOff x="2915816" y="1254410"/>
+            <a:chExt cx="576064" cy="576064"/>
+          </a:xfrm>
+        </p:grpSpPr>
+        <p:sp>
+          <p:nvSpPr>
+            <p:cNvPr id="6" name="椭圆 5"/>
+            <p:cNvSpPr/>
+            <p:nvPr/>
+          </p:nvSpPr>
+          <p:spPr>
+            <a:xfrm>
+              <a:off x="2915816" y="1254410"/>
+              <a:ext cx="576064" cy="576064"/>
+            </a:xfrm>
+            <a:prstGeom prst="ellipse">
+              <a:avLst/>
+            </a:prstGeom>
+            <a:solidFill>
+              <a:srgbClr val="00B0F0"/>
+            </a:solidFill>
+            <a:ln>
+              <a:noFill/>
+            </a:ln>
+          </p:spPr>
+          <p:style>
+            <a:lnRef idx="2">
+              <a:schemeClr val="accent1">
+                <a:shade val="50000"/>
+              </a:schemeClr>
+            </a:lnRef>
+            <a:fillRef idx="1">
+              <a:schemeClr val="accent1"/>
+            </a:fillRef>
+            <a:effectRef idx="0">
+              <a:schemeClr val="accent1"/>
+            </a:effectRef>
+            <a:fontRef idx="minor">
+              <a:schemeClr val="lt1"/>
+            </a:fontRef>
+          </p:style>
+          <p:txBody>
+            <a:bodyPr rtlCol="0" anchor="ctr"/>
+            <a:lstStyle/>
+            <a:p>
+              <a:pPr algn="ctr"/>
+              <a:endParaRPr lang="zh-CN" altLang="en-US"/>
+            </a:p>
+          </p:txBody>
+        </p:sp>
+        <p:sp>
+          <p:nvSpPr>
+            <p:cNvPr id="7" name="TextBox 6"/>
+            <p:cNvSpPr txBox="1"/>
+            <p:nvPr/>
+          </p:nvSpPr>
+          <p:spPr>
+            <a:xfrm>
+              <a:off x="3037880" y="1275606"/>
+              <a:ext cx="288032" cy="523220"/>
+            </a:xfrm>
+            <a:prstGeom prst="rect">
+              <a:avLst/>
+            </a:prstGeom>
+            <a:noFill/>
+          </p:spPr>
+          <p:txBody>
+            <a:bodyPr wrap="square" rtlCol="0">
+              <a:spAutoFit/>
+            </a:bodyPr>
+            <a:lstStyle/>
+            <a:p>
+              <a:r>
+                <a:rPr lang="en-US" altLang="zh-CN" sz="2800" b="1" dirty="0" smtClean="0">
+                  <a:solidFill>
+                    <a:schemeClr val="bg1"/>
+                  </a:solidFill>
+                </a:rPr>
+                <a:t>1</a:t>
+              </a:r>
+              <a:endParaRPr lang="zh-CN" altLang="en-US" sz="2800" b="1" dirty="0">
+                <a:solidFill>
+                  <a:schemeClr val="bg1"/>
+                </a:solidFill>
+              </a:endParaRPr>
+            </a:p>
+          </p:txBody>
+        </p:sp>
+      </p:grpSp>
+      <p:grpSp>
+        <p:nvGrpSpPr>
+          <p:cNvPr id="42" name="组合 41"/>
+          <p:cNvGrpSpPr/>
+          <p:nvPr/>
+        </p:nvGrpSpPr>
+        <p:grpSpPr>
+          <a:xfrm>
+            <a:off x="5799702" y="2334494"/>
+            <a:ext cx="2892268" cy="2366872"/>
+            <a:chOff x="1475656" y="1347614"/>
+            <a:chExt cx="2892268" cy="2366872"/>
+          </a:xfrm>
+        </p:grpSpPr>
+        <p:sp>
+          <p:nvSpPr>
+            <p:cNvPr id="30" name="TextBox 29"/>
+            <p:cNvSpPr txBox="1"/>
+            <p:nvPr/>
+          </p:nvSpPr>
+          <p:spPr>
+            <a:xfrm>
+              <a:off x="1475656" y="1652383"/>
+              <a:ext cx="2892268" cy="2062103"/>
+            </a:xfrm>
+            <a:prstGeom prst="rect">
+              <a:avLst/>
+            </a:prstGeom>
+            <a:noFill/>
+          </p:spPr>
+          <p:txBody>
+            <a:bodyPr wrap="square" rtlCol="0">
+              <a:spAutoFit/>
+            </a:bodyPr>
+            <a:lstStyle/>
+            <a:p>
+              <a:r>
+                <a:rPr lang="zh-CN" altLang="en-US" sz="1600" dirty="0">
+                  <a:solidFill>
+                    <a:schemeClr val="tx1">
+                      <a:lumMod val="85000"/>
+                      <a:lumOff val="15000"/>
+                    </a:schemeClr>
+                  </a:solidFill>
+                </a:rPr>
+                <a:t>组织人：余敬（项目经理）</a:t>
+              </a:r>
+            </a:p>
+            <a:p>
+              <a:r>
+                <a:rPr lang="zh-CN" altLang="en-US" sz="1600" dirty="0">
+                  <a:solidFill>
+                    <a:schemeClr val="tx1">
+                      <a:lumMod val="85000"/>
+                      <a:lumOff val="15000"/>
+                    </a:schemeClr>
+                  </a:solidFill>
+                </a:rPr>
+                <a:t>会议地点：理四</a:t>
+              </a:r>
+              <a:r>
+                <a:rPr lang="en-US" altLang="zh-CN" sz="1600" dirty="0">
+                  <a:solidFill>
+                    <a:schemeClr val="tx1">
+                      <a:lumMod val="85000"/>
+                      <a:lumOff val="15000"/>
+                    </a:schemeClr>
+                  </a:solidFill>
+                </a:rPr>
+                <a:t>409</a:t>
+              </a:r>
+            </a:p>
+            <a:p>
+              <a:r>
+                <a:rPr lang="zh-CN" altLang="en-US" sz="1600" dirty="0">
+                  <a:solidFill>
+                    <a:schemeClr val="tx1">
+                      <a:lumMod val="85000"/>
+                      <a:lumOff val="15000"/>
+                    </a:schemeClr>
+                  </a:solidFill>
+                </a:rPr>
+                <a:t>会议时间：每周周三</a:t>
+              </a:r>
+              <a:r>
+                <a:rPr lang="en-US" altLang="zh-CN" sz="1600" dirty="0">
+                  <a:solidFill>
+                    <a:schemeClr val="tx1">
+                      <a:lumMod val="85000"/>
+                      <a:lumOff val="15000"/>
+                    </a:schemeClr>
+                  </a:solidFill>
+                </a:rPr>
+                <a:t>17</a:t>
+              </a:r>
+              <a:r>
+                <a:rPr lang="zh-CN" altLang="en-US" sz="1600" dirty="0">
+                  <a:solidFill>
+                    <a:schemeClr val="tx1">
+                      <a:lumMod val="85000"/>
+                      <a:lumOff val="15000"/>
+                    </a:schemeClr>
+                  </a:solidFill>
+                </a:rPr>
+                <a:t>：</a:t>
+              </a:r>
+              <a:r>
+                <a:rPr lang="en-US" altLang="zh-CN" sz="1600" dirty="0">
+                  <a:solidFill>
+                    <a:schemeClr val="tx1">
+                      <a:lumMod val="85000"/>
+                      <a:lumOff val="15000"/>
+                    </a:schemeClr>
+                  </a:solidFill>
+                </a:rPr>
+                <a:t>15</a:t>
+              </a:r>
+              <a:r>
+                <a:rPr lang="zh-CN" altLang="en-US" sz="1600" dirty="0">
+                  <a:solidFill>
+                    <a:schemeClr val="tx1">
+                      <a:lumMod val="85000"/>
+                      <a:lumOff val="15000"/>
+                    </a:schemeClr>
+                  </a:solidFill>
+                </a:rPr>
+                <a:t>（根据实际情况会有变动）</a:t>
+              </a:r>
+            </a:p>
+            <a:p>
+              <a:r>
+                <a:rPr lang="zh-CN" altLang="en-US" sz="1600" dirty="0">
+                  <a:solidFill>
+                    <a:schemeClr val="tx1">
+                      <a:lumMod val="85000"/>
+                      <a:lumOff val="15000"/>
+                    </a:schemeClr>
+                  </a:solidFill>
+                </a:rPr>
+                <a:t>会议参与人：余敬，张伟鹏，丁磊，陈建伟，唐子煜</a:t>
+              </a:r>
+            </a:p>
+            <a:p>
+              <a:r>
+                <a:rPr lang="zh-CN" altLang="en-US" sz="1600" dirty="0">
+                  <a:solidFill>
+                    <a:schemeClr val="tx1">
+                      <a:lumMod val="85000"/>
+                      <a:lumOff val="15000"/>
+                    </a:schemeClr>
+                  </a:solidFill>
+                </a:rPr>
+                <a:t>会议记录人：陈建伟</a:t>
+              </a:r>
+            </a:p>
+            <a:p>
+              <a:r>
+                <a:rPr lang="zh-CN" altLang="en-US" sz="1600" dirty="0">
+                  <a:solidFill>
+                    <a:schemeClr val="tx1">
+                      <a:lumMod val="85000"/>
+                      <a:lumOff val="15000"/>
+                    </a:schemeClr>
+                  </a:solidFill>
+                </a:rPr>
+                <a:t>会议录音人：张伟鹏</a:t>
+              </a:r>
+            </a:p>
+          </p:txBody>
+        </p:sp>
+        <p:sp>
+          <p:nvSpPr>
+            <p:cNvPr id="31" name="TextBox 30"/>
+            <p:cNvSpPr txBox="1"/>
+            <p:nvPr/>
+          </p:nvSpPr>
+          <p:spPr>
+            <a:xfrm>
+              <a:off x="1487604" y="1347614"/>
+              <a:ext cx="2088233" cy="338554"/>
+            </a:xfrm>
+            <a:prstGeom prst="rect">
+              <a:avLst/>
+            </a:prstGeom>
+            <a:noFill/>
+          </p:spPr>
+          <p:txBody>
+            <a:bodyPr wrap="square" rtlCol="0">
+              <a:spAutoFit/>
+            </a:bodyPr>
+            <a:lstStyle/>
+            <a:p>
+              <a:r>
+                <a:rPr lang="en-US" altLang="zh-CN" sz="1600" dirty="0" smtClean="0">
+                  <a:solidFill>
+                    <a:srgbClr val="00B0F0"/>
+                  </a:solidFill>
+                  <a:latin typeface="微软雅黑" pitchFamily="34" charset="-122"/>
+                  <a:ea typeface="微软雅黑" pitchFamily="34" charset="-122"/>
+                </a:rPr>
+                <a:t>8.3.3</a:t>
+              </a:r>
+              <a:r>
+                <a:rPr lang="zh-CN" altLang="en-US" sz="1600" dirty="0" smtClean="0">
+                  <a:solidFill>
+                    <a:srgbClr val="00B0F0"/>
+                  </a:solidFill>
+                  <a:latin typeface="微软雅黑" pitchFamily="34" charset="-122"/>
+                  <a:ea typeface="微软雅黑" pitchFamily="34" charset="-122"/>
+                </a:rPr>
+                <a:t>小组会议安排</a:t>
+              </a:r>
+              <a:endParaRPr lang="zh-CN" altLang="en-US" sz="1600" dirty="0">
+                <a:solidFill>
+                  <a:srgbClr val="00B0F0"/>
+                </a:solidFill>
+                <a:latin typeface="微软雅黑" pitchFamily="34" charset="-122"/>
+                <a:ea typeface="微软雅黑" pitchFamily="34" charset="-122"/>
+              </a:endParaRPr>
+            </a:p>
+          </p:txBody>
+        </p:sp>
+      </p:grpSp>
+      <p:sp>
+        <p:nvSpPr>
+          <p:cNvPr id="48" name="矩形 47"/>
+          <p:cNvSpPr/>
+          <p:nvPr/>
+        </p:nvSpPr>
+        <p:spPr>
+          <a:xfrm>
+            <a:off x="0" y="448022"/>
+            <a:ext cx="611560" cy="611560"/>
+          </a:xfrm>
+          <a:prstGeom prst="rect">
+            <a:avLst/>
+          </a:prstGeom>
+          <a:solidFill>
+            <a:srgbClr val="00B0F0"/>
+          </a:solidFill>
+          <a:ln>
+            <a:noFill/>
+          </a:ln>
+        </p:spPr>
+        <p:style>
+          <a:lnRef idx="2">
+            <a:schemeClr val="accent1">
+              <a:shade val="50000"/>
+            </a:schemeClr>
+          </a:lnRef>
+          <a:fillRef idx="1">
+            <a:schemeClr val="accent1"/>
+          </a:fillRef>
+          <a:effectRef idx="0">
+            <a:schemeClr val="accent1"/>
+          </a:effectRef>
+          <a:fontRef idx="minor">
+            <a:schemeClr val="lt1"/>
+          </a:fontRef>
+        </p:style>
+        <p:txBody>
+          <a:bodyPr rtlCol="0" anchor="ctr"/>
+          <a:lstStyle/>
+          <a:p>
+            <a:pPr algn="ctr"/>
+            <a:endParaRPr lang="zh-CN" altLang="en-US">
+              <a:solidFill>
+                <a:srgbClr val="F2A849"/>
+              </a:solidFill>
+            </a:endParaRPr>
+          </a:p>
+        </p:txBody>
+      </p:sp>
+      <p:sp>
+        <p:nvSpPr>
+          <p:cNvPr id="49" name="TextBox 2"/>
+          <p:cNvSpPr txBox="1"/>
+          <p:nvPr/>
+        </p:nvSpPr>
+        <p:spPr>
+          <a:xfrm>
+            <a:off x="755576" y="376410"/>
+            <a:ext cx="1944216" cy="369332"/>
+          </a:xfrm>
+          <a:prstGeom prst="rect">
+            <a:avLst/>
+          </a:prstGeom>
+          <a:noFill/>
+        </p:spPr>
+        <p:txBody>
+          <a:bodyPr wrap="square" rtlCol="0">
+            <a:spAutoFit/>
+          </a:bodyPr>
+          <a:lstStyle/>
+          <a:p>
+            <a:r>
+              <a:rPr lang="en-US" altLang="zh-CN" dirty="0" smtClean="0">
+                <a:solidFill>
+                  <a:srgbClr val="00B0F0"/>
+                </a:solidFill>
+                <a:latin typeface="微软雅黑" pitchFamily="34" charset="-122"/>
+                <a:ea typeface="微软雅黑" pitchFamily="34" charset="-122"/>
+              </a:rPr>
+              <a:t>8.</a:t>
+            </a:r>
+            <a:r>
+              <a:rPr lang="zh-CN" altLang="en-US" dirty="0" smtClean="0">
+                <a:solidFill>
+                  <a:srgbClr val="00B0F0"/>
+                </a:solidFill>
+                <a:latin typeface="微软雅黑" pitchFamily="34" charset="-122"/>
+                <a:ea typeface="微软雅黑" pitchFamily="34" charset="-122"/>
+              </a:rPr>
+              <a:t>沟通管理计划</a:t>
+            </a:r>
+            <a:endParaRPr lang="zh-CN" altLang="en-US" dirty="0">
+              <a:solidFill>
+                <a:srgbClr val="00B0F0"/>
+              </a:solidFill>
+              <a:latin typeface="微软雅黑" pitchFamily="34" charset="-122"/>
+              <a:ea typeface="微软雅黑" pitchFamily="34" charset="-122"/>
+            </a:endParaRPr>
+          </a:p>
+        </p:txBody>
+      </p:sp>
+      <p:sp>
+        <p:nvSpPr>
+          <p:cNvPr id="50" name="TextBox 3"/>
+          <p:cNvSpPr txBox="1"/>
+          <p:nvPr/>
+        </p:nvSpPr>
+        <p:spPr>
+          <a:xfrm>
+            <a:off x="755576" y="745742"/>
+            <a:ext cx="2727354" cy="338554"/>
+          </a:xfrm>
+          <a:prstGeom prst="rect">
+            <a:avLst/>
+          </a:prstGeom>
+          <a:noFill/>
+        </p:spPr>
+        <p:txBody>
+          <a:bodyPr wrap="square" rtlCol="0">
+            <a:spAutoFit/>
+          </a:bodyPr>
+          <a:lstStyle/>
+          <a:p>
+            <a:r>
+              <a:rPr lang="en-US" altLang="zh-CN" sz="1600" dirty="0" smtClean="0">
+                <a:solidFill>
+                  <a:srgbClr val="00B0F0"/>
+                </a:solidFill>
+                <a:latin typeface="微软雅黑" pitchFamily="34" charset="-122"/>
+                <a:ea typeface="微软雅黑" pitchFamily="34" charset="-122"/>
+              </a:rPr>
+              <a:t>8.3</a:t>
+            </a:r>
+            <a:r>
+              <a:rPr lang="zh-CN" altLang="en-US" sz="1600" dirty="0" smtClean="0">
+                <a:solidFill>
+                  <a:srgbClr val="00B0F0"/>
+                </a:solidFill>
+                <a:latin typeface="微软雅黑" pitchFamily="34" charset="-122"/>
+                <a:ea typeface="微软雅黑" pitchFamily="34" charset="-122"/>
+              </a:rPr>
+              <a:t>开发者</a:t>
+            </a:r>
+            <a:r>
+              <a:rPr lang="zh-CN" altLang="en-US" sz="1600" dirty="0">
+                <a:solidFill>
+                  <a:srgbClr val="00B0F0"/>
+                </a:solidFill>
+                <a:latin typeface="微软雅黑" pitchFamily="34" charset="-122"/>
+                <a:ea typeface="微软雅黑" pitchFamily="34" charset="-122"/>
+              </a:rPr>
+              <a:t>内部沟通计划</a:t>
+            </a:r>
+          </a:p>
+        </p:txBody>
+      </p:sp>
+      <p:sp>
+        <p:nvSpPr>
+          <p:cNvPr id="51" name="TextBox 3"/>
+          <p:cNvSpPr txBox="1"/>
+          <p:nvPr/>
+        </p:nvSpPr>
+        <p:spPr>
+          <a:xfrm>
+            <a:off x="755576" y="1127856"/>
+            <a:ext cx="7510784" cy="830997"/>
+          </a:xfrm>
+          <a:prstGeom prst="rect">
+            <a:avLst/>
+          </a:prstGeom>
+          <a:noFill/>
+        </p:spPr>
+        <p:txBody>
+          <a:bodyPr wrap="square" rtlCol="0">
+            <a:spAutoFit/>
+          </a:bodyPr>
+          <a:lstStyle/>
+          <a:p>
+            <a:r>
+              <a:rPr lang="zh-CN" altLang="en-US" sz="1600" dirty="0">
+                <a:solidFill>
+                  <a:srgbClr val="00B0F0"/>
+                </a:solidFill>
+                <a:latin typeface="微软雅黑" pitchFamily="34" charset="-122"/>
+                <a:ea typeface="微软雅黑" pitchFamily="34" charset="-122"/>
+              </a:rPr>
+              <a:t>每周开一次例会，用线下开会的方式并录音和进行记录，将开会记录上传至版本管理器上以供参考，会议内容主要为任务的分配。平时通过</a:t>
+            </a:r>
+            <a:r>
+              <a:rPr lang="en-US" altLang="zh-CN" sz="1600" dirty="0">
+                <a:solidFill>
+                  <a:srgbClr val="00B0F0"/>
+                </a:solidFill>
+                <a:latin typeface="微软雅黑" pitchFamily="34" charset="-122"/>
+                <a:ea typeface="微软雅黑" pitchFamily="34" charset="-122"/>
+              </a:rPr>
+              <a:t>QQ</a:t>
+            </a:r>
+            <a:r>
+              <a:rPr lang="zh-CN" altLang="en-US" sz="1600" dirty="0">
+                <a:solidFill>
+                  <a:srgbClr val="00B0F0"/>
+                </a:solidFill>
+                <a:latin typeface="微软雅黑" pitchFamily="34" charset="-122"/>
+                <a:ea typeface="微软雅黑" pitchFamily="34" charset="-122"/>
+              </a:rPr>
+              <a:t>等通讯软件来互相确认进度，也可以用</a:t>
+            </a:r>
+            <a:r>
+              <a:rPr lang="en-US" altLang="zh-CN" sz="1600" dirty="0">
+                <a:solidFill>
+                  <a:srgbClr val="00B0F0"/>
+                </a:solidFill>
+                <a:latin typeface="微软雅黑" pitchFamily="34" charset="-122"/>
+                <a:ea typeface="微软雅黑" pitchFamily="34" charset="-122"/>
+              </a:rPr>
+              <a:t>QQ</a:t>
+            </a:r>
+            <a:r>
+              <a:rPr lang="zh-CN" altLang="en-US" sz="1600" dirty="0">
+                <a:solidFill>
+                  <a:srgbClr val="00B0F0"/>
+                </a:solidFill>
+                <a:latin typeface="微软雅黑" pitchFamily="34" charset="-122"/>
+                <a:ea typeface="微软雅黑" pitchFamily="34" charset="-122"/>
+              </a:rPr>
+              <a:t>进行线上会议。</a:t>
+            </a:r>
+          </a:p>
+        </p:txBody>
+      </p:sp>
+      <p:grpSp>
+        <p:nvGrpSpPr>
+          <p:cNvPr id="52" name="组合 51"/>
+          <p:cNvGrpSpPr/>
+          <p:nvPr/>
+        </p:nvGrpSpPr>
+        <p:grpSpPr>
+          <a:xfrm>
+            <a:off x="755576" y="3673683"/>
+            <a:ext cx="576064" cy="576064"/>
+            <a:chOff x="2915816" y="1254410"/>
+            <a:chExt cx="576064" cy="576064"/>
+          </a:xfrm>
+        </p:grpSpPr>
+        <p:sp>
+          <p:nvSpPr>
+            <p:cNvPr id="53" name="椭圆 52"/>
+            <p:cNvSpPr/>
+            <p:nvPr/>
+          </p:nvSpPr>
+          <p:spPr>
+            <a:xfrm>
+              <a:off x="2915816" y="1254410"/>
+              <a:ext cx="576064" cy="576064"/>
+            </a:xfrm>
+            <a:prstGeom prst="ellipse">
+              <a:avLst/>
+            </a:prstGeom>
+            <a:solidFill>
+              <a:srgbClr val="00B0F0"/>
+            </a:solidFill>
+            <a:ln>
+              <a:noFill/>
+            </a:ln>
+          </p:spPr>
+          <p:style>
+            <a:lnRef idx="2">
+              <a:schemeClr val="accent1">
+                <a:shade val="50000"/>
+              </a:schemeClr>
+            </a:lnRef>
+            <a:fillRef idx="1">
+              <a:schemeClr val="accent1"/>
+            </a:fillRef>
+            <a:effectRef idx="0">
+              <a:schemeClr val="accent1"/>
+            </a:effectRef>
+            <a:fontRef idx="minor">
+              <a:schemeClr val="lt1"/>
+            </a:fontRef>
+          </p:style>
+          <p:txBody>
+            <a:bodyPr rtlCol="0" anchor="ctr"/>
+            <a:lstStyle/>
+            <a:p>
+              <a:pPr algn="ctr"/>
+              <a:endParaRPr lang="zh-CN" altLang="en-US"/>
+            </a:p>
+          </p:txBody>
+        </p:sp>
+        <p:sp>
+          <p:nvSpPr>
+            <p:cNvPr id="54" name="TextBox 6"/>
+            <p:cNvSpPr txBox="1"/>
+            <p:nvPr/>
+          </p:nvSpPr>
+          <p:spPr>
+            <a:xfrm>
+              <a:off x="3037880" y="1275606"/>
+              <a:ext cx="288032" cy="523220"/>
+            </a:xfrm>
+            <a:prstGeom prst="rect">
+              <a:avLst/>
+            </a:prstGeom>
+            <a:noFill/>
+          </p:spPr>
+          <p:txBody>
+            <a:bodyPr wrap="square" rtlCol="0">
+              <a:spAutoFit/>
+            </a:bodyPr>
+            <a:lstStyle/>
+            <a:p>
+              <a:r>
+                <a:rPr lang="en-US" altLang="zh-CN" sz="2800" b="1" dirty="0">
+                  <a:solidFill>
+                    <a:schemeClr val="bg1"/>
+                  </a:solidFill>
+                </a:rPr>
+                <a:t>2</a:t>
+              </a:r>
+              <a:endParaRPr lang="zh-CN" altLang="en-US" sz="2800" b="1" dirty="0">
+                <a:solidFill>
+                  <a:schemeClr val="bg1"/>
+                </a:solidFill>
+              </a:endParaRPr>
+            </a:p>
+          </p:txBody>
+        </p:sp>
+      </p:grpSp>
+      <p:grpSp>
+        <p:nvGrpSpPr>
+          <p:cNvPr id="55" name="组合 54"/>
+          <p:cNvGrpSpPr/>
+          <p:nvPr/>
+        </p:nvGrpSpPr>
+        <p:grpSpPr>
+          <a:xfrm>
+            <a:off x="1475656" y="3572059"/>
+            <a:ext cx="2892268" cy="889544"/>
+            <a:chOff x="1475656" y="1347614"/>
+            <a:chExt cx="2892268" cy="889544"/>
+          </a:xfrm>
+        </p:grpSpPr>
+        <p:sp>
+          <p:nvSpPr>
+            <p:cNvPr id="56" name="TextBox 29"/>
+            <p:cNvSpPr txBox="1"/>
+            <p:nvPr/>
+          </p:nvSpPr>
+          <p:spPr>
+            <a:xfrm>
+              <a:off x="1475656" y="1652383"/>
+              <a:ext cx="2892268" cy="584775"/>
+            </a:xfrm>
+            <a:prstGeom prst="rect">
+              <a:avLst/>
+            </a:prstGeom>
+            <a:noFill/>
+          </p:spPr>
+          <p:txBody>
+            <a:bodyPr wrap="square" rtlCol="0">
+              <a:spAutoFit/>
+            </a:bodyPr>
+            <a:lstStyle/>
+            <a:p>
+              <a:r>
+                <a:rPr lang="en-US" altLang="zh-CN" sz="1600" dirty="0">
+                  <a:solidFill>
+                    <a:schemeClr val="tx1">
+                      <a:lumMod val="85000"/>
+                      <a:lumOff val="15000"/>
+                    </a:schemeClr>
+                  </a:solidFill>
+                </a:rPr>
+                <a:t>1.</a:t>
+              </a:r>
+              <a:r>
+                <a:rPr lang="zh-CN" altLang="en-US" sz="1600" dirty="0">
+                  <a:solidFill>
+                    <a:schemeClr val="tx1">
+                      <a:lumMod val="85000"/>
+                      <a:lumOff val="15000"/>
+                    </a:schemeClr>
+                  </a:solidFill>
+                </a:rPr>
+                <a:t>小组会议</a:t>
+              </a:r>
+            </a:p>
+            <a:p>
+              <a:r>
+                <a:rPr lang="en-US" altLang="zh-CN" sz="1600" dirty="0">
+                  <a:solidFill>
+                    <a:schemeClr val="tx1">
+                      <a:lumMod val="85000"/>
+                      <a:lumOff val="15000"/>
+                    </a:schemeClr>
+                  </a:solidFill>
+                </a:rPr>
+                <a:t>2.qq</a:t>
+              </a:r>
+              <a:r>
+                <a:rPr lang="zh-CN" altLang="en-US" sz="1600" dirty="0">
+                  <a:solidFill>
+                    <a:schemeClr val="tx1">
+                      <a:lumMod val="85000"/>
+                      <a:lumOff val="15000"/>
+                    </a:schemeClr>
+                  </a:solidFill>
+                </a:rPr>
+                <a:t>群讨论</a:t>
+              </a:r>
+            </a:p>
+          </p:txBody>
+        </p:sp>
+        <p:sp>
+          <p:nvSpPr>
+            <p:cNvPr id="57" name="TextBox 30"/>
+            <p:cNvSpPr txBox="1"/>
+            <p:nvPr/>
+          </p:nvSpPr>
+          <p:spPr>
+            <a:xfrm>
+              <a:off x="1487604" y="1347614"/>
+              <a:ext cx="2088233" cy="338554"/>
+            </a:xfrm>
+            <a:prstGeom prst="rect">
+              <a:avLst/>
+            </a:prstGeom>
+            <a:noFill/>
+          </p:spPr>
+          <p:txBody>
+            <a:bodyPr wrap="square" rtlCol="0">
+              <a:spAutoFit/>
+            </a:bodyPr>
+            <a:lstStyle/>
+            <a:p>
+              <a:r>
+                <a:rPr lang="en-US" altLang="zh-CN" sz="1600" dirty="0" smtClean="0">
+                  <a:solidFill>
+                    <a:srgbClr val="00B0F0"/>
+                  </a:solidFill>
+                  <a:latin typeface="微软雅黑" pitchFamily="34" charset="-122"/>
+                  <a:ea typeface="微软雅黑" pitchFamily="34" charset="-122"/>
+                </a:rPr>
+                <a:t>8.3.2</a:t>
+              </a:r>
+              <a:r>
+                <a:rPr lang="zh-CN" altLang="en-US" sz="1600" dirty="0" smtClean="0">
+                  <a:solidFill>
+                    <a:srgbClr val="00B0F0"/>
+                  </a:solidFill>
+                  <a:latin typeface="微软雅黑" pitchFamily="34" charset="-122"/>
+                  <a:ea typeface="微软雅黑" pitchFamily="34" charset="-122"/>
+                </a:rPr>
+                <a:t>沟通方式</a:t>
+              </a:r>
+              <a:endParaRPr lang="zh-CN" altLang="en-US" sz="1600" dirty="0">
+                <a:solidFill>
+                  <a:srgbClr val="00B0F0"/>
+                </a:solidFill>
+                <a:latin typeface="微软雅黑" pitchFamily="34" charset="-122"/>
+                <a:ea typeface="微软雅黑" pitchFamily="34" charset="-122"/>
+              </a:endParaRPr>
+            </a:p>
+          </p:txBody>
+        </p:sp>
+      </p:grpSp>
+      <p:grpSp>
+        <p:nvGrpSpPr>
+          <p:cNvPr id="76" name="组合 75"/>
+          <p:cNvGrpSpPr/>
+          <p:nvPr/>
+        </p:nvGrpSpPr>
+        <p:grpSpPr>
+          <a:xfrm>
+            <a:off x="4871981" y="2278492"/>
+            <a:ext cx="576064" cy="576064"/>
+            <a:chOff x="2915816" y="1254410"/>
+            <a:chExt cx="576064" cy="576064"/>
+          </a:xfrm>
+        </p:grpSpPr>
+        <p:sp>
+          <p:nvSpPr>
+            <p:cNvPr id="77" name="椭圆 76"/>
+            <p:cNvSpPr/>
+            <p:nvPr/>
+          </p:nvSpPr>
+          <p:spPr>
+            <a:xfrm>
+              <a:off x="2915816" y="1254410"/>
+              <a:ext cx="576064" cy="576064"/>
+            </a:xfrm>
+            <a:prstGeom prst="ellipse">
+              <a:avLst/>
+            </a:prstGeom>
+            <a:solidFill>
+              <a:srgbClr val="00B0F0"/>
+            </a:solidFill>
+            <a:ln>
+              <a:noFill/>
+            </a:ln>
+          </p:spPr>
+          <p:style>
+            <a:lnRef idx="2">
+              <a:schemeClr val="accent1">
+                <a:shade val="50000"/>
+              </a:schemeClr>
+            </a:lnRef>
+            <a:fillRef idx="1">
+              <a:schemeClr val="accent1"/>
+            </a:fillRef>
+            <a:effectRef idx="0">
+              <a:schemeClr val="accent1"/>
+            </a:effectRef>
+            <a:fontRef idx="minor">
+              <a:schemeClr val="lt1"/>
+            </a:fontRef>
+          </p:style>
+          <p:txBody>
+            <a:bodyPr rtlCol="0" anchor="ctr"/>
+            <a:lstStyle/>
+            <a:p>
+              <a:pPr algn="ctr"/>
+              <a:endParaRPr lang="zh-CN" altLang="en-US"/>
+            </a:p>
+          </p:txBody>
+        </p:sp>
+        <p:sp>
+          <p:nvSpPr>
+            <p:cNvPr id="78" name="TextBox 6"/>
+            <p:cNvSpPr txBox="1"/>
+            <p:nvPr/>
+          </p:nvSpPr>
+          <p:spPr>
+            <a:xfrm>
+              <a:off x="3037880" y="1275606"/>
+              <a:ext cx="288032" cy="523220"/>
+            </a:xfrm>
+            <a:prstGeom prst="rect">
+              <a:avLst/>
+            </a:prstGeom>
+            <a:noFill/>
+          </p:spPr>
+          <p:txBody>
+            <a:bodyPr wrap="square" rtlCol="0">
+              <a:spAutoFit/>
+            </a:bodyPr>
+            <a:lstStyle/>
+            <a:p>
+              <a:r>
+                <a:rPr lang="en-US" altLang="zh-CN" sz="2800" b="1" dirty="0" smtClean="0">
+                  <a:solidFill>
+                    <a:schemeClr val="bg1"/>
+                  </a:solidFill>
+                </a:rPr>
+                <a:t>3</a:t>
+              </a:r>
+              <a:endParaRPr lang="zh-CN" altLang="en-US" sz="2800" b="1" dirty="0">
+                <a:solidFill>
+                  <a:schemeClr val="bg1"/>
+                </a:solidFill>
+              </a:endParaRPr>
+            </a:p>
+          </p:txBody>
+        </p:sp>
+      </p:grpSp>
+      <p:grpSp>
+        <p:nvGrpSpPr>
+          <p:cNvPr id="79" name="组合 78"/>
+          <p:cNvGrpSpPr/>
+          <p:nvPr/>
+        </p:nvGrpSpPr>
+        <p:grpSpPr>
+          <a:xfrm>
+            <a:off x="1628056" y="2334494"/>
+            <a:ext cx="2892268" cy="889544"/>
+            <a:chOff x="1475656" y="1347614"/>
+            <a:chExt cx="2892268" cy="889544"/>
+          </a:xfrm>
+        </p:grpSpPr>
+        <p:sp>
+          <p:nvSpPr>
+            <p:cNvPr id="80" name="TextBox 29"/>
+            <p:cNvSpPr txBox="1"/>
+            <p:nvPr/>
+          </p:nvSpPr>
+          <p:spPr>
+            <a:xfrm>
+              <a:off x="1475656" y="1652383"/>
+              <a:ext cx="2892268" cy="584775"/>
+            </a:xfrm>
+            <a:prstGeom prst="rect">
+              <a:avLst/>
+            </a:prstGeom>
+            <a:noFill/>
+          </p:spPr>
+          <p:txBody>
+            <a:bodyPr wrap="square" rtlCol="0">
+              <a:spAutoFit/>
+            </a:bodyPr>
+            <a:lstStyle/>
+            <a:p>
+              <a:r>
+                <a:rPr lang="zh-CN" altLang="en-US" sz="1600" dirty="0">
+                  <a:solidFill>
+                    <a:schemeClr val="tx1">
+                      <a:lumMod val="85000"/>
+                      <a:lumOff val="15000"/>
+                    </a:schemeClr>
+                  </a:solidFill>
+                </a:rPr>
+                <a:t>明确每周任务，总结每周出现的问题并提出修改</a:t>
+              </a:r>
+              <a:r>
+                <a:rPr lang="zh-CN" altLang="en-US" sz="1600" dirty="0" smtClean="0">
+                  <a:solidFill>
+                    <a:schemeClr val="tx1">
+                      <a:lumMod val="85000"/>
+                      <a:lumOff val="15000"/>
+                    </a:schemeClr>
+                  </a:solidFill>
+                </a:rPr>
+                <a:t>意见。</a:t>
+              </a:r>
+              <a:endParaRPr lang="zh-CN" altLang="en-US" sz="1600" dirty="0">
+                <a:solidFill>
+                  <a:schemeClr val="tx1">
+                    <a:lumMod val="85000"/>
+                    <a:lumOff val="15000"/>
+                  </a:schemeClr>
+                </a:solidFill>
+              </a:endParaRPr>
+            </a:p>
+          </p:txBody>
+        </p:sp>
+        <p:sp>
+          <p:nvSpPr>
+            <p:cNvPr id="81" name="TextBox 30"/>
+            <p:cNvSpPr txBox="1"/>
+            <p:nvPr/>
+          </p:nvSpPr>
+          <p:spPr>
+            <a:xfrm>
+              <a:off x="1487604" y="1347614"/>
+              <a:ext cx="2088233" cy="338554"/>
+            </a:xfrm>
+            <a:prstGeom prst="rect">
+              <a:avLst/>
+            </a:prstGeom>
+            <a:noFill/>
+          </p:spPr>
+          <p:txBody>
+            <a:bodyPr wrap="square" rtlCol="0">
+              <a:spAutoFit/>
+            </a:bodyPr>
+            <a:lstStyle/>
+            <a:p>
+              <a:r>
+                <a:rPr lang="en-US" altLang="zh-CN" sz="1600" dirty="0" smtClean="0">
+                  <a:solidFill>
+                    <a:srgbClr val="00B0F0"/>
+                  </a:solidFill>
+                  <a:latin typeface="微软雅黑" pitchFamily="34" charset="-122"/>
+                  <a:ea typeface="微软雅黑" pitchFamily="34" charset="-122"/>
+                </a:rPr>
+                <a:t>8.3.1</a:t>
+              </a:r>
+              <a:r>
+                <a:rPr lang="zh-CN" altLang="en-US" sz="1600" dirty="0" smtClean="0">
+                  <a:solidFill>
+                    <a:srgbClr val="00B0F0"/>
+                  </a:solidFill>
+                  <a:latin typeface="微软雅黑" pitchFamily="34" charset="-122"/>
+                  <a:ea typeface="微软雅黑" pitchFamily="34" charset="-122"/>
+                </a:rPr>
+                <a:t>沟通目的</a:t>
+              </a:r>
+              <a:endParaRPr lang="zh-CN" altLang="en-US" sz="1600" dirty="0">
+                <a:solidFill>
+                  <a:srgbClr val="00B0F0"/>
+                </a:solidFill>
+                <a:latin typeface="微软雅黑" pitchFamily="34" charset="-122"/>
+                <a:ea typeface="微软雅黑" pitchFamily="34" charset="-122"/>
+              </a:endParaRPr>
+            </a:p>
+          </p:txBody>
+        </p:sp>
+      </p:grpSp>
+    </p:spTree>
+    <p:extLst>
+      <p:ext uri="{BB962C8B-B14F-4D97-AF65-F5344CB8AC3E}">
+        <p14:creationId xmlns:p14="http://schemas.microsoft.com/office/powerpoint/2010/main" val="1410040062"/>
+      </p:ext>
+    </p:extLst>
+  </p:cSld>
+  <p:clrMapOvr>
+    <a:masterClrMapping/>
+  </p:clrMapOvr>
+  <p:timing>
+    <p:tnLst>
+      <p:par>
+        <p:cTn id="1" dur="indefinite" restart="never" nodeType="tmRoot"/>
+      </p:par>
+    </p:tnLst>
+  </p:timing>
+</p:sld>
+</file>
+
+<file path=ppt/slides/slide34.xml><?xml version="1.0" encoding="utf-8"?>
+<p:sld xmlns:a="http://schemas.openxmlformats.org/drawingml/2006/main" xmlns:r="http://schemas.openxmlformats.org/officeDocument/2006/relationships" xmlns:p="http://schemas.openxmlformats.org/presentationml/2006/main">
+  <p:cSld>
+    <p:spTree>
+      <p:nvGrpSpPr>
+        <p:cNvPr id="1" name=""/>
+        <p:cNvGrpSpPr/>
+        <p:nvPr/>
+      </p:nvGrpSpPr>
+      <p:grpSpPr>
+        <a:xfrm>
+          <a:off x="0" y="0"/>
+          <a:ext cx="0" cy="0"/>
+          <a:chOff x="0" y="0"/>
+          <a:chExt cx="0" cy="0"/>
+        </a:xfrm>
+      </p:grpSpPr>
       <p:grpSp>
         <p:nvGrpSpPr>
           <p:cNvPr id="2" name="组合 1"/>
@@ -23813,7 +24912,7 @@
 </p:sld>
 </file>
 
-<file path=ppt/slides/slide34.xml><?xml version="1.0" encoding="utf-8"?>
+<file path=ppt/slides/slide35.xml><?xml version="1.0" encoding="utf-8"?>
 <p:sld xmlns:a="http://schemas.openxmlformats.org/drawingml/2006/main" xmlns:r="http://schemas.openxmlformats.org/officeDocument/2006/relationships" xmlns:p="http://schemas.openxmlformats.org/presentationml/2006/main">
   <p:cSld>
     <p:spTree>
@@ -24134,7 +25233,7 @@
 </p:sld>
 </file>
 
-<file path=ppt/slides/slide35.xml><?xml version="1.0" encoding="utf-8"?>
+<file path=ppt/slides/slide36.xml><?xml version="1.0" encoding="utf-8"?>
 <p:sld xmlns:a="http://schemas.openxmlformats.org/drawingml/2006/main" xmlns:r="http://schemas.openxmlformats.org/officeDocument/2006/relationships" xmlns:p="http://schemas.openxmlformats.org/presentationml/2006/main">
   <p:cSld>
     <p:spTree>
@@ -24550,7 +25649,7 @@
 </p:sld>
 </file>
 
-<file path=ppt/slides/slide36.xml><?xml version="1.0" encoding="utf-8"?>
+<file path=ppt/slides/slide37.xml><?xml version="1.0" encoding="utf-8"?>
 <p:sld xmlns:a="http://schemas.openxmlformats.org/drawingml/2006/main" xmlns:r="http://schemas.openxmlformats.org/officeDocument/2006/relationships" xmlns:p="http://schemas.openxmlformats.org/presentationml/2006/main">
   <p:cSld>
     <p:spTree>
@@ -24875,7 +25974,7 @@
 </p:sld>
 </file>
 
-<file path=ppt/slides/slide37.xml><?xml version="1.0" encoding="utf-8"?>
+<file path=ppt/slides/slide38.xml><?xml version="1.0" encoding="utf-8"?>
 <p:sld xmlns:a="http://schemas.openxmlformats.org/drawingml/2006/main" xmlns:r="http://schemas.openxmlformats.org/officeDocument/2006/relationships" xmlns:p="http://schemas.openxmlformats.org/presentationml/2006/main">
   <p:cSld>
     <p:spTree>
@@ -25276,7 +26375,7 @@
 </p:sld>
 </file>
 
-<file path=ppt/slides/slide38.xml><?xml version="1.0" encoding="utf-8"?>
+<file path=ppt/slides/slide39.xml><?xml version="1.0" encoding="utf-8"?>
 <p:sld xmlns:a="http://schemas.openxmlformats.org/drawingml/2006/main" xmlns:r="http://schemas.openxmlformats.org/officeDocument/2006/relationships" xmlns:p="http://schemas.openxmlformats.org/presentationml/2006/main">
   <p:cSld>
     <p:spTree>
@@ -25731,7 +26830,695 @@
 </p:sld>
 </file>
 
-<file path=ppt/slides/slide39.xml><?xml version="1.0" encoding="utf-8"?>
+<file path=ppt/slides/slide4.xml><?xml version="1.0" encoding="utf-8"?>
+<p:sld xmlns:a="http://schemas.openxmlformats.org/drawingml/2006/main" xmlns:r="http://schemas.openxmlformats.org/officeDocument/2006/relationships" xmlns:p="http://schemas.openxmlformats.org/presentationml/2006/main">
+  <p:cSld>
+    <p:spTree>
+      <p:nvGrpSpPr>
+        <p:cNvPr id="1" name=""/>
+        <p:cNvGrpSpPr/>
+        <p:nvPr/>
+      </p:nvGrpSpPr>
+      <p:grpSpPr>
+        <a:xfrm>
+          <a:off x="0" y="0"/>
+          <a:ext cx="0" cy="0"/>
+          <a:chOff x="0" y="0"/>
+          <a:chExt cx="0" cy="0"/>
+        </a:xfrm>
+      </p:grpSpPr>
+      <p:sp>
+        <p:nvSpPr>
+          <p:cNvPr id="3" name="矩形 2"/>
+          <p:cNvSpPr/>
+          <p:nvPr/>
+        </p:nvSpPr>
+        <p:spPr>
+          <a:xfrm>
+            <a:off x="0" y="448022"/>
+            <a:ext cx="611560" cy="611560"/>
+          </a:xfrm>
+          <a:prstGeom prst="rect">
+            <a:avLst/>
+          </a:prstGeom>
+          <a:solidFill>
+            <a:srgbClr val="F46970"/>
+          </a:solidFill>
+          <a:ln>
+            <a:noFill/>
+          </a:ln>
+        </p:spPr>
+        <p:style>
+          <a:lnRef idx="2">
+            <a:schemeClr val="accent1">
+              <a:shade val="50000"/>
+            </a:schemeClr>
+          </a:lnRef>
+          <a:fillRef idx="1">
+            <a:schemeClr val="accent1"/>
+          </a:fillRef>
+          <a:effectRef idx="0">
+            <a:schemeClr val="accent1"/>
+          </a:effectRef>
+          <a:fontRef idx="minor">
+            <a:schemeClr val="lt1"/>
+          </a:fontRef>
+        </p:style>
+        <p:txBody>
+          <a:bodyPr rtlCol="0" anchor="ctr"/>
+          <a:lstStyle/>
+          <a:p>
+            <a:pPr algn="ctr"/>
+            <a:endParaRPr lang="zh-CN" altLang="en-US"/>
+          </a:p>
+        </p:txBody>
+      </p:sp>
+      <p:sp>
+        <p:nvSpPr>
+          <p:cNvPr id="4" name="TextBox 3"/>
+          <p:cNvSpPr txBox="1"/>
+          <p:nvPr/>
+        </p:nvSpPr>
+        <p:spPr>
+          <a:xfrm>
+            <a:off x="683568" y="448022"/>
+            <a:ext cx="1584176" cy="369332"/>
+          </a:xfrm>
+          <a:prstGeom prst="rect">
+            <a:avLst/>
+          </a:prstGeom>
+          <a:noFill/>
+        </p:spPr>
+        <p:txBody>
+          <a:bodyPr wrap="square" rtlCol="0">
+            <a:spAutoFit/>
+          </a:bodyPr>
+          <a:lstStyle/>
+          <a:p>
+            <a:r>
+              <a:rPr lang="en-US" altLang="zh-CN" dirty="0" smtClean="0">
+                <a:solidFill>
+                  <a:srgbClr val="F46970"/>
+                </a:solidFill>
+                <a:latin typeface="微软雅黑" pitchFamily="34" charset="-122"/>
+                <a:ea typeface="微软雅黑" pitchFamily="34" charset="-122"/>
+              </a:rPr>
+              <a:t>1.</a:t>
+            </a:r>
+            <a:r>
+              <a:rPr lang="zh-CN" altLang="en-US" dirty="0" smtClean="0">
+                <a:solidFill>
+                  <a:srgbClr val="F46970"/>
+                </a:solidFill>
+                <a:latin typeface="微软雅黑" pitchFamily="34" charset="-122"/>
+                <a:ea typeface="微软雅黑" pitchFamily="34" charset="-122"/>
+              </a:rPr>
+              <a:t>引言</a:t>
+            </a:r>
+            <a:endParaRPr lang="zh-CN" altLang="en-US" dirty="0">
+              <a:solidFill>
+                <a:srgbClr val="F46970"/>
+              </a:solidFill>
+              <a:latin typeface="微软雅黑" pitchFamily="34" charset="-122"/>
+              <a:ea typeface="微软雅黑" pitchFamily="34" charset="-122"/>
+            </a:endParaRPr>
+          </a:p>
+        </p:txBody>
+      </p:sp>
+      <p:sp>
+        <p:nvSpPr>
+          <p:cNvPr id="5" name="TextBox 4"/>
+          <p:cNvSpPr txBox="1"/>
+          <p:nvPr/>
+        </p:nvSpPr>
+        <p:spPr>
+          <a:xfrm>
+            <a:off x="709823" y="753802"/>
+            <a:ext cx="1584176" cy="338554"/>
+          </a:xfrm>
+          <a:prstGeom prst="rect">
+            <a:avLst/>
+          </a:prstGeom>
+          <a:noFill/>
+        </p:spPr>
+        <p:txBody>
+          <a:bodyPr wrap="square" rtlCol="0">
+            <a:spAutoFit/>
+          </a:bodyPr>
+          <a:lstStyle/>
+          <a:p>
+            <a:r>
+              <a:rPr lang="en-US" altLang="zh-CN" sz="1600" dirty="0" smtClean="0">
+                <a:solidFill>
+                  <a:srgbClr val="F46970"/>
+                </a:solidFill>
+                <a:latin typeface="微软雅黑" pitchFamily="34" charset="-122"/>
+                <a:ea typeface="微软雅黑" pitchFamily="34" charset="-122"/>
+              </a:rPr>
+              <a:t>1.1</a:t>
+            </a:r>
+            <a:r>
+              <a:rPr lang="zh-CN" altLang="en-US" sz="1600" dirty="0" smtClean="0">
+                <a:solidFill>
+                  <a:srgbClr val="F46970"/>
+                </a:solidFill>
+                <a:latin typeface="微软雅黑" pitchFamily="34" charset="-122"/>
+                <a:ea typeface="微软雅黑" pitchFamily="34" charset="-122"/>
+              </a:rPr>
+              <a:t>编写的目的</a:t>
+            </a:r>
+            <a:endParaRPr lang="zh-CN" altLang="en-US" sz="1600" dirty="0">
+              <a:solidFill>
+                <a:srgbClr val="F46970"/>
+              </a:solidFill>
+              <a:latin typeface="微软雅黑" pitchFamily="34" charset="-122"/>
+              <a:ea typeface="微软雅黑" pitchFamily="34" charset="-122"/>
+            </a:endParaRPr>
+          </a:p>
+        </p:txBody>
+      </p:sp>
+      <p:grpSp>
+        <p:nvGrpSpPr>
+          <p:cNvPr id="21" name="组合 20"/>
+          <p:cNvGrpSpPr/>
+          <p:nvPr/>
+        </p:nvGrpSpPr>
+        <p:grpSpPr>
+          <a:xfrm>
+            <a:off x="1183615" y="1159254"/>
+            <a:ext cx="1584176" cy="629610"/>
+            <a:chOff x="1187624" y="1868967"/>
+            <a:chExt cx="1584176" cy="629610"/>
+          </a:xfrm>
+        </p:grpSpPr>
+        <p:grpSp>
+          <p:nvGrpSpPr>
+            <p:cNvPr id="14" name="组合 13"/>
+            <p:cNvGrpSpPr/>
+            <p:nvPr/>
+          </p:nvGrpSpPr>
+          <p:grpSpPr>
+            <a:xfrm>
+              <a:off x="1187624" y="1923680"/>
+              <a:ext cx="1451848" cy="574897"/>
+              <a:chOff x="1259632" y="2067695"/>
+              <a:chExt cx="1272943" cy="504055"/>
+            </a:xfrm>
+          </p:grpSpPr>
+          <p:cxnSp>
+            <p:nvCxnSpPr>
+              <p:cNvPr id="7" name="直接连接符 6"/>
+              <p:cNvCxnSpPr/>
+              <p:nvPr/>
+            </p:nvCxnSpPr>
+            <p:spPr>
+              <a:xfrm flipV="1">
+                <a:off x="1259632" y="2067695"/>
+                <a:ext cx="576064" cy="504055"/>
+              </a:xfrm>
+              <a:prstGeom prst="line">
+                <a:avLst/>
+              </a:prstGeom>
+              <a:ln w="19050">
+                <a:solidFill>
+                  <a:srgbClr val="F46970"/>
+                </a:solidFill>
+              </a:ln>
+            </p:spPr>
+            <p:style>
+              <a:lnRef idx="1">
+                <a:schemeClr val="accent1"/>
+              </a:lnRef>
+              <a:fillRef idx="0">
+                <a:schemeClr val="accent1"/>
+              </a:fillRef>
+              <a:effectRef idx="0">
+                <a:schemeClr val="accent1"/>
+              </a:effectRef>
+              <a:fontRef idx="minor">
+                <a:schemeClr val="tx1"/>
+              </a:fontRef>
+            </p:style>
+          </p:cxnSp>
+          <p:cxnSp>
+            <p:nvCxnSpPr>
+              <p:cNvPr id="9" name="直接连接符 8"/>
+              <p:cNvCxnSpPr/>
+              <p:nvPr/>
+            </p:nvCxnSpPr>
+            <p:spPr>
+              <a:xfrm>
+                <a:off x="1812495" y="2081918"/>
+                <a:ext cx="720080" cy="1"/>
+              </a:xfrm>
+              <a:prstGeom prst="line">
+                <a:avLst/>
+              </a:prstGeom>
+              <a:ln w="19050">
+                <a:solidFill>
+                  <a:srgbClr val="F46970"/>
+                </a:solidFill>
+              </a:ln>
+            </p:spPr>
+            <p:style>
+              <a:lnRef idx="1">
+                <a:schemeClr val="accent1"/>
+              </a:lnRef>
+              <a:fillRef idx="0">
+                <a:schemeClr val="accent1"/>
+              </a:fillRef>
+              <a:effectRef idx="0">
+                <a:schemeClr val="accent1"/>
+              </a:effectRef>
+              <a:fontRef idx="minor">
+                <a:schemeClr val="tx1"/>
+              </a:fontRef>
+            </p:style>
+          </p:cxnSp>
+        </p:grpSp>
+        <p:sp>
+          <p:nvSpPr>
+            <p:cNvPr id="19" name="椭圆 18"/>
+            <p:cNvSpPr/>
+            <p:nvPr/>
+          </p:nvSpPr>
+          <p:spPr>
+            <a:xfrm>
+              <a:off x="2629930" y="1868967"/>
+              <a:ext cx="141870" cy="141870"/>
+            </a:xfrm>
+            <a:prstGeom prst="ellipse">
+              <a:avLst/>
+            </a:prstGeom>
+            <a:solidFill>
+              <a:srgbClr val="F46970"/>
+            </a:solidFill>
+            <a:ln>
+              <a:solidFill>
+                <a:srgbClr val="F46970"/>
+              </a:solidFill>
+            </a:ln>
+          </p:spPr>
+          <p:style>
+            <a:lnRef idx="2">
+              <a:schemeClr val="accent1">
+                <a:shade val="50000"/>
+              </a:schemeClr>
+            </a:lnRef>
+            <a:fillRef idx="1">
+              <a:schemeClr val="accent1"/>
+            </a:fillRef>
+            <a:effectRef idx="0">
+              <a:schemeClr val="accent1"/>
+            </a:effectRef>
+            <a:fontRef idx="minor">
+              <a:schemeClr val="lt1"/>
+            </a:fontRef>
+          </p:style>
+          <p:txBody>
+            <a:bodyPr rtlCol="0" anchor="ctr"/>
+            <a:lstStyle/>
+            <a:p>
+              <a:pPr algn="ctr"/>
+              <a:endParaRPr lang="zh-CN" altLang="en-US"/>
+            </a:p>
+          </p:txBody>
+        </p:sp>
+      </p:grpSp>
+      <p:grpSp>
+        <p:nvGrpSpPr>
+          <p:cNvPr id="35" name="组合 34"/>
+          <p:cNvGrpSpPr/>
+          <p:nvPr/>
+        </p:nvGrpSpPr>
+        <p:grpSpPr>
+          <a:xfrm rot="18962044" flipV="1">
+            <a:off x="5907469" y="3285830"/>
+            <a:ext cx="1366408" cy="912355"/>
+            <a:chOff x="1115111" y="1671183"/>
+            <a:chExt cx="1366408" cy="896040"/>
+          </a:xfrm>
+        </p:grpSpPr>
+        <p:grpSp>
+          <p:nvGrpSpPr>
+            <p:cNvPr id="36" name="组合 35"/>
+            <p:cNvGrpSpPr/>
+            <p:nvPr/>
+          </p:nvGrpSpPr>
+          <p:grpSpPr>
+            <a:xfrm>
+              <a:off x="1187624" y="1671183"/>
+              <a:ext cx="1293895" cy="827394"/>
+              <a:chOff x="1259632" y="1846312"/>
+              <a:chExt cx="1134454" cy="725438"/>
+            </a:xfrm>
+          </p:grpSpPr>
+          <p:cxnSp>
+            <p:nvCxnSpPr>
+              <p:cNvPr id="39" name="直接连接符 38"/>
+              <p:cNvCxnSpPr/>
+              <p:nvPr/>
+            </p:nvCxnSpPr>
+            <p:spPr>
+              <a:xfrm flipV="1">
+                <a:off x="1259632" y="2067695"/>
+                <a:ext cx="576064" cy="504055"/>
+              </a:xfrm>
+              <a:prstGeom prst="line">
+                <a:avLst/>
+              </a:prstGeom>
+              <a:ln w="19050">
+                <a:solidFill>
+                  <a:srgbClr val="F46970"/>
+                </a:solidFill>
+              </a:ln>
+            </p:spPr>
+            <p:style>
+              <a:lnRef idx="1">
+                <a:schemeClr val="accent1"/>
+              </a:lnRef>
+              <a:fillRef idx="0">
+                <a:schemeClr val="accent1"/>
+              </a:fillRef>
+              <a:effectRef idx="0">
+                <a:schemeClr val="accent1"/>
+              </a:effectRef>
+              <a:fontRef idx="minor">
+                <a:schemeClr val="tx1"/>
+              </a:fontRef>
+            </p:style>
+          </p:cxnSp>
+          <p:cxnSp>
+            <p:nvCxnSpPr>
+              <p:cNvPr id="40" name="直接连接符 39"/>
+              <p:cNvCxnSpPr/>
+              <p:nvPr/>
+            </p:nvCxnSpPr>
+            <p:spPr>
+              <a:xfrm rot="18962044">
+                <a:off x="1949218" y="1846312"/>
+                <a:ext cx="444868" cy="497571"/>
+              </a:xfrm>
+              <a:prstGeom prst="line">
+                <a:avLst/>
+              </a:prstGeom>
+              <a:ln w="19050">
+                <a:solidFill>
+                  <a:srgbClr val="F46970"/>
+                </a:solidFill>
+              </a:ln>
+            </p:spPr>
+            <p:style>
+              <a:lnRef idx="1">
+                <a:schemeClr val="accent1"/>
+              </a:lnRef>
+              <a:fillRef idx="0">
+                <a:schemeClr val="accent1"/>
+              </a:fillRef>
+              <a:effectRef idx="0">
+                <a:schemeClr val="accent1"/>
+              </a:effectRef>
+              <a:fontRef idx="minor">
+                <a:schemeClr val="tx1"/>
+              </a:fontRef>
+            </p:style>
+          </p:cxnSp>
+        </p:grpSp>
+        <p:sp>
+          <p:nvSpPr>
+            <p:cNvPr id="38" name="椭圆 37"/>
+            <p:cNvSpPr/>
+            <p:nvPr/>
+          </p:nvSpPr>
+          <p:spPr>
+            <a:xfrm>
+              <a:off x="1115111" y="2465834"/>
+              <a:ext cx="101389" cy="101389"/>
+            </a:xfrm>
+            <a:prstGeom prst="ellipse">
+              <a:avLst/>
+            </a:prstGeom>
+            <a:solidFill>
+              <a:srgbClr val="F46970"/>
+            </a:solidFill>
+            <a:ln>
+              <a:solidFill>
+                <a:srgbClr val="F46970"/>
+              </a:solidFill>
+            </a:ln>
+          </p:spPr>
+          <p:style>
+            <a:lnRef idx="2">
+              <a:schemeClr val="accent1">
+                <a:shade val="50000"/>
+              </a:schemeClr>
+            </a:lnRef>
+            <a:fillRef idx="1">
+              <a:schemeClr val="accent1"/>
+            </a:fillRef>
+            <a:effectRef idx="0">
+              <a:schemeClr val="accent1"/>
+            </a:effectRef>
+            <a:fontRef idx="minor">
+              <a:schemeClr val="lt1"/>
+            </a:fontRef>
+          </p:style>
+          <p:txBody>
+            <a:bodyPr rtlCol="0" anchor="ctr"/>
+            <a:lstStyle/>
+            <a:p>
+              <a:pPr algn="ctr"/>
+              <a:endParaRPr lang="zh-CN" altLang="en-US"/>
+            </a:p>
+          </p:txBody>
+        </p:sp>
+      </p:grpSp>
+      <p:sp>
+        <p:nvSpPr>
+          <p:cNvPr id="41" name="TextBox 40"/>
+          <p:cNvSpPr txBox="1"/>
+          <p:nvPr/>
+        </p:nvSpPr>
+        <p:spPr>
+          <a:xfrm>
+            <a:off x="2532898" y="1539353"/>
+            <a:ext cx="4631389" cy="1815882"/>
+          </a:xfrm>
+          <a:prstGeom prst="rect">
+            <a:avLst/>
+          </a:prstGeom>
+          <a:noFill/>
+        </p:spPr>
+        <p:txBody>
+          <a:bodyPr wrap="square" rtlCol="0">
+            <a:spAutoFit/>
+          </a:bodyPr>
+          <a:lstStyle/>
+          <a:p>
+            <a:r>
+              <a:rPr lang="zh-CN" altLang="zh-CN" sz="1600" dirty="0" smtClean="0">
+                <a:solidFill>
+                  <a:srgbClr val="F46970"/>
+                </a:solidFill>
+              </a:rPr>
+              <a:t>为</a:t>
+            </a:r>
+            <a:r>
+              <a:rPr lang="zh-CN" altLang="zh-CN" sz="1600" dirty="0">
+                <a:solidFill>
+                  <a:srgbClr val="F46970"/>
+                </a:solidFill>
+              </a:rPr>
+              <a:t>保证软件工程系列课程教学辅助网站项目的需求阶段能够按时且保质保量的完成，使每个人在该项目的需求阶段中能够发挥自己的特长及作用，使该项目的需求阶段能够顺利平稳且有序的进行，对需求阶段所遇到的风险进行预测并提前准备控制方案，并为项目开发提供有效且有力的进度参考。</a:t>
+            </a:r>
+          </a:p>
+        </p:txBody>
+      </p:sp>
+      <p:sp>
+        <p:nvSpPr>
+          <p:cNvPr id="42" name="TextBox 41"/>
+          <p:cNvSpPr txBox="1"/>
+          <p:nvPr/>
+        </p:nvSpPr>
+        <p:spPr>
+          <a:xfrm>
+            <a:off x="2771800" y="1054658"/>
+            <a:ext cx="2088233" cy="369332"/>
+          </a:xfrm>
+          <a:prstGeom prst="rect">
+            <a:avLst/>
+          </a:prstGeom>
+          <a:noFill/>
+        </p:spPr>
+        <p:txBody>
+          <a:bodyPr wrap="square" rtlCol="0">
+            <a:spAutoFit/>
+          </a:bodyPr>
+          <a:lstStyle/>
+          <a:p>
+            <a:r>
+              <a:rPr lang="zh-CN" altLang="en-US" dirty="0" smtClean="0">
+                <a:solidFill>
+                  <a:srgbClr val="F46970"/>
+                </a:solidFill>
+                <a:latin typeface="微软雅黑" pitchFamily="34" charset="-122"/>
+                <a:ea typeface="微软雅黑" pitchFamily="34" charset="-122"/>
+              </a:rPr>
+              <a:t>编写的目的</a:t>
+            </a:r>
+            <a:endParaRPr lang="zh-CN" altLang="en-US" dirty="0">
+              <a:solidFill>
+                <a:srgbClr val="F46970"/>
+              </a:solidFill>
+              <a:latin typeface="微软雅黑" pitchFamily="34" charset="-122"/>
+              <a:ea typeface="微软雅黑" pitchFamily="34" charset="-122"/>
+            </a:endParaRPr>
+          </a:p>
+        </p:txBody>
+      </p:sp>
+      <p:sp>
+        <p:nvSpPr>
+          <p:cNvPr id="44" name="TextBox 43"/>
+          <p:cNvSpPr txBox="1"/>
+          <p:nvPr/>
+        </p:nvSpPr>
+        <p:spPr>
+          <a:xfrm>
+            <a:off x="2625921" y="4084262"/>
+            <a:ext cx="4136312" cy="830997"/>
+          </a:xfrm>
+          <a:prstGeom prst="rect">
+            <a:avLst/>
+          </a:prstGeom>
+          <a:noFill/>
+        </p:spPr>
+        <p:txBody>
+          <a:bodyPr wrap="square" rtlCol="0">
+            <a:spAutoFit/>
+          </a:bodyPr>
+          <a:lstStyle/>
+          <a:p>
+            <a:r>
+              <a:rPr lang="zh-CN" altLang="en-US" sz="1600" dirty="0" smtClean="0">
+                <a:solidFill>
+                  <a:srgbClr val="F46970"/>
+                </a:solidFill>
+              </a:rPr>
+              <a:t>为了更好的展示</a:t>
+            </a:r>
+            <a:r>
+              <a:rPr lang="en-US" altLang="zh-CN" sz="1600" dirty="0" smtClean="0">
+                <a:solidFill>
+                  <a:srgbClr val="F46970"/>
+                </a:solidFill>
+              </a:rPr>
+              <a:t>《</a:t>
+            </a:r>
+            <a:r>
+              <a:rPr lang="zh-CN" altLang="en-US" sz="1600" dirty="0" smtClean="0">
+                <a:solidFill>
+                  <a:srgbClr val="F46970"/>
+                </a:solidFill>
+              </a:rPr>
+              <a:t>需求工程计划</a:t>
+            </a:r>
+            <a:r>
+              <a:rPr lang="en-US" altLang="zh-CN" sz="1600" dirty="0" smtClean="0">
+                <a:solidFill>
+                  <a:srgbClr val="F46970"/>
+                </a:solidFill>
+              </a:rPr>
+              <a:t>》</a:t>
+            </a:r>
+            <a:r>
+              <a:rPr lang="zh-CN" altLang="en-US" sz="1600" dirty="0" smtClean="0">
+                <a:solidFill>
+                  <a:srgbClr val="F46970"/>
+                </a:solidFill>
+              </a:rPr>
+              <a:t>文档中的内容，生动而具体地展示需求工程计划，并在此基础上补充文档中所没有的内容。</a:t>
+            </a:r>
+            <a:endParaRPr lang="zh-CN" altLang="en-US" sz="1600" dirty="0">
+              <a:solidFill>
+                <a:srgbClr val="F46970"/>
+              </a:solidFill>
+            </a:endParaRPr>
+          </a:p>
+        </p:txBody>
+      </p:sp>
+      <p:sp>
+        <p:nvSpPr>
+          <p:cNvPr id="45" name="TextBox 44"/>
+          <p:cNvSpPr txBox="1"/>
+          <p:nvPr/>
+        </p:nvSpPr>
+        <p:spPr>
+          <a:xfrm>
+            <a:off x="3601587" y="3714930"/>
+            <a:ext cx="2088233" cy="369332"/>
+          </a:xfrm>
+          <a:prstGeom prst="rect">
+            <a:avLst/>
+          </a:prstGeom>
+          <a:noFill/>
+        </p:spPr>
+        <p:txBody>
+          <a:bodyPr wrap="square" rtlCol="0">
+            <a:spAutoFit/>
+          </a:bodyPr>
+          <a:lstStyle/>
+          <a:p>
+            <a:r>
+              <a:rPr lang="en-US" altLang="zh-CN" dirty="0" smtClean="0">
+                <a:solidFill>
+                  <a:srgbClr val="F46970"/>
+                </a:solidFill>
+                <a:latin typeface="微软雅黑" pitchFamily="34" charset="-122"/>
+                <a:ea typeface="微软雅黑" pitchFamily="34" charset="-122"/>
+              </a:rPr>
+              <a:t>PPT</a:t>
+            </a:r>
+            <a:r>
+              <a:rPr lang="zh-CN" altLang="en-US" dirty="0" smtClean="0">
+                <a:solidFill>
+                  <a:srgbClr val="F46970"/>
+                </a:solidFill>
+                <a:latin typeface="微软雅黑" pitchFamily="34" charset="-122"/>
+                <a:ea typeface="微软雅黑" pitchFamily="34" charset="-122"/>
+              </a:rPr>
+              <a:t>制作的目的</a:t>
+            </a:r>
+            <a:endParaRPr lang="zh-CN" altLang="en-US" dirty="0">
+              <a:solidFill>
+                <a:srgbClr val="F46970"/>
+              </a:solidFill>
+              <a:latin typeface="微软雅黑" pitchFamily="34" charset="-122"/>
+              <a:ea typeface="微软雅黑" pitchFamily="34" charset="-122"/>
+            </a:endParaRPr>
+          </a:p>
+        </p:txBody>
+      </p:sp>
+    </p:spTree>
+    <p:extLst>
+      <p:ext uri="{BB962C8B-B14F-4D97-AF65-F5344CB8AC3E}">
+        <p14:creationId xmlns:p14="http://schemas.microsoft.com/office/powerpoint/2010/main" val="3880485177"/>
+      </p:ext>
+    </p:extLst>
+  </p:cSld>
+  <p:clrMapOvr>
+    <a:masterClrMapping/>
+  </p:clrMapOvr>
+  <p:timing>
+    <p:tnLst>
+      <p:par>
+        <p:cTn id="1" dur="indefinite" restart="never" nodeType="tmRoot"/>
+      </p:par>
+    </p:tnLst>
+  </p:timing>
+</p:sld>
+</file>
+
+<file path=ppt/slides/slide40.xml><?xml version="1.0" encoding="utf-8"?>
 <p:sld xmlns:a="http://schemas.openxmlformats.org/drawingml/2006/main" xmlns:r="http://schemas.openxmlformats.org/officeDocument/2006/relationships" xmlns:p="http://schemas.openxmlformats.org/presentationml/2006/main">
   <p:cSld>
     <p:spTree>
@@ -26120,695 +27907,7 @@
 </p:sld>
 </file>
 
-<file path=ppt/slides/slide4.xml><?xml version="1.0" encoding="utf-8"?>
-<p:sld xmlns:a="http://schemas.openxmlformats.org/drawingml/2006/main" xmlns:r="http://schemas.openxmlformats.org/officeDocument/2006/relationships" xmlns:p="http://schemas.openxmlformats.org/presentationml/2006/main">
-  <p:cSld>
-    <p:spTree>
-      <p:nvGrpSpPr>
-        <p:cNvPr id="1" name=""/>
-        <p:cNvGrpSpPr/>
-        <p:nvPr/>
-      </p:nvGrpSpPr>
-      <p:grpSpPr>
-        <a:xfrm>
-          <a:off x="0" y="0"/>
-          <a:ext cx="0" cy="0"/>
-          <a:chOff x="0" y="0"/>
-          <a:chExt cx="0" cy="0"/>
-        </a:xfrm>
-      </p:grpSpPr>
-      <p:sp>
-        <p:nvSpPr>
-          <p:cNvPr id="3" name="矩形 2"/>
-          <p:cNvSpPr/>
-          <p:nvPr/>
-        </p:nvSpPr>
-        <p:spPr>
-          <a:xfrm>
-            <a:off x="0" y="448022"/>
-            <a:ext cx="611560" cy="611560"/>
-          </a:xfrm>
-          <a:prstGeom prst="rect">
-            <a:avLst/>
-          </a:prstGeom>
-          <a:solidFill>
-            <a:srgbClr val="F46970"/>
-          </a:solidFill>
-          <a:ln>
-            <a:noFill/>
-          </a:ln>
-        </p:spPr>
-        <p:style>
-          <a:lnRef idx="2">
-            <a:schemeClr val="accent1">
-              <a:shade val="50000"/>
-            </a:schemeClr>
-          </a:lnRef>
-          <a:fillRef idx="1">
-            <a:schemeClr val="accent1"/>
-          </a:fillRef>
-          <a:effectRef idx="0">
-            <a:schemeClr val="accent1"/>
-          </a:effectRef>
-          <a:fontRef idx="minor">
-            <a:schemeClr val="lt1"/>
-          </a:fontRef>
-        </p:style>
-        <p:txBody>
-          <a:bodyPr rtlCol="0" anchor="ctr"/>
-          <a:lstStyle/>
-          <a:p>
-            <a:pPr algn="ctr"/>
-            <a:endParaRPr lang="zh-CN" altLang="en-US"/>
-          </a:p>
-        </p:txBody>
-      </p:sp>
-      <p:sp>
-        <p:nvSpPr>
-          <p:cNvPr id="4" name="TextBox 3"/>
-          <p:cNvSpPr txBox="1"/>
-          <p:nvPr/>
-        </p:nvSpPr>
-        <p:spPr>
-          <a:xfrm>
-            <a:off x="683568" y="448022"/>
-            <a:ext cx="1584176" cy="369332"/>
-          </a:xfrm>
-          <a:prstGeom prst="rect">
-            <a:avLst/>
-          </a:prstGeom>
-          <a:noFill/>
-        </p:spPr>
-        <p:txBody>
-          <a:bodyPr wrap="square" rtlCol="0">
-            <a:spAutoFit/>
-          </a:bodyPr>
-          <a:lstStyle/>
-          <a:p>
-            <a:r>
-              <a:rPr lang="en-US" altLang="zh-CN" dirty="0" smtClean="0">
-                <a:solidFill>
-                  <a:srgbClr val="F46970"/>
-                </a:solidFill>
-                <a:latin typeface="微软雅黑" pitchFamily="34" charset="-122"/>
-                <a:ea typeface="微软雅黑" pitchFamily="34" charset="-122"/>
-              </a:rPr>
-              <a:t>1.</a:t>
-            </a:r>
-            <a:r>
-              <a:rPr lang="zh-CN" altLang="en-US" dirty="0" smtClean="0">
-                <a:solidFill>
-                  <a:srgbClr val="F46970"/>
-                </a:solidFill>
-                <a:latin typeface="微软雅黑" pitchFamily="34" charset="-122"/>
-                <a:ea typeface="微软雅黑" pitchFamily="34" charset="-122"/>
-              </a:rPr>
-              <a:t>引言</a:t>
-            </a:r>
-            <a:endParaRPr lang="zh-CN" altLang="en-US" dirty="0">
-              <a:solidFill>
-                <a:srgbClr val="F46970"/>
-              </a:solidFill>
-              <a:latin typeface="微软雅黑" pitchFamily="34" charset="-122"/>
-              <a:ea typeface="微软雅黑" pitchFamily="34" charset="-122"/>
-            </a:endParaRPr>
-          </a:p>
-        </p:txBody>
-      </p:sp>
-      <p:sp>
-        <p:nvSpPr>
-          <p:cNvPr id="5" name="TextBox 4"/>
-          <p:cNvSpPr txBox="1"/>
-          <p:nvPr/>
-        </p:nvSpPr>
-        <p:spPr>
-          <a:xfrm>
-            <a:off x="709823" y="753802"/>
-            <a:ext cx="1584176" cy="338554"/>
-          </a:xfrm>
-          <a:prstGeom prst="rect">
-            <a:avLst/>
-          </a:prstGeom>
-          <a:noFill/>
-        </p:spPr>
-        <p:txBody>
-          <a:bodyPr wrap="square" rtlCol="0">
-            <a:spAutoFit/>
-          </a:bodyPr>
-          <a:lstStyle/>
-          <a:p>
-            <a:r>
-              <a:rPr lang="en-US" altLang="zh-CN" sz="1600" dirty="0" smtClean="0">
-                <a:solidFill>
-                  <a:srgbClr val="F46970"/>
-                </a:solidFill>
-                <a:latin typeface="微软雅黑" pitchFamily="34" charset="-122"/>
-                <a:ea typeface="微软雅黑" pitchFamily="34" charset="-122"/>
-              </a:rPr>
-              <a:t>1.1</a:t>
-            </a:r>
-            <a:r>
-              <a:rPr lang="zh-CN" altLang="en-US" sz="1600" dirty="0" smtClean="0">
-                <a:solidFill>
-                  <a:srgbClr val="F46970"/>
-                </a:solidFill>
-                <a:latin typeface="微软雅黑" pitchFamily="34" charset="-122"/>
-                <a:ea typeface="微软雅黑" pitchFamily="34" charset="-122"/>
-              </a:rPr>
-              <a:t>编写的目的</a:t>
-            </a:r>
-            <a:endParaRPr lang="zh-CN" altLang="en-US" sz="1600" dirty="0">
-              <a:solidFill>
-                <a:srgbClr val="F46970"/>
-              </a:solidFill>
-              <a:latin typeface="微软雅黑" pitchFamily="34" charset="-122"/>
-              <a:ea typeface="微软雅黑" pitchFamily="34" charset="-122"/>
-            </a:endParaRPr>
-          </a:p>
-        </p:txBody>
-      </p:sp>
-      <p:grpSp>
-        <p:nvGrpSpPr>
-          <p:cNvPr id="21" name="组合 20"/>
-          <p:cNvGrpSpPr/>
-          <p:nvPr/>
-        </p:nvGrpSpPr>
-        <p:grpSpPr>
-          <a:xfrm>
-            <a:off x="1183615" y="1159254"/>
-            <a:ext cx="1584176" cy="629610"/>
-            <a:chOff x="1187624" y="1868967"/>
-            <a:chExt cx="1584176" cy="629610"/>
-          </a:xfrm>
-        </p:grpSpPr>
-        <p:grpSp>
-          <p:nvGrpSpPr>
-            <p:cNvPr id="14" name="组合 13"/>
-            <p:cNvGrpSpPr/>
-            <p:nvPr/>
-          </p:nvGrpSpPr>
-          <p:grpSpPr>
-            <a:xfrm>
-              <a:off x="1187624" y="1923680"/>
-              <a:ext cx="1451848" cy="574897"/>
-              <a:chOff x="1259632" y="2067695"/>
-              <a:chExt cx="1272943" cy="504055"/>
-            </a:xfrm>
-          </p:grpSpPr>
-          <p:cxnSp>
-            <p:nvCxnSpPr>
-              <p:cNvPr id="7" name="直接连接符 6"/>
-              <p:cNvCxnSpPr/>
-              <p:nvPr/>
-            </p:nvCxnSpPr>
-            <p:spPr>
-              <a:xfrm flipV="1">
-                <a:off x="1259632" y="2067695"/>
-                <a:ext cx="576064" cy="504055"/>
-              </a:xfrm>
-              <a:prstGeom prst="line">
-                <a:avLst/>
-              </a:prstGeom>
-              <a:ln w="19050">
-                <a:solidFill>
-                  <a:srgbClr val="F46970"/>
-                </a:solidFill>
-              </a:ln>
-            </p:spPr>
-            <p:style>
-              <a:lnRef idx="1">
-                <a:schemeClr val="accent1"/>
-              </a:lnRef>
-              <a:fillRef idx="0">
-                <a:schemeClr val="accent1"/>
-              </a:fillRef>
-              <a:effectRef idx="0">
-                <a:schemeClr val="accent1"/>
-              </a:effectRef>
-              <a:fontRef idx="minor">
-                <a:schemeClr val="tx1"/>
-              </a:fontRef>
-            </p:style>
-          </p:cxnSp>
-          <p:cxnSp>
-            <p:nvCxnSpPr>
-              <p:cNvPr id="9" name="直接连接符 8"/>
-              <p:cNvCxnSpPr/>
-              <p:nvPr/>
-            </p:nvCxnSpPr>
-            <p:spPr>
-              <a:xfrm>
-                <a:off x="1812495" y="2081918"/>
-                <a:ext cx="720080" cy="1"/>
-              </a:xfrm>
-              <a:prstGeom prst="line">
-                <a:avLst/>
-              </a:prstGeom>
-              <a:ln w="19050">
-                <a:solidFill>
-                  <a:srgbClr val="F46970"/>
-                </a:solidFill>
-              </a:ln>
-            </p:spPr>
-            <p:style>
-              <a:lnRef idx="1">
-                <a:schemeClr val="accent1"/>
-              </a:lnRef>
-              <a:fillRef idx="0">
-                <a:schemeClr val="accent1"/>
-              </a:fillRef>
-              <a:effectRef idx="0">
-                <a:schemeClr val="accent1"/>
-              </a:effectRef>
-              <a:fontRef idx="minor">
-                <a:schemeClr val="tx1"/>
-              </a:fontRef>
-            </p:style>
-          </p:cxnSp>
-        </p:grpSp>
-        <p:sp>
-          <p:nvSpPr>
-            <p:cNvPr id="19" name="椭圆 18"/>
-            <p:cNvSpPr/>
-            <p:nvPr/>
-          </p:nvSpPr>
-          <p:spPr>
-            <a:xfrm>
-              <a:off x="2629930" y="1868967"/>
-              <a:ext cx="141870" cy="141870"/>
-            </a:xfrm>
-            <a:prstGeom prst="ellipse">
-              <a:avLst/>
-            </a:prstGeom>
-            <a:solidFill>
-              <a:srgbClr val="F46970"/>
-            </a:solidFill>
-            <a:ln>
-              <a:solidFill>
-                <a:srgbClr val="F46970"/>
-              </a:solidFill>
-            </a:ln>
-          </p:spPr>
-          <p:style>
-            <a:lnRef idx="2">
-              <a:schemeClr val="accent1">
-                <a:shade val="50000"/>
-              </a:schemeClr>
-            </a:lnRef>
-            <a:fillRef idx="1">
-              <a:schemeClr val="accent1"/>
-            </a:fillRef>
-            <a:effectRef idx="0">
-              <a:schemeClr val="accent1"/>
-            </a:effectRef>
-            <a:fontRef idx="minor">
-              <a:schemeClr val="lt1"/>
-            </a:fontRef>
-          </p:style>
-          <p:txBody>
-            <a:bodyPr rtlCol="0" anchor="ctr"/>
-            <a:lstStyle/>
-            <a:p>
-              <a:pPr algn="ctr"/>
-              <a:endParaRPr lang="zh-CN" altLang="en-US"/>
-            </a:p>
-          </p:txBody>
-        </p:sp>
-      </p:grpSp>
-      <p:grpSp>
-        <p:nvGrpSpPr>
-          <p:cNvPr id="35" name="组合 34"/>
-          <p:cNvGrpSpPr/>
-          <p:nvPr/>
-        </p:nvGrpSpPr>
-        <p:grpSpPr>
-          <a:xfrm rot="18962044" flipV="1">
-            <a:off x="5907469" y="3285830"/>
-            <a:ext cx="1366408" cy="912355"/>
-            <a:chOff x="1115111" y="1671183"/>
-            <a:chExt cx="1366408" cy="896040"/>
-          </a:xfrm>
-        </p:grpSpPr>
-        <p:grpSp>
-          <p:nvGrpSpPr>
-            <p:cNvPr id="36" name="组合 35"/>
-            <p:cNvGrpSpPr/>
-            <p:nvPr/>
-          </p:nvGrpSpPr>
-          <p:grpSpPr>
-            <a:xfrm>
-              <a:off x="1187624" y="1671183"/>
-              <a:ext cx="1293895" cy="827394"/>
-              <a:chOff x="1259632" y="1846312"/>
-              <a:chExt cx="1134454" cy="725438"/>
-            </a:xfrm>
-          </p:grpSpPr>
-          <p:cxnSp>
-            <p:nvCxnSpPr>
-              <p:cNvPr id="39" name="直接连接符 38"/>
-              <p:cNvCxnSpPr/>
-              <p:nvPr/>
-            </p:nvCxnSpPr>
-            <p:spPr>
-              <a:xfrm flipV="1">
-                <a:off x="1259632" y="2067695"/>
-                <a:ext cx="576064" cy="504055"/>
-              </a:xfrm>
-              <a:prstGeom prst="line">
-                <a:avLst/>
-              </a:prstGeom>
-              <a:ln w="19050">
-                <a:solidFill>
-                  <a:srgbClr val="F46970"/>
-                </a:solidFill>
-              </a:ln>
-            </p:spPr>
-            <p:style>
-              <a:lnRef idx="1">
-                <a:schemeClr val="accent1"/>
-              </a:lnRef>
-              <a:fillRef idx="0">
-                <a:schemeClr val="accent1"/>
-              </a:fillRef>
-              <a:effectRef idx="0">
-                <a:schemeClr val="accent1"/>
-              </a:effectRef>
-              <a:fontRef idx="minor">
-                <a:schemeClr val="tx1"/>
-              </a:fontRef>
-            </p:style>
-          </p:cxnSp>
-          <p:cxnSp>
-            <p:nvCxnSpPr>
-              <p:cNvPr id="40" name="直接连接符 39"/>
-              <p:cNvCxnSpPr/>
-              <p:nvPr/>
-            </p:nvCxnSpPr>
-            <p:spPr>
-              <a:xfrm rot="18962044">
-                <a:off x="1949218" y="1846312"/>
-                <a:ext cx="444868" cy="497571"/>
-              </a:xfrm>
-              <a:prstGeom prst="line">
-                <a:avLst/>
-              </a:prstGeom>
-              <a:ln w="19050">
-                <a:solidFill>
-                  <a:srgbClr val="F46970"/>
-                </a:solidFill>
-              </a:ln>
-            </p:spPr>
-            <p:style>
-              <a:lnRef idx="1">
-                <a:schemeClr val="accent1"/>
-              </a:lnRef>
-              <a:fillRef idx="0">
-                <a:schemeClr val="accent1"/>
-              </a:fillRef>
-              <a:effectRef idx="0">
-                <a:schemeClr val="accent1"/>
-              </a:effectRef>
-              <a:fontRef idx="minor">
-                <a:schemeClr val="tx1"/>
-              </a:fontRef>
-            </p:style>
-          </p:cxnSp>
-        </p:grpSp>
-        <p:sp>
-          <p:nvSpPr>
-            <p:cNvPr id="38" name="椭圆 37"/>
-            <p:cNvSpPr/>
-            <p:nvPr/>
-          </p:nvSpPr>
-          <p:spPr>
-            <a:xfrm>
-              <a:off x="1115111" y="2465834"/>
-              <a:ext cx="101389" cy="101389"/>
-            </a:xfrm>
-            <a:prstGeom prst="ellipse">
-              <a:avLst/>
-            </a:prstGeom>
-            <a:solidFill>
-              <a:srgbClr val="F46970"/>
-            </a:solidFill>
-            <a:ln>
-              <a:solidFill>
-                <a:srgbClr val="F46970"/>
-              </a:solidFill>
-            </a:ln>
-          </p:spPr>
-          <p:style>
-            <a:lnRef idx="2">
-              <a:schemeClr val="accent1">
-                <a:shade val="50000"/>
-              </a:schemeClr>
-            </a:lnRef>
-            <a:fillRef idx="1">
-              <a:schemeClr val="accent1"/>
-            </a:fillRef>
-            <a:effectRef idx="0">
-              <a:schemeClr val="accent1"/>
-            </a:effectRef>
-            <a:fontRef idx="minor">
-              <a:schemeClr val="lt1"/>
-            </a:fontRef>
-          </p:style>
-          <p:txBody>
-            <a:bodyPr rtlCol="0" anchor="ctr"/>
-            <a:lstStyle/>
-            <a:p>
-              <a:pPr algn="ctr"/>
-              <a:endParaRPr lang="zh-CN" altLang="en-US"/>
-            </a:p>
-          </p:txBody>
-        </p:sp>
-      </p:grpSp>
-      <p:sp>
-        <p:nvSpPr>
-          <p:cNvPr id="41" name="TextBox 40"/>
-          <p:cNvSpPr txBox="1"/>
-          <p:nvPr/>
-        </p:nvSpPr>
-        <p:spPr>
-          <a:xfrm>
-            <a:off x="2532898" y="1539353"/>
-            <a:ext cx="4631389" cy="1815882"/>
-          </a:xfrm>
-          <a:prstGeom prst="rect">
-            <a:avLst/>
-          </a:prstGeom>
-          <a:noFill/>
-        </p:spPr>
-        <p:txBody>
-          <a:bodyPr wrap="square" rtlCol="0">
-            <a:spAutoFit/>
-          </a:bodyPr>
-          <a:lstStyle/>
-          <a:p>
-            <a:r>
-              <a:rPr lang="zh-CN" altLang="zh-CN" sz="1600" dirty="0" smtClean="0">
-                <a:solidFill>
-                  <a:srgbClr val="F46970"/>
-                </a:solidFill>
-              </a:rPr>
-              <a:t>为</a:t>
-            </a:r>
-            <a:r>
-              <a:rPr lang="zh-CN" altLang="zh-CN" sz="1600" dirty="0">
-                <a:solidFill>
-                  <a:srgbClr val="F46970"/>
-                </a:solidFill>
-              </a:rPr>
-              <a:t>保证软件工程系列课程教学辅助网站项目的需求阶段能够按时且保质保量的完成，使每个人在该项目的需求阶段中能够发挥自己的特长及作用，使该项目的需求阶段能够顺利平稳且有序的进行，对需求阶段所遇到的风险进行预测并提前准备控制方案，并为项目开发提供有效且有力的进度参考。</a:t>
-            </a:r>
-          </a:p>
-        </p:txBody>
-      </p:sp>
-      <p:sp>
-        <p:nvSpPr>
-          <p:cNvPr id="42" name="TextBox 41"/>
-          <p:cNvSpPr txBox="1"/>
-          <p:nvPr/>
-        </p:nvSpPr>
-        <p:spPr>
-          <a:xfrm>
-            <a:off x="2771800" y="1054658"/>
-            <a:ext cx="2088233" cy="369332"/>
-          </a:xfrm>
-          <a:prstGeom prst="rect">
-            <a:avLst/>
-          </a:prstGeom>
-          <a:noFill/>
-        </p:spPr>
-        <p:txBody>
-          <a:bodyPr wrap="square" rtlCol="0">
-            <a:spAutoFit/>
-          </a:bodyPr>
-          <a:lstStyle/>
-          <a:p>
-            <a:r>
-              <a:rPr lang="zh-CN" altLang="en-US" dirty="0" smtClean="0">
-                <a:solidFill>
-                  <a:srgbClr val="F46970"/>
-                </a:solidFill>
-                <a:latin typeface="微软雅黑" pitchFamily="34" charset="-122"/>
-                <a:ea typeface="微软雅黑" pitchFamily="34" charset="-122"/>
-              </a:rPr>
-              <a:t>编写的目的</a:t>
-            </a:r>
-            <a:endParaRPr lang="zh-CN" altLang="en-US" dirty="0">
-              <a:solidFill>
-                <a:srgbClr val="F46970"/>
-              </a:solidFill>
-              <a:latin typeface="微软雅黑" pitchFamily="34" charset="-122"/>
-              <a:ea typeface="微软雅黑" pitchFamily="34" charset="-122"/>
-            </a:endParaRPr>
-          </a:p>
-        </p:txBody>
-      </p:sp>
-      <p:sp>
-        <p:nvSpPr>
-          <p:cNvPr id="44" name="TextBox 43"/>
-          <p:cNvSpPr txBox="1"/>
-          <p:nvPr/>
-        </p:nvSpPr>
-        <p:spPr>
-          <a:xfrm>
-            <a:off x="2625921" y="4084262"/>
-            <a:ext cx="4136312" cy="830997"/>
-          </a:xfrm>
-          <a:prstGeom prst="rect">
-            <a:avLst/>
-          </a:prstGeom>
-          <a:noFill/>
-        </p:spPr>
-        <p:txBody>
-          <a:bodyPr wrap="square" rtlCol="0">
-            <a:spAutoFit/>
-          </a:bodyPr>
-          <a:lstStyle/>
-          <a:p>
-            <a:r>
-              <a:rPr lang="zh-CN" altLang="en-US" sz="1600" dirty="0" smtClean="0">
-                <a:solidFill>
-                  <a:srgbClr val="F46970"/>
-                </a:solidFill>
-              </a:rPr>
-              <a:t>为了更好的展示</a:t>
-            </a:r>
-            <a:r>
-              <a:rPr lang="en-US" altLang="zh-CN" sz="1600" dirty="0" smtClean="0">
-                <a:solidFill>
-                  <a:srgbClr val="F46970"/>
-                </a:solidFill>
-              </a:rPr>
-              <a:t>《</a:t>
-            </a:r>
-            <a:r>
-              <a:rPr lang="zh-CN" altLang="en-US" sz="1600" dirty="0" smtClean="0">
-                <a:solidFill>
-                  <a:srgbClr val="F46970"/>
-                </a:solidFill>
-              </a:rPr>
-              <a:t>需求工程计划</a:t>
-            </a:r>
-            <a:r>
-              <a:rPr lang="en-US" altLang="zh-CN" sz="1600" dirty="0" smtClean="0">
-                <a:solidFill>
-                  <a:srgbClr val="F46970"/>
-                </a:solidFill>
-              </a:rPr>
-              <a:t>》</a:t>
-            </a:r>
-            <a:r>
-              <a:rPr lang="zh-CN" altLang="en-US" sz="1600" dirty="0" smtClean="0">
-                <a:solidFill>
-                  <a:srgbClr val="F46970"/>
-                </a:solidFill>
-              </a:rPr>
-              <a:t>文档中的内容，生动而具体地展示需求工程计划，并在此基础上补充文档中所没有的内容。</a:t>
-            </a:r>
-            <a:endParaRPr lang="zh-CN" altLang="en-US" sz="1600" dirty="0">
-              <a:solidFill>
-                <a:srgbClr val="F46970"/>
-              </a:solidFill>
-            </a:endParaRPr>
-          </a:p>
-        </p:txBody>
-      </p:sp>
-      <p:sp>
-        <p:nvSpPr>
-          <p:cNvPr id="45" name="TextBox 44"/>
-          <p:cNvSpPr txBox="1"/>
-          <p:nvPr/>
-        </p:nvSpPr>
-        <p:spPr>
-          <a:xfrm>
-            <a:off x="3601587" y="3714930"/>
-            <a:ext cx="2088233" cy="369332"/>
-          </a:xfrm>
-          <a:prstGeom prst="rect">
-            <a:avLst/>
-          </a:prstGeom>
-          <a:noFill/>
-        </p:spPr>
-        <p:txBody>
-          <a:bodyPr wrap="square" rtlCol="0">
-            <a:spAutoFit/>
-          </a:bodyPr>
-          <a:lstStyle/>
-          <a:p>
-            <a:r>
-              <a:rPr lang="en-US" altLang="zh-CN" dirty="0" smtClean="0">
-                <a:solidFill>
-                  <a:srgbClr val="F46970"/>
-                </a:solidFill>
-                <a:latin typeface="微软雅黑" pitchFamily="34" charset="-122"/>
-                <a:ea typeface="微软雅黑" pitchFamily="34" charset="-122"/>
-              </a:rPr>
-              <a:t>PPT</a:t>
-            </a:r>
-            <a:r>
-              <a:rPr lang="zh-CN" altLang="en-US" dirty="0" smtClean="0">
-                <a:solidFill>
-                  <a:srgbClr val="F46970"/>
-                </a:solidFill>
-                <a:latin typeface="微软雅黑" pitchFamily="34" charset="-122"/>
-                <a:ea typeface="微软雅黑" pitchFamily="34" charset="-122"/>
-              </a:rPr>
-              <a:t>制作的目的</a:t>
-            </a:r>
-            <a:endParaRPr lang="zh-CN" altLang="en-US" dirty="0">
-              <a:solidFill>
-                <a:srgbClr val="F46970"/>
-              </a:solidFill>
-              <a:latin typeface="微软雅黑" pitchFamily="34" charset="-122"/>
-              <a:ea typeface="微软雅黑" pitchFamily="34" charset="-122"/>
-            </a:endParaRPr>
-          </a:p>
-        </p:txBody>
-      </p:sp>
-    </p:spTree>
-    <p:extLst>
-      <p:ext uri="{BB962C8B-B14F-4D97-AF65-F5344CB8AC3E}">
-        <p14:creationId xmlns:p14="http://schemas.microsoft.com/office/powerpoint/2010/main" val="3880485177"/>
-      </p:ext>
-    </p:extLst>
-  </p:cSld>
-  <p:clrMapOvr>
-    <a:masterClrMapping/>
-  </p:clrMapOvr>
-  <p:timing>
-    <p:tnLst>
-      <p:par>
-        <p:cTn id="1" dur="indefinite" restart="never" nodeType="tmRoot"/>
-      </p:par>
-    </p:tnLst>
-  </p:timing>
-</p:sld>
-</file>
-
-<file path=ppt/slides/slide40.xml><?xml version="1.0" encoding="utf-8"?>
+<file path=ppt/slides/slide41.xml><?xml version="1.0" encoding="utf-8"?>
 <p:sld xmlns:a="http://schemas.openxmlformats.org/drawingml/2006/main" xmlns:r="http://schemas.openxmlformats.org/officeDocument/2006/relationships" xmlns:p="http://schemas.openxmlformats.org/presentationml/2006/main">
   <p:cSld>
     <p:spTree>
@@ -27192,7 +28291,7 @@
 </p:sld>
 </file>
 
-<file path=ppt/slides/slide41.xml><?xml version="1.0" encoding="utf-8"?>
+<file path=ppt/slides/slide42.xml><?xml version="1.0" encoding="utf-8"?>
 <p:sld xmlns:a="http://schemas.openxmlformats.org/drawingml/2006/main" xmlns:r="http://schemas.openxmlformats.org/officeDocument/2006/relationships" xmlns:p="http://schemas.openxmlformats.org/presentationml/2006/main">
   <p:cSld>
     <p:spTree>
@@ -27659,7 +28758,7 @@
 </p:sld>
 </file>
 
-<file path=ppt/slides/slide42.xml><?xml version="1.0" encoding="utf-8"?>
+<file path=ppt/slides/slide43.xml><?xml version="1.0" encoding="utf-8"?>
 <p:sld xmlns:a="http://schemas.openxmlformats.org/drawingml/2006/main" xmlns:r="http://schemas.openxmlformats.org/officeDocument/2006/relationships" xmlns:p="http://schemas.openxmlformats.org/presentationml/2006/main">
   <p:cSld>
     <p:spTree>
@@ -28115,7 +29214,7 @@
 </p:sld>
 </file>
 
-<file path=ppt/slides/slide43.xml><?xml version="1.0" encoding="utf-8"?>
+<file path=ppt/slides/slide44.xml><?xml version="1.0" encoding="utf-8"?>
 <p:sld xmlns:a="http://schemas.openxmlformats.org/drawingml/2006/main" xmlns:r="http://schemas.openxmlformats.org/officeDocument/2006/relationships" xmlns:p="http://schemas.openxmlformats.org/presentationml/2006/main">
   <p:cSld>
     <p:spTree>
@@ -28376,396 +29475,6 @@
 </p:sld>
 </file>
 
-<file path=ppt/slides/slide44.xml><?xml version="1.0" encoding="utf-8"?>
-<p:sld xmlns:a="http://schemas.openxmlformats.org/drawingml/2006/main" xmlns:r="http://schemas.openxmlformats.org/officeDocument/2006/relationships" xmlns:p="http://schemas.openxmlformats.org/presentationml/2006/main">
-  <p:cSld>
-    <p:spTree>
-      <p:nvGrpSpPr>
-        <p:cNvPr id="1" name=""/>
-        <p:cNvGrpSpPr/>
-        <p:nvPr/>
-      </p:nvGrpSpPr>
-      <p:grpSpPr>
-        <a:xfrm>
-          <a:off x="0" y="0"/>
-          <a:ext cx="0" cy="0"/>
-          <a:chOff x="0" y="0"/>
-          <a:chExt cx="0" cy="0"/>
-        </a:xfrm>
-      </p:grpSpPr>
-      <p:grpSp>
-        <p:nvGrpSpPr>
-          <p:cNvPr id="6" name="组合 5"/>
-          <p:cNvGrpSpPr/>
-          <p:nvPr/>
-        </p:nvGrpSpPr>
-        <p:grpSpPr>
-          <a:xfrm>
-            <a:off x="0" y="448022"/>
-            <a:ext cx="4067944" cy="644334"/>
-            <a:chOff x="0" y="448022"/>
-            <a:chExt cx="4067944" cy="644334"/>
-          </a:xfrm>
-        </p:grpSpPr>
-        <p:sp>
-          <p:nvSpPr>
-            <p:cNvPr id="2" name="矩形 1"/>
-            <p:cNvSpPr/>
-            <p:nvPr/>
-          </p:nvSpPr>
-          <p:spPr>
-            <a:xfrm>
-              <a:off x="0" y="448022"/>
-              <a:ext cx="611560" cy="611560"/>
-            </a:xfrm>
-            <a:prstGeom prst="rect">
-              <a:avLst/>
-            </a:prstGeom>
-            <a:solidFill>
-              <a:srgbClr val="00B0F0"/>
-            </a:solidFill>
-            <a:ln>
-              <a:noFill/>
-            </a:ln>
-          </p:spPr>
-          <p:style>
-            <a:lnRef idx="2">
-              <a:schemeClr val="accent1">
-                <a:shade val="50000"/>
-              </a:schemeClr>
-            </a:lnRef>
-            <a:fillRef idx="1">
-              <a:schemeClr val="accent1"/>
-            </a:fillRef>
-            <a:effectRef idx="0">
-              <a:schemeClr val="accent1"/>
-            </a:effectRef>
-            <a:fontRef idx="minor">
-              <a:schemeClr val="lt1"/>
-            </a:fontRef>
-          </p:style>
-          <p:txBody>
-            <a:bodyPr rtlCol="0" anchor="ctr"/>
-            <a:lstStyle/>
-            <a:p>
-              <a:pPr algn="ctr"/>
-              <a:endParaRPr lang="zh-CN" altLang="en-US">
-                <a:solidFill>
-                  <a:srgbClr val="F2A849"/>
-                </a:solidFill>
-              </a:endParaRPr>
-            </a:p>
-          </p:txBody>
-        </p:sp>
-        <p:sp>
-          <p:nvSpPr>
-            <p:cNvPr id="3" name="TextBox 2"/>
-            <p:cNvSpPr txBox="1"/>
-            <p:nvPr/>
-          </p:nvSpPr>
-          <p:spPr>
-            <a:xfrm>
-              <a:off x="683568" y="448022"/>
-              <a:ext cx="3384376" cy="369332"/>
-            </a:xfrm>
-            <a:prstGeom prst="rect">
-              <a:avLst/>
-            </a:prstGeom>
-            <a:noFill/>
-          </p:spPr>
-          <p:txBody>
-            <a:bodyPr wrap="square" rtlCol="0">
-              <a:spAutoFit/>
-            </a:bodyPr>
-            <a:lstStyle/>
-            <a:p>
-              <a:r>
-                <a:rPr lang="en-US" altLang="zh-CN" dirty="0" smtClean="0">
-                  <a:solidFill>
-                    <a:srgbClr val="00B0F0"/>
-                  </a:solidFill>
-                  <a:latin typeface="微软雅黑" pitchFamily="34" charset="-122"/>
-                  <a:ea typeface="微软雅黑" pitchFamily="34" charset="-122"/>
-                </a:rPr>
-                <a:t>10.</a:t>
-              </a:r>
-              <a:r>
-                <a:rPr lang="zh-CN" altLang="en-US" dirty="0" smtClean="0">
-                  <a:solidFill>
-                    <a:srgbClr val="00B0F0"/>
-                  </a:solidFill>
-                  <a:latin typeface="微软雅黑" pitchFamily="34" charset="-122"/>
-                  <a:ea typeface="微软雅黑" pitchFamily="34" charset="-122"/>
-                </a:rPr>
-                <a:t>配置系统管理</a:t>
-              </a:r>
-              <a:endParaRPr lang="zh-CN" altLang="en-US" dirty="0">
-                <a:solidFill>
-                  <a:srgbClr val="00B0F0"/>
-                </a:solidFill>
-                <a:latin typeface="微软雅黑" pitchFamily="34" charset="-122"/>
-                <a:ea typeface="微软雅黑" pitchFamily="34" charset="-122"/>
-              </a:endParaRPr>
-            </a:p>
-          </p:txBody>
-        </p:sp>
-        <p:sp>
-          <p:nvSpPr>
-            <p:cNvPr id="4" name="TextBox 3"/>
-            <p:cNvSpPr txBox="1"/>
-            <p:nvPr/>
-          </p:nvSpPr>
-          <p:spPr>
-            <a:xfrm>
-              <a:off x="709822" y="753802"/>
-              <a:ext cx="2998081" cy="338554"/>
-            </a:xfrm>
-            <a:prstGeom prst="rect">
-              <a:avLst/>
-            </a:prstGeom>
-            <a:noFill/>
-          </p:spPr>
-          <p:txBody>
-            <a:bodyPr wrap="square" rtlCol="0">
-              <a:spAutoFit/>
-            </a:bodyPr>
-            <a:lstStyle/>
-            <a:p>
-              <a:r>
-                <a:rPr lang="en-US" altLang="zh-CN" sz="1600" dirty="0" smtClean="0">
-                  <a:solidFill>
-                    <a:srgbClr val="00B0F0"/>
-                  </a:solidFill>
-                  <a:latin typeface="微软雅黑" pitchFamily="34" charset="-122"/>
-                  <a:ea typeface="微软雅黑" pitchFamily="34" charset="-122"/>
-                </a:rPr>
-                <a:t>10.1</a:t>
-              </a:r>
-              <a:r>
-                <a:rPr lang="zh-CN" altLang="en-US" sz="1600" dirty="0" smtClean="0">
-                  <a:solidFill>
-                    <a:srgbClr val="00B0F0"/>
-                  </a:solidFill>
-                  <a:latin typeface="微软雅黑" pitchFamily="34" charset="-122"/>
-                  <a:ea typeface="微软雅黑" pitchFamily="34" charset="-122"/>
-                </a:rPr>
-                <a:t>配置管理负责人与标志</a:t>
-              </a:r>
-              <a:endParaRPr lang="zh-CN" altLang="en-US" sz="1600" dirty="0">
-                <a:solidFill>
-                  <a:srgbClr val="00B0F0"/>
-                </a:solidFill>
-                <a:latin typeface="微软雅黑" pitchFamily="34" charset="-122"/>
-                <a:ea typeface="微软雅黑" pitchFamily="34" charset="-122"/>
-              </a:endParaRPr>
-            </a:p>
-          </p:txBody>
-        </p:sp>
-      </p:grpSp>
-      <p:sp>
-        <p:nvSpPr>
-          <p:cNvPr id="18" name="TextBox 17"/>
-          <p:cNvSpPr txBox="1"/>
-          <p:nvPr/>
-        </p:nvSpPr>
-        <p:spPr>
-          <a:xfrm>
-            <a:off x="3131840" y="1729140"/>
-            <a:ext cx="1719242" cy="338554"/>
-          </a:xfrm>
-          <a:prstGeom prst="rect">
-            <a:avLst/>
-          </a:prstGeom>
-          <a:noFill/>
-        </p:spPr>
-        <p:txBody>
-          <a:bodyPr wrap="square" rtlCol="0">
-            <a:spAutoFit/>
-          </a:bodyPr>
-          <a:lstStyle/>
-          <a:p>
-            <a:pPr algn="ctr"/>
-            <a:r>
-              <a:rPr lang="zh-CN" altLang="en-US" sz="1600" dirty="0">
-                <a:solidFill>
-                  <a:srgbClr val="1173B0"/>
-                </a:solidFill>
-              </a:rPr>
-              <a:t>唐子煜</a:t>
-            </a:r>
-          </a:p>
-        </p:txBody>
-      </p:sp>
-      <p:sp>
-        <p:nvSpPr>
-          <p:cNvPr id="19" name="TextBox 18"/>
-          <p:cNvSpPr txBox="1"/>
-          <p:nvPr/>
-        </p:nvSpPr>
-        <p:spPr>
-          <a:xfrm>
-            <a:off x="1116794" y="1698362"/>
-            <a:ext cx="2067334" cy="369332"/>
-          </a:xfrm>
-          <a:prstGeom prst="rect">
-            <a:avLst/>
-          </a:prstGeom>
-          <a:noFill/>
-        </p:spPr>
-        <p:txBody>
-          <a:bodyPr wrap="square" rtlCol="0">
-            <a:spAutoFit/>
-          </a:bodyPr>
-          <a:lstStyle/>
-          <a:p>
-            <a:r>
-              <a:rPr lang="zh-CN" altLang="en-US" b="1" dirty="0" smtClean="0">
-                <a:solidFill>
-                  <a:srgbClr val="1173B0"/>
-                </a:solidFill>
-                <a:latin typeface="微软雅黑" pitchFamily="34" charset="-122"/>
-                <a:ea typeface="微软雅黑" pitchFamily="34" charset="-122"/>
-              </a:rPr>
-              <a:t>配置管理负责人：</a:t>
-            </a:r>
-            <a:endParaRPr lang="zh-CN" altLang="en-US" b="1" dirty="0">
-              <a:solidFill>
-                <a:srgbClr val="1173B0"/>
-              </a:solidFill>
-              <a:latin typeface="微软雅黑" pitchFamily="34" charset="-122"/>
-              <a:ea typeface="微软雅黑" pitchFamily="34" charset="-122"/>
-            </a:endParaRPr>
-          </a:p>
-        </p:txBody>
-      </p:sp>
-      <p:sp>
-        <p:nvSpPr>
-          <p:cNvPr id="26" name="TextBox 25"/>
-          <p:cNvSpPr txBox="1"/>
-          <p:nvPr/>
-        </p:nvSpPr>
-        <p:spPr>
-          <a:xfrm>
-            <a:off x="3140790" y="2635047"/>
-            <a:ext cx="4887594" cy="584775"/>
-          </a:xfrm>
-          <a:prstGeom prst="rect">
-            <a:avLst/>
-          </a:prstGeom>
-          <a:noFill/>
-        </p:spPr>
-        <p:txBody>
-          <a:bodyPr wrap="square" rtlCol="0">
-            <a:spAutoFit/>
-          </a:bodyPr>
-          <a:lstStyle/>
-          <a:p>
-            <a:pPr algn="ctr"/>
-            <a:r>
-              <a:rPr lang="zh-CN" altLang="en-US" sz="1600" dirty="0">
-                <a:solidFill>
-                  <a:srgbClr val="1173B0"/>
-                </a:solidFill>
-              </a:rPr>
-              <a:t>软件项的标识基本按照</a:t>
-            </a:r>
-            <a:r>
-              <a:rPr lang="en-US" altLang="zh-CN" sz="1600" dirty="0">
-                <a:solidFill>
-                  <a:srgbClr val="1173B0"/>
-                </a:solidFill>
-              </a:rPr>
-              <a:t>《</a:t>
-            </a:r>
-            <a:r>
-              <a:rPr lang="zh-CN" altLang="en-US" sz="1600" dirty="0">
-                <a:solidFill>
-                  <a:srgbClr val="1173B0"/>
-                </a:solidFill>
-              </a:rPr>
-              <a:t>软件配置标识命名规则</a:t>
-            </a:r>
-            <a:r>
-              <a:rPr lang="en-US" altLang="zh-CN" sz="1600" dirty="0">
-                <a:solidFill>
-                  <a:srgbClr val="1173B0"/>
-                </a:solidFill>
-              </a:rPr>
-              <a:t>》</a:t>
-            </a:r>
-            <a:r>
-              <a:rPr lang="zh-CN" altLang="en-US" sz="1600" dirty="0">
-                <a:solidFill>
-                  <a:srgbClr val="1173B0"/>
-                </a:solidFill>
-              </a:rPr>
-              <a:t>进行。要通过标识能够确定软件项之间的相互联系。</a:t>
-            </a:r>
-          </a:p>
-        </p:txBody>
-      </p:sp>
-      <p:sp>
-        <p:nvSpPr>
-          <p:cNvPr id="27" name="TextBox 26"/>
-          <p:cNvSpPr txBox="1"/>
-          <p:nvPr/>
-        </p:nvSpPr>
-        <p:spPr>
-          <a:xfrm>
-            <a:off x="1125744" y="2604269"/>
-            <a:ext cx="2067334" cy="369332"/>
-          </a:xfrm>
-          <a:prstGeom prst="rect">
-            <a:avLst/>
-          </a:prstGeom>
-          <a:noFill/>
-        </p:spPr>
-        <p:txBody>
-          <a:bodyPr wrap="square" rtlCol="0">
-            <a:spAutoFit/>
-          </a:bodyPr>
-          <a:lstStyle/>
-          <a:p>
-            <a:r>
-              <a:rPr lang="zh-CN" altLang="en-US" b="1" dirty="0" smtClean="0">
-                <a:solidFill>
-                  <a:srgbClr val="1173B0"/>
-                </a:solidFill>
-                <a:latin typeface="微软雅黑" pitchFamily="34" charset="-122"/>
-                <a:ea typeface="微软雅黑" pitchFamily="34" charset="-122"/>
-              </a:rPr>
-              <a:t>配置标志：</a:t>
-            </a:r>
-            <a:endParaRPr lang="zh-CN" altLang="en-US" b="1" dirty="0">
-              <a:solidFill>
-                <a:srgbClr val="1173B0"/>
-              </a:solidFill>
-              <a:latin typeface="微软雅黑" pitchFamily="34" charset="-122"/>
-              <a:ea typeface="微软雅黑" pitchFamily="34" charset="-122"/>
-            </a:endParaRPr>
-          </a:p>
-        </p:txBody>
-      </p:sp>
-    </p:spTree>
-    <p:extLst>
-      <p:ext uri="{BB962C8B-B14F-4D97-AF65-F5344CB8AC3E}">
-        <p14:creationId xmlns:p14="http://schemas.microsoft.com/office/powerpoint/2010/main" val="1366756926"/>
-      </p:ext>
-    </p:extLst>
-  </p:cSld>
-  <p:clrMapOvr>
-    <a:masterClrMapping/>
-  </p:clrMapOvr>
-  <p:timing>
-    <p:tnLst>
-      <p:par>
-        <p:cTn id="1" dur="indefinite" restart="never" nodeType="tmRoot"/>
-      </p:par>
-    </p:tnLst>
-  </p:timing>
-</p:sld>
-</file>
-
 <file path=ppt/slides/slide45.xml><?xml version="1.0" encoding="utf-8"?>
 <p:sld xmlns:a="http://schemas.openxmlformats.org/drawingml/2006/main" xmlns:r="http://schemas.openxmlformats.org/officeDocument/2006/relationships" xmlns:p="http://schemas.openxmlformats.org/presentationml/2006/main">
   <p:cSld>
@@ -28929,7 +29638,7 @@
                   <a:latin typeface="微软雅黑" pitchFamily="34" charset="-122"/>
                   <a:ea typeface="微软雅黑" pitchFamily="34" charset="-122"/>
                 </a:rPr>
-                <a:t>10.2</a:t>
+                <a:t>10.1</a:t>
               </a:r>
               <a:r>
                 <a:rPr lang="zh-CN" altLang="en-US" sz="1600" dirty="0" smtClean="0">
@@ -28939,7 +29648,7 @@
                   <a:latin typeface="微软雅黑" pitchFamily="34" charset="-122"/>
                   <a:ea typeface="微软雅黑" pitchFamily="34" charset="-122"/>
                 </a:rPr>
-                <a:t>版本管理</a:t>
+                <a:t>配置管理负责人与标志</a:t>
               </a:r>
               <a:endParaRPr lang="zh-CN" altLang="en-US" sz="1600" dirty="0">
                 <a:solidFill>
@@ -28960,8 +29669,8 @@
         </p:nvSpPr>
         <p:spPr>
           <a:xfrm>
-            <a:off x="2483768" y="1347614"/>
-            <a:ext cx="5616624" cy="2800767"/>
+            <a:off x="3131840" y="1729140"/>
+            <a:ext cx="1719242" cy="338554"/>
           </a:xfrm>
           <a:prstGeom prst="rect">
             <a:avLst/>
@@ -28974,254 +29683,15 @@
           </a:bodyPr>
           <a:lstStyle/>
           <a:p>
-            <a:pPr marL="342900" indent="-342900">
-              <a:buFont typeface="+mj-lt"/>
-              <a:buAutoNum type="arabicPeriod"/>
-            </a:pPr>
-            <a:r>
-              <a:rPr lang="zh-CN" altLang="en-US" sz="1600" dirty="0" smtClean="0">
+            <a:pPr algn="ctr"/>
+            <a:r>
+              <a:rPr lang="zh-CN" altLang="en-US" sz="1600" dirty="0">
                 <a:solidFill>
                   <a:srgbClr val="1173B0"/>
                 </a:solidFill>
               </a:rPr>
-              <a:t>在</a:t>
-            </a:r>
-            <a:r>
-              <a:rPr lang="zh-CN" altLang="en-US" sz="1600" dirty="0">
-                <a:solidFill>
-                  <a:srgbClr val="1173B0"/>
-                </a:solidFill>
-              </a:rPr>
-              <a:t>服务器</a:t>
-            </a:r>
-            <a:r>
-              <a:rPr lang="en-US" altLang="zh-CN" sz="1600" dirty="0">
-                <a:solidFill>
-                  <a:srgbClr val="1173B0"/>
-                </a:solidFill>
-              </a:rPr>
-              <a:t>(GITHUB)</a:t>
-            </a:r>
-            <a:r>
-              <a:rPr lang="zh-CN" altLang="en-US" sz="1600" dirty="0">
-                <a:solidFill>
-                  <a:srgbClr val="1173B0"/>
-                </a:solidFill>
-              </a:rPr>
-              <a:t>上建立一个新的仓库 ，作为项目配置数据库</a:t>
-            </a:r>
-            <a:r>
-              <a:rPr lang="zh-CN" altLang="en-US" sz="1600" dirty="0" smtClean="0">
-                <a:solidFill>
-                  <a:srgbClr val="1173B0"/>
-                </a:solidFill>
-              </a:rPr>
-              <a:t>。在此目录下按照各个项目组的名称建立分目录。</a:t>
-            </a:r>
-            <a:endParaRPr lang="en-US" altLang="zh-CN" sz="1600" dirty="0" smtClean="0">
-              <a:solidFill>
-                <a:srgbClr val="1173B0"/>
-              </a:solidFill>
-            </a:endParaRPr>
-          </a:p>
-          <a:p>
-            <a:pPr marL="342900" indent="-342900">
-              <a:buFont typeface="+mj-lt"/>
-              <a:buAutoNum type="arabicPeriod"/>
-            </a:pPr>
-            <a:r>
-              <a:rPr lang="zh-CN" altLang="en-US" sz="1600" dirty="0" smtClean="0">
-                <a:solidFill>
-                  <a:srgbClr val="1173B0"/>
-                </a:solidFill>
-              </a:rPr>
-              <a:t>项目</a:t>
-            </a:r>
-            <a:r>
-              <a:rPr lang="zh-CN" altLang="en-US" sz="1600" dirty="0">
-                <a:solidFill>
-                  <a:srgbClr val="1173B0"/>
-                </a:solidFill>
-              </a:rPr>
-              <a:t>文档</a:t>
-            </a:r>
-            <a:r>
-              <a:rPr lang="en-US" altLang="zh-CN" sz="1600" dirty="0" err="1">
-                <a:solidFill>
-                  <a:srgbClr val="1173B0"/>
-                </a:solidFill>
-              </a:rPr>
-              <a:t>dev</a:t>
-            </a:r>
-            <a:r>
-              <a:rPr lang="zh-CN" altLang="en-US" sz="1600" dirty="0">
-                <a:solidFill>
-                  <a:srgbClr val="1173B0"/>
-                </a:solidFill>
-              </a:rPr>
-              <a:t>分支一般只有项目经理和属于该项目的开发人员和配置管理员能够访问</a:t>
-            </a:r>
-            <a:r>
-              <a:rPr lang="zh-CN" altLang="en-US" sz="1600" dirty="0" smtClean="0">
-                <a:solidFill>
-                  <a:srgbClr val="1173B0"/>
-                </a:solidFill>
-              </a:rPr>
-              <a:t>。</a:t>
-            </a:r>
-            <a:endParaRPr lang="en-US" altLang="zh-CN" sz="1600" dirty="0" smtClean="0">
-              <a:solidFill>
-                <a:srgbClr val="1173B0"/>
-              </a:solidFill>
-            </a:endParaRPr>
-          </a:p>
-          <a:p>
-            <a:pPr marL="342900" indent="-342900">
-              <a:buFont typeface="+mj-lt"/>
-              <a:buAutoNum type="arabicPeriod"/>
-            </a:pPr>
-            <a:r>
-              <a:rPr lang="zh-CN" altLang="en-US" sz="1600" dirty="0" smtClean="0">
-                <a:solidFill>
-                  <a:srgbClr val="1173B0"/>
-                </a:solidFill>
-              </a:rPr>
-              <a:t>在</a:t>
-            </a:r>
-            <a:r>
-              <a:rPr lang="zh-CN" altLang="en-US" sz="1600" dirty="0">
-                <a:solidFill>
-                  <a:srgbClr val="1173B0"/>
-                </a:solidFill>
-              </a:rPr>
-              <a:t>项目开发的某一阶段结束时，通过了该阶段评审的这些开发文档申请添加到仓库</a:t>
-            </a:r>
-            <a:r>
-              <a:rPr lang="en-US" altLang="zh-CN" sz="1600" dirty="0">
-                <a:solidFill>
-                  <a:srgbClr val="1173B0"/>
-                </a:solidFill>
-              </a:rPr>
-              <a:t>master</a:t>
-            </a:r>
-            <a:r>
-              <a:rPr lang="zh-CN" altLang="en-US" sz="1600" dirty="0">
-                <a:solidFill>
-                  <a:srgbClr val="1173B0"/>
-                </a:solidFill>
-              </a:rPr>
-              <a:t>分支，做为正式版本的第一版</a:t>
-            </a:r>
-            <a:r>
-              <a:rPr lang="en-US" altLang="zh-CN" sz="1600" dirty="0">
-                <a:solidFill>
-                  <a:srgbClr val="1173B0"/>
-                </a:solidFill>
-              </a:rPr>
-              <a:t>——1.0</a:t>
-            </a:r>
-            <a:r>
-              <a:rPr lang="zh-CN" altLang="en-US" sz="1600" dirty="0">
-                <a:solidFill>
-                  <a:srgbClr val="1173B0"/>
-                </a:solidFill>
-              </a:rPr>
-              <a:t>版本。</a:t>
-            </a:r>
-          </a:p>
-          <a:p>
-            <a:pPr marL="342900" indent="-342900">
-              <a:buFont typeface="+mj-lt"/>
-              <a:buAutoNum type="arabicPeriod"/>
-            </a:pPr>
-            <a:r>
-              <a:rPr lang="zh-CN" altLang="en-US" sz="1600" dirty="0" smtClean="0">
-                <a:solidFill>
-                  <a:srgbClr val="1173B0"/>
-                </a:solidFill>
-              </a:rPr>
-              <a:t>在</a:t>
-            </a:r>
-            <a:r>
-              <a:rPr lang="zh-CN" altLang="en-US" sz="1600" dirty="0">
-                <a:solidFill>
-                  <a:srgbClr val="1173B0"/>
-                </a:solidFill>
-              </a:rPr>
-              <a:t>以后的开发中，如果软件需要修改，可以把</a:t>
-            </a:r>
-            <a:r>
-              <a:rPr lang="en-US" altLang="zh-CN" sz="1600" dirty="0">
-                <a:solidFill>
-                  <a:srgbClr val="1173B0"/>
-                </a:solidFill>
-              </a:rPr>
-              <a:t>DEV</a:t>
-            </a:r>
-            <a:r>
-              <a:rPr lang="zh-CN" altLang="en-US" sz="1600" dirty="0">
-                <a:solidFill>
-                  <a:srgbClr val="1173B0"/>
-                </a:solidFill>
-              </a:rPr>
-              <a:t>的内容保存到各个开发人员的自己的开发分支，经过组长同意后通过配置管理员更新到</a:t>
-            </a:r>
-            <a:r>
-              <a:rPr lang="en-US" altLang="zh-CN" sz="1600" dirty="0" err="1">
-                <a:solidFill>
-                  <a:srgbClr val="1173B0"/>
-                </a:solidFill>
-              </a:rPr>
-              <a:t>dev</a:t>
-            </a:r>
-            <a:r>
-              <a:rPr lang="zh-CN" altLang="en-US" sz="1600" dirty="0" smtClean="0">
-                <a:solidFill>
-                  <a:srgbClr val="1173B0"/>
-                </a:solidFill>
-              </a:rPr>
-              <a:t>分支。</a:t>
-            </a:r>
-            <a:endParaRPr lang="zh-CN" altLang="en-US" sz="1600" dirty="0">
-              <a:solidFill>
-                <a:srgbClr val="1173B0"/>
-              </a:solidFill>
-            </a:endParaRPr>
-          </a:p>
-          <a:p>
-            <a:pPr marL="342900" indent="-342900">
-              <a:buFont typeface="+mj-lt"/>
-              <a:buAutoNum type="arabicPeriod"/>
-            </a:pPr>
-            <a:r>
-              <a:rPr lang="zh-CN" altLang="en-US" sz="1600" dirty="0" smtClean="0">
-                <a:solidFill>
-                  <a:srgbClr val="1173B0"/>
-                </a:solidFill>
-              </a:rPr>
-              <a:t>在</a:t>
-            </a:r>
-            <a:r>
-              <a:rPr lang="zh-CN" altLang="en-US" sz="1600" dirty="0">
-                <a:solidFill>
-                  <a:srgbClr val="1173B0"/>
-                </a:solidFill>
-              </a:rPr>
-              <a:t>各个阶段的文档，都可以进行追述</a:t>
-            </a:r>
-            <a:r>
-              <a:rPr lang="zh-CN" altLang="en-US" sz="1600" dirty="0" smtClean="0">
-                <a:solidFill>
-                  <a:srgbClr val="1173B0"/>
-                </a:solidFill>
-              </a:rPr>
-              <a:t>。</a:t>
-            </a:r>
-            <a:endParaRPr lang="zh-CN" altLang="en-US" sz="1600" dirty="0">
-              <a:solidFill>
-                <a:srgbClr val="1173B0"/>
-              </a:solidFill>
-            </a:endParaRPr>
+              <a:t>唐子煜</a:t>
+            </a:r>
           </a:p>
         </p:txBody>
       </p:sp>
@@ -29233,7 +29703,7 @@
         </p:nvSpPr>
         <p:spPr>
           <a:xfrm>
-            <a:off x="755576" y="1347614"/>
+            <a:off x="1116794" y="1698362"/>
             <a:ext cx="2067334" cy="369332"/>
           </a:xfrm>
           <a:prstGeom prst="rect">
@@ -29255,7 +29725,115 @@
                 <a:latin typeface="微软雅黑" pitchFamily="34" charset="-122"/>
                 <a:ea typeface="微软雅黑" pitchFamily="34" charset="-122"/>
               </a:rPr>
-              <a:t>版本管理：</a:t>
+              <a:t>配置管理负责人：</a:t>
+            </a:r>
+            <a:endParaRPr lang="zh-CN" altLang="en-US" b="1" dirty="0">
+              <a:solidFill>
+                <a:srgbClr val="1173B0"/>
+              </a:solidFill>
+              <a:latin typeface="微软雅黑" pitchFamily="34" charset="-122"/>
+              <a:ea typeface="微软雅黑" pitchFamily="34" charset="-122"/>
+            </a:endParaRPr>
+          </a:p>
+        </p:txBody>
+      </p:sp>
+      <p:sp>
+        <p:nvSpPr>
+          <p:cNvPr id="26" name="TextBox 25"/>
+          <p:cNvSpPr txBox="1"/>
+          <p:nvPr/>
+        </p:nvSpPr>
+        <p:spPr>
+          <a:xfrm>
+            <a:off x="3140790" y="2635047"/>
+            <a:ext cx="4887594" cy="584775"/>
+          </a:xfrm>
+          <a:prstGeom prst="rect">
+            <a:avLst/>
+          </a:prstGeom>
+          <a:noFill/>
+        </p:spPr>
+        <p:txBody>
+          <a:bodyPr wrap="square" rtlCol="0">
+            <a:spAutoFit/>
+          </a:bodyPr>
+          <a:lstStyle/>
+          <a:p>
+            <a:pPr algn="ctr"/>
+            <a:r>
+              <a:rPr lang="zh-CN" altLang="en-US" sz="1600" dirty="0">
+                <a:solidFill>
+                  <a:srgbClr val="1173B0"/>
+                </a:solidFill>
+              </a:rPr>
+              <a:t>软件项的标识基本按照</a:t>
+            </a:r>
+            <a:r>
+              <a:rPr lang="en-US" altLang="zh-CN" sz="1600" dirty="0">
+                <a:solidFill>
+                  <a:srgbClr val="1173B0"/>
+                </a:solidFill>
+              </a:rPr>
+              <a:t>《</a:t>
+            </a:r>
+            <a:r>
+              <a:rPr lang="zh-CN" altLang="en-US" sz="1600" dirty="0">
+                <a:solidFill>
+                  <a:srgbClr val="1173B0"/>
+                </a:solidFill>
+              </a:rPr>
+              <a:t>软件配置标识命名规则</a:t>
+            </a:r>
+            <a:r>
+              <a:rPr lang="en-US" altLang="zh-CN" sz="1600" dirty="0">
+                <a:solidFill>
+                  <a:srgbClr val="1173B0"/>
+                </a:solidFill>
+              </a:rPr>
+              <a:t>》</a:t>
+            </a:r>
+            <a:r>
+              <a:rPr lang="zh-CN" altLang="en-US" sz="1600" dirty="0">
+                <a:solidFill>
+                  <a:srgbClr val="1173B0"/>
+                </a:solidFill>
+              </a:rPr>
+              <a:t>进行。要通过标识能够确定软件项之间的相互联系。</a:t>
+            </a:r>
+          </a:p>
+        </p:txBody>
+      </p:sp>
+      <p:sp>
+        <p:nvSpPr>
+          <p:cNvPr id="27" name="TextBox 26"/>
+          <p:cNvSpPr txBox="1"/>
+          <p:nvPr/>
+        </p:nvSpPr>
+        <p:spPr>
+          <a:xfrm>
+            <a:off x="1125744" y="2604269"/>
+            <a:ext cx="2067334" cy="369332"/>
+          </a:xfrm>
+          <a:prstGeom prst="rect">
+            <a:avLst/>
+          </a:prstGeom>
+          <a:noFill/>
+        </p:spPr>
+        <p:txBody>
+          <a:bodyPr wrap="square" rtlCol="0">
+            <a:spAutoFit/>
+          </a:bodyPr>
+          <a:lstStyle/>
+          <a:p>
+            <a:r>
+              <a:rPr lang="zh-CN" altLang="en-US" b="1" dirty="0" smtClean="0">
+                <a:solidFill>
+                  <a:srgbClr val="1173B0"/>
+                </a:solidFill>
+                <a:latin typeface="微软雅黑" pitchFamily="34" charset="-122"/>
+                <a:ea typeface="微软雅黑" pitchFamily="34" charset="-122"/>
+              </a:rPr>
+              <a:t>配置标志：</a:t>
             </a:r>
             <a:endParaRPr lang="zh-CN" altLang="en-US" b="1" dirty="0">
               <a:solidFill>
@@ -29270,7 +29848,7 @@
     </p:spTree>
     <p:extLst>
       <p:ext uri="{BB962C8B-B14F-4D97-AF65-F5344CB8AC3E}">
-        <p14:creationId xmlns:p14="http://schemas.microsoft.com/office/powerpoint/2010/main" val="1799945173"/>
+        <p14:creationId xmlns:p14="http://schemas.microsoft.com/office/powerpoint/2010/main" val="1366756926"/>
       </p:ext>
     </p:extLst>
   </p:cSld>
@@ -29450,7 +30028,7 @@
                   <a:latin typeface="微软雅黑" pitchFamily="34" charset="-122"/>
                   <a:ea typeface="微软雅黑" pitchFamily="34" charset="-122"/>
                 </a:rPr>
-                <a:t>10.3</a:t>
+                <a:t>10.2</a:t>
               </a:r>
               <a:r>
                 <a:rPr lang="zh-CN" altLang="en-US" sz="1600" dirty="0" smtClean="0">
@@ -29460,7 +30038,7 @@
                   <a:latin typeface="微软雅黑" pitchFamily="34" charset="-122"/>
                   <a:ea typeface="微软雅黑" pitchFamily="34" charset="-122"/>
                 </a:rPr>
-                <a:t>版本提交与合并</a:t>
+                <a:t>版本管理</a:t>
               </a:r>
               <a:endParaRPr lang="zh-CN" altLang="en-US" sz="1600" dirty="0">
                 <a:solidFill>
@@ -29481,8 +30059,8 @@
         </p:nvSpPr>
         <p:spPr>
           <a:xfrm>
-            <a:off x="2519264" y="1434138"/>
-            <a:ext cx="6624736" cy="1323439"/>
+            <a:off x="2483768" y="1347614"/>
+            <a:ext cx="5616624" cy="2800767"/>
           </a:xfrm>
           <a:prstGeom prst="rect">
             <a:avLst/>
@@ -29505,7 +30083,7 @@
                   <a:srgbClr val="1173B0"/>
                 </a:solidFill>
               </a:rPr>
-              <a:t>通过</a:t>
+              <a:t>在</a:t>
             </a:r>
             <a:r>
               <a:rPr lang="zh-CN" altLang="en-US" sz="1600" dirty="0">
@@ -29513,7 +30091,23 @@
                   <a:srgbClr val="1173B0"/>
                 </a:solidFill>
               </a:rPr>
-              <a:t>版本控制器保证修改文件是最新的文件</a:t>
+              <a:t>服务器</a:t>
+            </a:r>
+            <a:r>
+              <a:rPr lang="en-US" altLang="zh-CN" sz="1600" dirty="0">
+                <a:solidFill>
+                  <a:srgbClr val="1173B0"/>
+                </a:solidFill>
+              </a:rPr>
+              <a:t>(GITHUB)</a:t>
+            </a:r>
+            <a:r>
+              <a:rPr lang="zh-CN" altLang="en-US" sz="1600" dirty="0">
+                <a:solidFill>
+                  <a:srgbClr val="1173B0"/>
+                </a:solidFill>
+              </a:rPr>
+              <a:t>上建立一个新的仓库 ，作为项目配置数据库</a:t>
             </a:r>
             <a:r>
               <a:rPr lang="zh-CN" altLang="en-US" sz="1600" dirty="0" smtClean="0">
@@ -29521,7 +30115,7 @@
                   <a:srgbClr val="1173B0"/>
                 </a:solidFill>
               </a:rPr>
-              <a:t>。</a:t>
+              <a:t>。在此目录下按照各个项目组的名称建立分目录。</a:t>
             </a:r>
             <a:endParaRPr lang="en-US" altLang="zh-CN" sz="1600" dirty="0" smtClean="0">
               <a:solidFill>
@@ -29540,7 +30134,15 @@
                   <a:srgbClr val="1173B0"/>
                 </a:solidFill>
               </a:rPr>
-              <a:t>通过</a:t>
+              <a:t>项目</a:t>
+            </a:r>
+            <a:r>
+              <a:rPr lang="zh-CN" altLang="en-US" sz="1600" dirty="0">
+                <a:solidFill>
+                  <a:srgbClr val="1173B0"/>
+                </a:solidFill>
+              </a:rPr>
+              <a:t>文档</a:t>
             </a:r>
             <a:r>
               <a:rPr lang="en-US" altLang="zh-CN" sz="1600" dirty="0" err="1">
@@ -29548,7 +30150,7 @@
                   <a:srgbClr val="1173B0"/>
                 </a:solidFill>
               </a:rPr>
-              <a:t>sourcetree</a:t>
+              <a:t>dev</a:t>
             </a:r>
             <a:r>
               <a:rPr lang="zh-CN" altLang="en-US" sz="1600" dirty="0">
@@ -29556,87 +30158,15 @@
                   <a:srgbClr val="1173B0"/>
                 </a:solidFill>
               </a:rPr>
-              <a:t>、</a:t>
-            </a:r>
-            <a:r>
-              <a:rPr lang="en-US" altLang="zh-CN" sz="1600" dirty="0" err="1">
+              <a:t>分支一般只有项目经理和属于该项目的开发人员和配置管理员能够访问</a:t>
+            </a:r>
+            <a:r>
+              <a:rPr lang="zh-CN" altLang="en-US" sz="1600" dirty="0" smtClean="0">
                 <a:solidFill>
                   <a:srgbClr val="1173B0"/>
                 </a:solidFill>
               </a:rPr>
-              <a:t>github</a:t>
-            </a:r>
-            <a:r>
-              <a:rPr lang="en-US" altLang="zh-CN" sz="1600" dirty="0">
-                <a:solidFill>
-                  <a:srgbClr val="1173B0"/>
-                </a:solidFill>
-              </a:rPr>
-              <a:t> Desktop</a:t>
-            </a:r>
-            <a:r>
-              <a:rPr lang="zh-CN" altLang="en-US" sz="1600" dirty="0">
-                <a:solidFill>
-                  <a:srgbClr val="1173B0"/>
-                </a:solidFill>
-              </a:rPr>
-              <a:t>、或者命令行提交修改的的</a:t>
-            </a:r>
-            <a:r>
-              <a:rPr lang="en-US" altLang="zh-CN" sz="1600" dirty="0" smtClean="0">
-                <a:solidFill>
-                  <a:srgbClr val="1173B0"/>
-                </a:solidFill>
-              </a:rPr>
-              <a:t>commit</a:t>
-            </a:r>
-            <a:r>
-              <a:rPr lang="zh-CN" altLang="en-US" sz="1600" dirty="0" smtClean="0">
-                <a:solidFill>
-                  <a:srgbClr val="1173B0"/>
-                </a:solidFill>
-              </a:rPr>
               <a:t>。</a:t>
-            </a:r>
-            <a:r>
-              <a:rPr lang="en-US" altLang="zh-CN" sz="1600" dirty="0" smtClean="0">
-                <a:solidFill>
-                  <a:srgbClr val="1173B0"/>
-                </a:solidFill>
-              </a:rPr>
-              <a:t>commit</a:t>
-            </a:r>
-            <a:r>
-              <a:rPr lang="zh-CN" altLang="en-US" sz="1600" dirty="0">
-                <a:solidFill>
-                  <a:srgbClr val="1173B0"/>
-                </a:solidFill>
-              </a:rPr>
-              <a:t>里的</a:t>
-            </a:r>
-            <a:r>
-              <a:rPr lang="en-US" altLang="zh-CN" sz="1600" dirty="0" err="1">
-                <a:solidFill>
-                  <a:srgbClr val="1173B0"/>
-                </a:solidFill>
-              </a:rPr>
-              <a:t>summay</a:t>
-            </a:r>
-            <a:r>
-              <a:rPr lang="zh-CN" altLang="en-US" sz="1600" dirty="0">
-                <a:solidFill>
-                  <a:srgbClr val="1173B0"/>
-                </a:solidFill>
-              </a:rPr>
-              <a:t>要备注有修改</a:t>
-            </a:r>
-            <a:r>
-              <a:rPr lang="zh-CN" altLang="en-US" sz="1600" dirty="0" smtClean="0">
-                <a:solidFill>
-                  <a:srgbClr val="1173B0"/>
-                </a:solidFill>
-              </a:rPr>
-              <a:t>日期。</a:t>
             </a:r>
             <a:endParaRPr lang="en-US" altLang="zh-CN" sz="1600" dirty="0" smtClean="0">
               <a:solidFill>
@@ -29655,7 +30185,15 @@
                   <a:srgbClr val="1173B0"/>
                 </a:solidFill>
               </a:rPr>
-              <a:t>将</a:t>
+              <a:t>在</a:t>
+            </a:r>
+            <a:r>
+              <a:rPr lang="zh-CN" altLang="en-US" sz="1600" dirty="0">
+                <a:solidFill>
+                  <a:srgbClr val="1173B0"/>
+                </a:solidFill>
+              </a:rPr>
+              <a:t>项目开发的某一阶段结束时，通过了该阶段评审的这些开发文档申请添加到仓库</a:t>
             </a:r>
             <a:r>
               <a:rPr lang="en-US" altLang="zh-CN" sz="1600" dirty="0">
@@ -29663,7 +30201,7 @@
                   <a:srgbClr val="1173B0"/>
                 </a:solidFill>
               </a:rPr>
-              <a:t>commit</a:t>
+              <a:t>master</a:t>
             </a:r>
             <a:r>
               <a:rPr lang="zh-CN" altLang="en-US" sz="1600" dirty="0">
@@ -29671,17 +30209,79 @@
                   <a:srgbClr val="1173B0"/>
                 </a:solidFill>
               </a:rPr>
-              <a:t>上传致版本控制</a:t>
-            </a:r>
+              <a:t>分支，做为正式版本的第一版</a:t>
+            </a:r>
+            <a:r>
+              <a:rPr lang="en-US" altLang="zh-CN" sz="1600" dirty="0">
+                <a:solidFill>
+                  <a:srgbClr val="1173B0"/>
+                </a:solidFill>
+              </a:rPr>
+              <a:t>——1.0</a:t>
+            </a:r>
+            <a:r>
+              <a:rPr lang="zh-CN" altLang="en-US" sz="1600" dirty="0">
+                <a:solidFill>
+                  <a:srgbClr val="1173B0"/>
+                </a:solidFill>
+              </a:rPr>
+              <a:t>版本。</a:t>
+            </a:r>
+          </a:p>
+          <a:p>
+            <a:pPr marL="342900" indent="-342900">
+              <a:buFont typeface="+mj-lt"/>
+              <a:buAutoNum type="arabicPeriod"/>
+            </a:pPr>
             <a:r>
               <a:rPr lang="zh-CN" altLang="en-US" sz="1600" dirty="0" smtClean="0">
                 <a:solidFill>
                   <a:srgbClr val="1173B0"/>
                 </a:solidFill>
               </a:rPr>
-              <a:t>器。</a:t>
-            </a:r>
-            <a:endParaRPr lang="en-US" altLang="zh-CN" sz="1600" dirty="0" smtClean="0">
+              <a:t>在</a:t>
+            </a:r>
+            <a:r>
+              <a:rPr lang="zh-CN" altLang="en-US" sz="1600" dirty="0">
+                <a:solidFill>
+                  <a:srgbClr val="1173B0"/>
+                </a:solidFill>
+              </a:rPr>
+              <a:t>以后的开发中，如果软件需要修改，可以把</a:t>
+            </a:r>
+            <a:r>
+              <a:rPr lang="en-US" altLang="zh-CN" sz="1600" dirty="0">
+                <a:solidFill>
+                  <a:srgbClr val="1173B0"/>
+                </a:solidFill>
+              </a:rPr>
+              <a:t>DEV</a:t>
+            </a:r>
+            <a:r>
+              <a:rPr lang="zh-CN" altLang="en-US" sz="1600" dirty="0">
+                <a:solidFill>
+                  <a:srgbClr val="1173B0"/>
+                </a:solidFill>
+              </a:rPr>
+              <a:t>的内容保存到各个开发人员的自己的开发分支，经过组长同意后通过配置管理员更新到</a:t>
+            </a:r>
+            <a:r>
+              <a:rPr lang="en-US" altLang="zh-CN" sz="1600" dirty="0" err="1">
+                <a:solidFill>
+                  <a:srgbClr val="1173B0"/>
+                </a:solidFill>
+              </a:rPr>
+              <a:t>dev</a:t>
+            </a:r>
+            <a:r>
+              <a:rPr lang="zh-CN" altLang="en-US" sz="1600" dirty="0" smtClean="0">
+                <a:solidFill>
+                  <a:srgbClr val="1173B0"/>
+                </a:solidFill>
+              </a:rPr>
+              <a:t>分支。</a:t>
+            </a:r>
+            <a:endParaRPr lang="zh-CN" altLang="en-US" sz="1600" dirty="0">
               <a:solidFill>
                 <a:srgbClr val="1173B0"/>
               </a:solidFill>
@@ -29698,7 +30298,7 @@
                   <a:srgbClr val="1173B0"/>
                 </a:solidFill>
               </a:rPr>
-              <a:t>通过</a:t>
+              <a:t>在</a:t>
             </a:r>
             <a:r>
               <a:rPr lang="zh-CN" altLang="en-US" sz="1600" dirty="0">
@@ -29706,40 +30306,21 @@
                   <a:srgbClr val="1173B0"/>
                 </a:solidFill>
               </a:rPr>
-              <a:t>“</a:t>
-            </a:r>
-            <a:r>
-              <a:rPr lang="en-US" altLang="zh-CN" sz="1600" dirty="0">
+              <a:t>各个阶段的文档，都可以进行追述</a:t>
+            </a:r>
+            <a:r>
+              <a:rPr lang="zh-CN" altLang="en-US" sz="1600" dirty="0" smtClean="0">
                 <a:solidFill>
                   <a:srgbClr val="1173B0"/>
                 </a:solidFill>
               </a:rPr>
-              <a:t>new pull request”</a:t>
-            </a:r>
-            <a:r>
-              <a:rPr lang="zh-CN" altLang="en-US" sz="1600" dirty="0">
-                <a:solidFill>
-                  <a:srgbClr val="1173B0"/>
-                </a:solidFill>
-              </a:rPr>
-              <a:t>申请至</a:t>
-            </a:r>
-            <a:r>
-              <a:rPr lang="en-US" altLang="zh-CN" sz="1600" dirty="0">
-                <a:solidFill>
-                  <a:srgbClr val="1173B0"/>
-                </a:solidFill>
-              </a:rPr>
-              <a:t>DEV</a:t>
-            </a:r>
-            <a:r>
-              <a:rPr lang="zh-CN" altLang="en-US" sz="1600" dirty="0">
-                <a:solidFill>
-                  <a:srgbClr val="1173B0"/>
-                </a:solidFill>
-              </a:rPr>
-              <a:t>分支。</a:t>
-            </a:r>
+              <a:t>。</a:t>
+            </a:r>
+            <a:endParaRPr lang="zh-CN" altLang="en-US" sz="1600" dirty="0">
+              <a:solidFill>
+                <a:srgbClr val="1173B0"/>
+              </a:solidFill>
+            </a:endParaRPr>
           </a:p>
         </p:txBody>
       </p:sp>
@@ -29751,7 +30332,7 @@
         </p:nvSpPr>
         <p:spPr>
           <a:xfrm>
-            <a:off x="971600" y="1434138"/>
+            <a:off x="755576" y="1347614"/>
             <a:ext cx="2067334" cy="369332"/>
           </a:xfrm>
           <a:prstGeom prst="rect">
@@ -29773,188 +30354,7 @@
                 <a:latin typeface="微软雅黑" pitchFamily="34" charset="-122"/>
                 <a:ea typeface="微软雅黑" pitchFamily="34" charset="-122"/>
               </a:rPr>
-              <a:t>版本提交：</a:t>
-            </a:r>
-            <a:endParaRPr lang="zh-CN" altLang="en-US" b="1" dirty="0">
-              <a:solidFill>
-                <a:srgbClr val="1173B0"/>
-              </a:solidFill>
-              <a:latin typeface="微软雅黑" pitchFamily="34" charset="-122"/>
-              <a:ea typeface="微软雅黑" pitchFamily="34" charset="-122"/>
-            </a:endParaRPr>
-          </a:p>
-        </p:txBody>
-      </p:sp>
-      <p:sp>
-        <p:nvSpPr>
-          <p:cNvPr id="26" name="TextBox 25"/>
-          <p:cNvSpPr txBox="1"/>
-          <p:nvPr/>
-        </p:nvSpPr>
-        <p:spPr>
-          <a:xfrm>
-            <a:off x="2519264" y="3075806"/>
-            <a:ext cx="4887594" cy="1323439"/>
-          </a:xfrm>
-          <a:prstGeom prst="rect">
-            <a:avLst/>
-          </a:prstGeom>
-          <a:noFill/>
-        </p:spPr>
-        <p:txBody>
-          <a:bodyPr wrap="square" rtlCol="0">
-            <a:spAutoFit/>
-          </a:bodyPr>
-          <a:lstStyle/>
-          <a:p>
-            <a:pPr marL="342900" indent="-342900">
-              <a:buFont typeface="+mj-lt"/>
-              <a:buAutoNum type="arabicPeriod"/>
-            </a:pPr>
-            <a:r>
-              <a:rPr lang="zh-CN" altLang="en-US" sz="1600" dirty="0" smtClean="0">
-                <a:solidFill>
-                  <a:srgbClr val="1173B0"/>
-                </a:solidFill>
-              </a:rPr>
-              <a:t>提交</a:t>
-            </a:r>
-            <a:r>
-              <a:rPr lang="zh-CN" altLang="en-US" sz="1600" dirty="0">
-                <a:solidFill>
-                  <a:srgbClr val="1173B0"/>
-                </a:solidFill>
-              </a:rPr>
-              <a:t>人</a:t>
-            </a:r>
-            <a:r>
-              <a:rPr lang="zh-CN" altLang="en-US" sz="1600" dirty="0" smtClean="0">
-                <a:solidFill>
-                  <a:srgbClr val="1173B0"/>
-                </a:solidFill>
-              </a:rPr>
-              <a:t>是阶段负责人</a:t>
-            </a:r>
-            <a:r>
-              <a:rPr lang="zh-CN" altLang="en-US" sz="1600" dirty="0">
-                <a:solidFill>
-                  <a:srgbClr val="1173B0"/>
-                </a:solidFill>
-              </a:rPr>
-              <a:t>，以便于追溯</a:t>
-            </a:r>
-            <a:r>
-              <a:rPr lang="zh-CN" altLang="en-US" sz="1600" dirty="0" smtClean="0">
-                <a:solidFill>
-                  <a:srgbClr val="1173B0"/>
-                </a:solidFill>
-              </a:rPr>
-              <a:t>。</a:t>
-            </a:r>
-            <a:endParaRPr lang="en-US" altLang="zh-CN" sz="1600" dirty="0" smtClean="0">
-              <a:solidFill>
-                <a:srgbClr val="1173B0"/>
-              </a:solidFill>
-            </a:endParaRPr>
-          </a:p>
-          <a:p>
-            <a:pPr marL="342900" indent="-342900">
-              <a:buFont typeface="+mj-lt"/>
-              <a:buAutoNum type="arabicPeriod"/>
-            </a:pPr>
-            <a:r>
-              <a:rPr lang="zh-CN" altLang="en-US" sz="1600" dirty="0" smtClean="0">
-                <a:solidFill>
-                  <a:srgbClr val="1173B0"/>
-                </a:solidFill>
-              </a:rPr>
-              <a:t>在</a:t>
-            </a:r>
-            <a:r>
-              <a:rPr lang="en-US" altLang="zh-CN" sz="1600" dirty="0">
-                <a:solidFill>
-                  <a:srgbClr val="1173B0"/>
-                </a:solidFill>
-              </a:rPr>
-              <a:t>summary</a:t>
-            </a:r>
-            <a:r>
-              <a:rPr lang="zh-CN" altLang="en-US" sz="1600" dirty="0">
-                <a:solidFill>
-                  <a:srgbClr val="1173B0"/>
-                </a:solidFill>
-              </a:rPr>
-              <a:t>中要标注提交时间，方便对照文档是不是最新</a:t>
-            </a:r>
-            <a:r>
-              <a:rPr lang="zh-CN" altLang="en-US" sz="1600" dirty="0" smtClean="0">
-                <a:solidFill>
-                  <a:srgbClr val="1173B0"/>
-                </a:solidFill>
-              </a:rPr>
-              <a:t>。</a:t>
-            </a:r>
-            <a:endParaRPr lang="en-US" altLang="zh-CN" sz="1600" dirty="0" smtClean="0">
-              <a:solidFill>
-                <a:srgbClr val="1173B0"/>
-              </a:solidFill>
-            </a:endParaRPr>
-          </a:p>
-          <a:p>
-            <a:pPr marL="342900" indent="-342900">
-              <a:buFont typeface="+mj-lt"/>
-              <a:buAutoNum type="arabicPeriod"/>
-            </a:pPr>
-            <a:r>
-              <a:rPr lang="zh-CN" altLang="en-US" sz="1600" dirty="0" smtClean="0">
-                <a:solidFill>
-                  <a:srgbClr val="1173B0"/>
-                </a:solidFill>
-              </a:rPr>
-              <a:t>提交</a:t>
-            </a:r>
-            <a:r>
-              <a:rPr lang="zh-CN" altLang="en-US" sz="1600" dirty="0">
-                <a:solidFill>
-                  <a:srgbClr val="1173B0"/>
-                </a:solidFill>
-              </a:rPr>
-              <a:t>后要报告项目经理，经理同意后报告配置管理员进行合并。</a:t>
-            </a:r>
-          </a:p>
-        </p:txBody>
-      </p:sp>
-      <p:sp>
-        <p:nvSpPr>
-          <p:cNvPr id="27" name="TextBox 26"/>
-          <p:cNvSpPr txBox="1"/>
-          <p:nvPr/>
-        </p:nvSpPr>
-        <p:spPr>
-          <a:xfrm>
-            <a:off x="1259632" y="3107377"/>
-            <a:ext cx="2067334" cy="369332"/>
-          </a:xfrm>
-          <a:prstGeom prst="rect">
-            <a:avLst/>
-          </a:prstGeom>
-          <a:noFill/>
-        </p:spPr>
-        <p:txBody>
-          <a:bodyPr wrap="square" rtlCol="0">
-            <a:spAutoFit/>
-          </a:bodyPr>
-          <a:lstStyle/>
-          <a:p>
-            <a:r>
-              <a:rPr lang="zh-CN" altLang="en-US" b="1" dirty="0" smtClean="0">
-                <a:solidFill>
-                  <a:srgbClr val="1173B0"/>
-                </a:solidFill>
-                <a:latin typeface="微软雅黑" pitchFamily="34" charset="-122"/>
-                <a:ea typeface="微软雅黑" pitchFamily="34" charset="-122"/>
-              </a:rPr>
-              <a:t>合并：</a:t>
+              <a:t>版本管理：</a:t>
             </a:r>
             <a:endParaRPr lang="zh-CN" altLang="en-US" b="1" dirty="0">
               <a:solidFill>
@@ -29969,7 +30369,7 @@
     </p:spTree>
     <p:extLst>
       <p:ext uri="{BB962C8B-B14F-4D97-AF65-F5344CB8AC3E}">
-        <p14:creationId xmlns:p14="http://schemas.microsoft.com/office/powerpoint/2010/main" val="1148577005"/>
+        <p14:creationId xmlns:p14="http://schemas.microsoft.com/office/powerpoint/2010/main" val="1799945173"/>
       </p:ext>
     </p:extLst>
   </p:cSld>
@@ -30149,6 +30549,705 @@
                   <a:latin typeface="微软雅黑" pitchFamily="34" charset="-122"/>
                   <a:ea typeface="微软雅黑" pitchFamily="34" charset="-122"/>
                 </a:rPr>
+                <a:t>10.3</a:t>
+              </a:r>
+              <a:r>
+                <a:rPr lang="zh-CN" altLang="en-US" sz="1600" dirty="0" smtClean="0">
+                  <a:solidFill>
+                    <a:srgbClr val="00B0F0"/>
+                  </a:solidFill>
+                  <a:latin typeface="微软雅黑" pitchFamily="34" charset="-122"/>
+                  <a:ea typeface="微软雅黑" pitchFamily="34" charset="-122"/>
+                </a:rPr>
+                <a:t>版本提交与合并</a:t>
+              </a:r>
+              <a:endParaRPr lang="zh-CN" altLang="en-US" sz="1600" dirty="0">
+                <a:solidFill>
+                  <a:srgbClr val="00B0F0"/>
+                </a:solidFill>
+                <a:latin typeface="微软雅黑" pitchFamily="34" charset="-122"/>
+                <a:ea typeface="微软雅黑" pitchFamily="34" charset="-122"/>
+              </a:endParaRPr>
+            </a:p>
+          </p:txBody>
+        </p:sp>
+      </p:grpSp>
+      <p:sp>
+        <p:nvSpPr>
+          <p:cNvPr id="18" name="TextBox 17"/>
+          <p:cNvSpPr txBox="1"/>
+          <p:nvPr/>
+        </p:nvSpPr>
+        <p:spPr>
+          <a:xfrm>
+            <a:off x="2519264" y="1434138"/>
+            <a:ext cx="6624736" cy="1323439"/>
+          </a:xfrm>
+          <a:prstGeom prst="rect">
+            <a:avLst/>
+          </a:prstGeom>
+          <a:noFill/>
+        </p:spPr>
+        <p:txBody>
+          <a:bodyPr wrap="square" rtlCol="0">
+            <a:spAutoFit/>
+          </a:bodyPr>
+          <a:lstStyle/>
+          <a:p>
+            <a:pPr marL="342900" indent="-342900">
+              <a:buFont typeface="+mj-lt"/>
+              <a:buAutoNum type="arabicPeriod"/>
+            </a:pPr>
+            <a:r>
+              <a:rPr lang="zh-CN" altLang="en-US" sz="1600" dirty="0" smtClean="0">
+                <a:solidFill>
+                  <a:srgbClr val="1173B0"/>
+                </a:solidFill>
+              </a:rPr>
+              <a:t>通过</a:t>
+            </a:r>
+            <a:r>
+              <a:rPr lang="zh-CN" altLang="en-US" sz="1600" dirty="0">
+                <a:solidFill>
+                  <a:srgbClr val="1173B0"/>
+                </a:solidFill>
+              </a:rPr>
+              <a:t>版本控制器保证修改文件是最新的文件</a:t>
+            </a:r>
+            <a:r>
+              <a:rPr lang="zh-CN" altLang="en-US" sz="1600" dirty="0" smtClean="0">
+                <a:solidFill>
+                  <a:srgbClr val="1173B0"/>
+                </a:solidFill>
+              </a:rPr>
+              <a:t>。</a:t>
+            </a:r>
+            <a:endParaRPr lang="en-US" altLang="zh-CN" sz="1600" dirty="0" smtClean="0">
+              <a:solidFill>
+                <a:srgbClr val="1173B0"/>
+              </a:solidFill>
+            </a:endParaRPr>
+          </a:p>
+          <a:p>
+            <a:pPr marL="342900" indent="-342900">
+              <a:buFont typeface="+mj-lt"/>
+              <a:buAutoNum type="arabicPeriod"/>
+            </a:pPr>
+            <a:r>
+              <a:rPr lang="zh-CN" altLang="en-US" sz="1600" dirty="0" smtClean="0">
+                <a:solidFill>
+                  <a:srgbClr val="1173B0"/>
+                </a:solidFill>
+              </a:rPr>
+              <a:t>通过</a:t>
+            </a:r>
+            <a:r>
+              <a:rPr lang="en-US" altLang="zh-CN" sz="1600" dirty="0" err="1">
+                <a:solidFill>
+                  <a:srgbClr val="1173B0"/>
+                </a:solidFill>
+              </a:rPr>
+              <a:t>sourcetree</a:t>
+            </a:r>
+            <a:r>
+              <a:rPr lang="zh-CN" altLang="en-US" sz="1600" dirty="0">
+                <a:solidFill>
+                  <a:srgbClr val="1173B0"/>
+                </a:solidFill>
+              </a:rPr>
+              <a:t>、</a:t>
+            </a:r>
+            <a:r>
+              <a:rPr lang="en-US" altLang="zh-CN" sz="1600" dirty="0" err="1">
+                <a:solidFill>
+                  <a:srgbClr val="1173B0"/>
+                </a:solidFill>
+              </a:rPr>
+              <a:t>github</a:t>
+            </a:r>
+            <a:r>
+              <a:rPr lang="en-US" altLang="zh-CN" sz="1600" dirty="0">
+                <a:solidFill>
+                  <a:srgbClr val="1173B0"/>
+                </a:solidFill>
+              </a:rPr>
+              <a:t> Desktop</a:t>
+            </a:r>
+            <a:r>
+              <a:rPr lang="zh-CN" altLang="en-US" sz="1600" dirty="0">
+                <a:solidFill>
+                  <a:srgbClr val="1173B0"/>
+                </a:solidFill>
+              </a:rPr>
+              <a:t>、或者命令行提交修改的的</a:t>
+            </a:r>
+            <a:r>
+              <a:rPr lang="en-US" altLang="zh-CN" sz="1600" dirty="0" smtClean="0">
+                <a:solidFill>
+                  <a:srgbClr val="1173B0"/>
+                </a:solidFill>
+              </a:rPr>
+              <a:t>commit</a:t>
+            </a:r>
+            <a:r>
+              <a:rPr lang="zh-CN" altLang="en-US" sz="1600" dirty="0" smtClean="0">
+                <a:solidFill>
+                  <a:srgbClr val="1173B0"/>
+                </a:solidFill>
+              </a:rPr>
+              <a:t>。</a:t>
+            </a:r>
+            <a:r>
+              <a:rPr lang="en-US" altLang="zh-CN" sz="1600" dirty="0" smtClean="0">
+                <a:solidFill>
+                  <a:srgbClr val="1173B0"/>
+                </a:solidFill>
+              </a:rPr>
+              <a:t>commit</a:t>
+            </a:r>
+            <a:r>
+              <a:rPr lang="zh-CN" altLang="en-US" sz="1600" dirty="0">
+                <a:solidFill>
+                  <a:srgbClr val="1173B0"/>
+                </a:solidFill>
+              </a:rPr>
+              <a:t>里的</a:t>
+            </a:r>
+            <a:r>
+              <a:rPr lang="en-US" altLang="zh-CN" sz="1600" dirty="0" err="1">
+                <a:solidFill>
+                  <a:srgbClr val="1173B0"/>
+                </a:solidFill>
+              </a:rPr>
+              <a:t>summay</a:t>
+            </a:r>
+            <a:r>
+              <a:rPr lang="zh-CN" altLang="en-US" sz="1600" dirty="0">
+                <a:solidFill>
+                  <a:srgbClr val="1173B0"/>
+                </a:solidFill>
+              </a:rPr>
+              <a:t>要备注有修改</a:t>
+            </a:r>
+            <a:r>
+              <a:rPr lang="zh-CN" altLang="en-US" sz="1600" dirty="0" smtClean="0">
+                <a:solidFill>
+                  <a:srgbClr val="1173B0"/>
+                </a:solidFill>
+              </a:rPr>
+              <a:t>日期。</a:t>
+            </a:r>
+            <a:endParaRPr lang="en-US" altLang="zh-CN" sz="1600" dirty="0" smtClean="0">
+              <a:solidFill>
+                <a:srgbClr val="1173B0"/>
+              </a:solidFill>
+            </a:endParaRPr>
+          </a:p>
+          <a:p>
+            <a:pPr marL="342900" indent="-342900">
+              <a:buFont typeface="+mj-lt"/>
+              <a:buAutoNum type="arabicPeriod"/>
+            </a:pPr>
+            <a:r>
+              <a:rPr lang="zh-CN" altLang="en-US" sz="1600" dirty="0" smtClean="0">
+                <a:solidFill>
+                  <a:srgbClr val="1173B0"/>
+                </a:solidFill>
+              </a:rPr>
+              <a:t>将</a:t>
+            </a:r>
+            <a:r>
+              <a:rPr lang="en-US" altLang="zh-CN" sz="1600" dirty="0">
+                <a:solidFill>
+                  <a:srgbClr val="1173B0"/>
+                </a:solidFill>
+              </a:rPr>
+              <a:t>commit</a:t>
+            </a:r>
+            <a:r>
+              <a:rPr lang="zh-CN" altLang="en-US" sz="1600" dirty="0">
+                <a:solidFill>
+                  <a:srgbClr val="1173B0"/>
+                </a:solidFill>
+              </a:rPr>
+              <a:t>上传致版本控制</a:t>
+            </a:r>
+            <a:r>
+              <a:rPr lang="zh-CN" altLang="en-US" sz="1600" dirty="0" smtClean="0">
+                <a:solidFill>
+                  <a:srgbClr val="1173B0"/>
+                </a:solidFill>
+              </a:rPr>
+              <a:t>器。</a:t>
+            </a:r>
+            <a:endParaRPr lang="en-US" altLang="zh-CN" sz="1600" dirty="0" smtClean="0">
+              <a:solidFill>
+                <a:srgbClr val="1173B0"/>
+              </a:solidFill>
+            </a:endParaRPr>
+          </a:p>
+          <a:p>
+            <a:pPr marL="342900" indent="-342900">
+              <a:buFont typeface="+mj-lt"/>
+              <a:buAutoNum type="arabicPeriod"/>
+            </a:pPr>
+            <a:r>
+              <a:rPr lang="zh-CN" altLang="en-US" sz="1600" dirty="0" smtClean="0">
+                <a:solidFill>
+                  <a:srgbClr val="1173B0"/>
+                </a:solidFill>
+              </a:rPr>
+              <a:t>通过</a:t>
+            </a:r>
+            <a:r>
+              <a:rPr lang="zh-CN" altLang="en-US" sz="1600" dirty="0">
+                <a:solidFill>
+                  <a:srgbClr val="1173B0"/>
+                </a:solidFill>
+              </a:rPr>
+              <a:t>“</a:t>
+            </a:r>
+            <a:r>
+              <a:rPr lang="en-US" altLang="zh-CN" sz="1600" dirty="0">
+                <a:solidFill>
+                  <a:srgbClr val="1173B0"/>
+                </a:solidFill>
+              </a:rPr>
+              <a:t>new pull request”</a:t>
+            </a:r>
+            <a:r>
+              <a:rPr lang="zh-CN" altLang="en-US" sz="1600" dirty="0">
+                <a:solidFill>
+                  <a:srgbClr val="1173B0"/>
+                </a:solidFill>
+              </a:rPr>
+              <a:t>申请至</a:t>
+            </a:r>
+            <a:r>
+              <a:rPr lang="en-US" altLang="zh-CN" sz="1600" dirty="0">
+                <a:solidFill>
+                  <a:srgbClr val="1173B0"/>
+                </a:solidFill>
+              </a:rPr>
+              <a:t>DEV</a:t>
+            </a:r>
+            <a:r>
+              <a:rPr lang="zh-CN" altLang="en-US" sz="1600" dirty="0">
+                <a:solidFill>
+                  <a:srgbClr val="1173B0"/>
+                </a:solidFill>
+              </a:rPr>
+              <a:t>分支。</a:t>
+            </a:r>
+          </a:p>
+        </p:txBody>
+      </p:sp>
+      <p:sp>
+        <p:nvSpPr>
+          <p:cNvPr id="19" name="TextBox 18"/>
+          <p:cNvSpPr txBox="1"/>
+          <p:nvPr/>
+        </p:nvSpPr>
+        <p:spPr>
+          <a:xfrm>
+            <a:off x="971600" y="1434138"/>
+            <a:ext cx="2067334" cy="369332"/>
+          </a:xfrm>
+          <a:prstGeom prst="rect">
+            <a:avLst/>
+          </a:prstGeom>
+          <a:noFill/>
+        </p:spPr>
+        <p:txBody>
+          <a:bodyPr wrap="square" rtlCol="0">
+            <a:spAutoFit/>
+          </a:bodyPr>
+          <a:lstStyle/>
+          <a:p>
+            <a:r>
+              <a:rPr lang="zh-CN" altLang="en-US" b="1" dirty="0" smtClean="0">
+                <a:solidFill>
+                  <a:srgbClr val="1173B0"/>
+                </a:solidFill>
+                <a:latin typeface="微软雅黑" pitchFamily="34" charset="-122"/>
+                <a:ea typeface="微软雅黑" pitchFamily="34" charset="-122"/>
+              </a:rPr>
+              <a:t>版本提交：</a:t>
+            </a:r>
+            <a:endParaRPr lang="zh-CN" altLang="en-US" b="1" dirty="0">
+              <a:solidFill>
+                <a:srgbClr val="1173B0"/>
+              </a:solidFill>
+              <a:latin typeface="微软雅黑" pitchFamily="34" charset="-122"/>
+              <a:ea typeface="微软雅黑" pitchFamily="34" charset="-122"/>
+            </a:endParaRPr>
+          </a:p>
+        </p:txBody>
+      </p:sp>
+      <p:sp>
+        <p:nvSpPr>
+          <p:cNvPr id="26" name="TextBox 25"/>
+          <p:cNvSpPr txBox="1"/>
+          <p:nvPr/>
+        </p:nvSpPr>
+        <p:spPr>
+          <a:xfrm>
+            <a:off x="2519264" y="3075806"/>
+            <a:ext cx="4887594" cy="1323439"/>
+          </a:xfrm>
+          <a:prstGeom prst="rect">
+            <a:avLst/>
+          </a:prstGeom>
+          <a:noFill/>
+        </p:spPr>
+        <p:txBody>
+          <a:bodyPr wrap="square" rtlCol="0">
+            <a:spAutoFit/>
+          </a:bodyPr>
+          <a:lstStyle/>
+          <a:p>
+            <a:pPr marL="342900" indent="-342900">
+              <a:buFont typeface="+mj-lt"/>
+              <a:buAutoNum type="arabicPeriod"/>
+            </a:pPr>
+            <a:r>
+              <a:rPr lang="zh-CN" altLang="en-US" sz="1600" dirty="0" smtClean="0">
+                <a:solidFill>
+                  <a:srgbClr val="1173B0"/>
+                </a:solidFill>
+              </a:rPr>
+              <a:t>提交</a:t>
+            </a:r>
+            <a:r>
+              <a:rPr lang="zh-CN" altLang="en-US" sz="1600" dirty="0">
+                <a:solidFill>
+                  <a:srgbClr val="1173B0"/>
+                </a:solidFill>
+              </a:rPr>
+              <a:t>人</a:t>
+            </a:r>
+            <a:r>
+              <a:rPr lang="zh-CN" altLang="en-US" sz="1600" dirty="0" smtClean="0">
+                <a:solidFill>
+                  <a:srgbClr val="1173B0"/>
+                </a:solidFill>
+              </a:rPr>
+              <a:t>是阶段负责人</a:t>
+            </a:r>
+            <a:r>
+              <a:rPr lang="zh-CN" altLang="en-US" sz="1600" dirty="0">
+                <a:solidFill>
+                  <a:srgbClr val="1173B0"/>
+                </a:solidFill>
+              </a:rPr>
+              <a:t>，以便于追溯</a:t>
+            </a:r>
+            <a:r>
+              <a:rPr lang="zh-CN" altLang="en-US" sz="1600" dirty="0" smtClean="0">
+                <a:solidFill>
+                  <a:srgbClr val="1173B0"/>
+                </a:solidFill>
+              </a:rPr>
+              <a:t>。</a:t>
+            </a:r>
+            <a:endParaRPr lang="en-US" altLang="zh-CN" sz="1600" dirty="0" smtClean="0">
+              <a:solidFill>
+                <a:srgbClr val="1173B0"/>
+              </a:solidFill>
+            </a:endParaRPr>
+          </a:p>
+          <a:p>
+            <a:pPr marL="342900" indent="-342900">
+              <a:buFont typeface="+mj-lt"/>
+              <a:buAutoNum type="arabicPeriod"/>
+            </a:pPr>
+            <a:r>
+              <a:rPr lang="zh-CN" altLang="en-US" sz="1600" dirty="0" smtClean="0">
+                <a:solidFill>
+                  <a:srgbClr val="1173B0"/>
+                </a:solidFill>
+              </a:rPr>
+              <a:t>在</a:t>
+            </a:r>
+            <a:r>
+              <a:rPr lang="en-US" altLang="zh-CN" sz="1600" dirty="0">
+                <a:solidFill>
+                  <a:srgbClr val="1173B0"/>
+                </a:solidFill>
+              </a:rPr>
+              <a:t>summary</a:t>
+            </a:r>
+            <a:r>
+              <a:rPr lang="zh-CN" altLang="en-US" sz="1600" dirty="0">
+                <a:solidFill>
+                  <a:srgbClr val="1173B0"/>
+                </a:solidFill>
+              </a:rPr>
+              <a:t>中要标注提交时间，方便对照文档是不是最新</a:t>
+            </a:r>
+            <a:r>
+              <a:rPr lang="zh-CN" altLang="en-US" sz="1600" dirty="0" smtClean="0">
+                <a:solidFill>
+                  <a:srgbClr val="1173B0"/>
+                </a:solidFill>
+              </a:rPr>
+              <a:t>。</a:t>
+            </a:r>
+            <a:endParaRPr lang="en-US" altLang="zh-CN" sz="1600" dirty="0" smtClean="0">
+              <a:solidFill>
+                <a:srgbClr val="1173B0"/>
+              </a:solidFill>
+            </a:endParaRPr>
+          </a:p>
+          <a:p>
+            <a:pPr marL="342900" indent="-342900">
+              <a:buFont typeface="+mj-lt"/>
+              <a:buAutoNum type="arabicPeriod"/>
+            </a:pPr>
+            <a:r>
+              <a:rPr lang="zh-CN" altLang="en-US" sz="1600" dirty="0" smtClean="0">
+                <a:solidFill>
+                  <a:srgbClr val="1173B0"/>
+                </a:solidFill>
+              </a:rPr>
+              <a:t>提交</a:t>
+            </a:r>
+            <a:r>
+              <a:rPr lang="zh-CN" altLang="en-US" sz="1600" dirty="0">
+                <a:solidFill>
+                  <a:srgbClr val="1173B0"/>
+                </a:solidFill>
+              </a:rPr>
+              <a:t>后要报告项目经理，经理同意后报告配置管理员进行合并。</a:t>
+            </a:r>
+          </a:p>
+        </p:txBody>
+      </p:sp>
+      <p:sp>
+        <p:nvSpPr>
+          <p:cNvPr id="27" name="TextBox 26"/>
+          <p:cNvSpPr txBox="1"/>
+          <p:nvPr/>
+        </p:nvSpPr>
+        <p:spPr>
+          <a:xfrm>
+            <a:off x="1259632" y="3107377"/>
+            <a:ext cx="2067334" cy="369332"/>
+          </a:xfrm>
+          <a:prstGeom prst="rect">
+            <a:avLst/>
+          </a:prstGeom>
+          <a:noFill/>
+        </p:spPr>
+        <p:txBody>
+          <a:bodyPr wrap="square" rtlCol="0">
+            <a:spAutoFit/>
+          </a:bodyPr>
+          <a:lstStyle/>
+          <a:p>
+            <a:r>
+              <a:rPr lang="zh-CN" altLang="en-US" b="1" dirty="0" smtClean="0">
+                <a:solidFill>
+                  <a:srgbClr val="1173B0"/>
+                </a:solidFill>
+                <a:latin typeface="微软雅黑" pitchFamily="34" charset="-122"/>
+                <a:ea typeface="微软雅黑" pitchFamily="34" charset="-122"/>
+              </a:rPr>
+              <a:t>合并：</a:t>
+            </a:r>
+            <a:endParaRPr lang="zh-CN" altLang="en-US" b="1" dirty="0">
+              <a:solidFill>
+                <a:srgbClr val="1173B0"/>
+              </a:solidFill>
+              <a:latin typeface="微软雅黑" pitchFamily="34" charset="-122"/>
+              <a:ea typeface="微软雅黑" pitchFamily="34" charset="-122"/>
+            </a:endParaRPr>
+          </a:p>
+        </p:txBody>
+      </p:sp>
+    </p:spTree>
+    <p:extLst>
+      <p:ext uri="{BB962C8B-B14F-4D97-AF65-F5344CB8AC3E}">
+        <p14:creationId xmlns:p14="http://schemas.microsoft.com/office/powerpoint/2010/main" val="1148577005"/>
+      </p:ext>
+    </p:extLst>
+  </p:cSld>
+  <p:clrMapOvr>
+    <a:masterClrMapping/>
+  </p:clrMapOvr>
+  <p:timing>
+    <p:tnLst>
+      <p:par>
+        <p:cTn id="1" dur="indefinite" restart="never" nodeType="tmRoot"/>
+      </p:par>
+    </p:tnLst>
+  </p:timing>
+</p:sld>
+</file>
+
+<file path=ppt/slides/slide48.xml><?xml version="1.0" encoding="utf-8"?>
+<p:sld xmlns:a="http://schemas.openxmlformats.org/drawingml/2006/main" xmlns:r="http://schemas.openxmlformats.org/officeDocument/2006/relationships" xmlns:p="http://schemas.openxmlformats.org/presentationml/2006/main">
+  <p:cSld>
+    <p:spTree>
+      <p:nvGrpSpPr>
+        <p:cNvPr id="1" name=""/>
+        <p:cNvGrpSpPr/>
+        <p:nvPr/>
+      </p:nvGrpSpPr>
+      <p:grpSpPr>
+        <a:xfrm>
+          <a:off x="0" y="0"/>
+          <a:ext cx="0" cy="0"/>
+          <a:chOff x="0" y="0"/>
+          <a:chExt cx="0" cy="0"/>
+        </a:xfrm>
+      </p:grpSpPr>
+      <p:grpSp>
+        <p:nvGrpSpPr>
+          <p:cNvPr id="6" name="组合 5"/>
+          <p:cNvGrpSpPr/>
+          <p:nvPr/>
+        </p:nvGrpSpPr>
+        <p:grpSpPr>
+          <a:xfrm>
+            <a:off x="0" y="448022"/>
+            <a:ext cx="4067944" cy="644334"/>
+            <a:chOff x="0" y="448022"/>
+            <a:chExt cx="4067944" cy="644334"/>
+          </a:xfrm>
+        </p:grpSpPr>
+        <p:sp>
+          <p:nvSpPr>
+            <p:cNvPr id="2" name="矩形 1"/>
+            <p:cNvSpPr/>
+            <p:nvPr/>
+          </p:nvSpPr>
+          <p:spPr>
+            <a:xfrm>
+              <a:off x="0" y="448022"/>
+              <a:ext cx="611560" cy="611560"/>
+            </a:xfrm>
+            <a:prstGeom prst="rect">
+              <a:avLst/>
+            </a:prstGeom>
+            <a:solidFill>
+              <a:srgbClr val="00B0F0"/>
+            </a:solidFill>
+            <a:ln>
+              <a:noFill/>
+            </a:ln>
+          </p:spPr>
+          <p:style>
+            <a:lnRef idx="2">
+              <a:schemeClr val="accent1">
+                <a:shade val="50000"/>
+              </a:schemeClr>
+            </a:lnRef>
+            <a:fillRef idx="1">
+              <a:schemeClr val="accent1"/>
+            </a:fillRef>
+            <a:effectRef idx="0">
+              <a:schemeClr val="accent1"/>
+            </a:effectRef>
+            <a:fontRef idx="minor">
+              <a:schemeClr val="lt1"/>
+            </a:fontRef>
+          </p:style>
+          <p:txBody>
+            <a:bodyPr rtlCol="0" anchor="ctr"/>
+            <a:lstStyle/>
+            <a:p>
+              <a:pPr algn="ctr"/>
+              <a:endParaRPr lang="zh-CN" altLang="en-US">
+                <a:solidFill>
+                  <a:srgbClr val="F2A849"/>
+                </a:solidFill>
+              </a:endParaRPr>
+            </a:p>
+          </p:txBody>
+        </p:sp>
+        <p:sp>
+          <p:nvSpPr>
+            <p:cNvPr id="3" name="TextBox 2"/>
+            <p:cNvSpPr txBox="1"/>
+            <p:nvPr/>
+          </p:nvSpPr>
+          <p:spPr>
+            <a:xfrm>
+              <a:off x="683568" y="448022"/>
+              <a:ext cx="3384376" cy="369332"/>
+            </a:xfrm>
+            <a:prstGeom prst="rect">
+              <a:avLst/>
+            </a:prstGeom>
+            <a:noFill/>
+          </p:spPr>
+          <p:txBody>
+            <a:bodyPr wrap="square" rtlCol="0">
+              <a:spAutoFit/>
+            </a:bodyPr>
+            <a:lstStyle/>
+            <a:p>
+              <a:r>
+                <a:rPr lang="en-US" altLang="zh-CN" dirty="0" smtClean="0">
+                  <a:solidFill>
+                    <a:srgbClr val="00B0F0"/>
+                  </a:solidFill>
+                  <a:latin typeface="微软雅黑" pitchFamily="34" charset="-122"/>
+                  <a:ea typeface="微软雅黑" pitchFamily="34" charset="-122"/>
+                </a:rPr>
+                <a:t>10.</a:t>
+              </a:r>
+              <a:r>
+                <a:rPr lang="zh-CN" altLang="en-US" dirty="0" smtClean="0">
+                  <a:solidFill>
+                    <a:srgbClr val="00B0F0"/>
+                  </a:solidFill>
+                  <a:latin typeface="微软雅黑" pitchFamily="34" charset="-122"/>
+                  <a:ea typeface="微软雅黑" pitchFamily="34" charset="-122"/>
+                </a:rPr>
+                <a:t>配置系统管理</a:t>
+              </a:r>
+              <a:endParaRPr lang="zh-CN" altLang="en-US" dirty="0">
+                <a:solidFill>
+                  <a:srgbClr val="00B0F0"/>
+                </a:solidFill>
+                <a:latin typeface="微软雅黑" pitchFamily="34" charset="-122"/>
+                <a:ea typeface="微软雅黑" pitchFamily="34" charset="-122"/>
+              </a:endParaRPr>
+            </a:p>
+          </p:txBody>
+        </p:sp>
+        <p:sp>
+          <p:nvSpPr>
+            <p:cNvPr id="4" name="TextBox 3"/>
+            <p:cNvSpPr txBox="1"/>
+            <p:nvPr/>
+          </p:nvSpPr>
+          <p:spPr>
+            <a:xfrm>
+              <a:off x="709822" y="753802"/>
+              <a:ext cx="2998081" cy="338554"/>
+            </a:xfrm>
+            <a:prstGeom prst="rect">
+              <a:avLst/>
+            </a:prstGeom>
+            <a:noFill/>
+          </p:spPr>
+          <p:txBody>
+            <a:bodyPr wrap="square" rtlCol="0">
+              <a:spAutoFit/>
+            </a:bodyPr>
+            <a:lstStyle/>
+            <a:p>
+              <a:r>
+                <a:rPr lang="en-US" altLang="zh-CN" sz="1600" dirty="0" smtClean="0">
+                  <a:solidFill>
+                    <a:srgbClr val="00B0F0"/>
+                  </a:solidFill>
+                  <a:latin typeface="微软雅黑" pitchFamily="34" charset="-122"/>
+                  <a:ea typeface="微软雅黑" pitchFamily="34" charset="-122"/>
+                </a:rPr>
                 <a:t>10.4</a:t>
               </a:r>
               <a:r>
@@ -30468,1105 +31567,6 @@
     <p:extLst>
       <p:ext uri="{BB962C8B-B14F-4D97-AF65-F5344CB8AC3E}">
         <p14:creationId xmlns:p14="http://schemas.microsoft.com/office/powerpoint/2010/main" val="2042334499"/>
-      </p:ext>
-    </p:extLst>
-  </p:cSld>
-  <p:clrMapOvr>
-    <a:masterClrMapping/>
-  </p:clrMapOvr>
-  <p:timing>
-    <p:tnLst>
-      <p:par>
-        <p:cTn id="1" dur="indefinite" restart="never" nodeType="tmRoot"/>
-      </p:par>
-    </p:tnLst>
-  </p:timing>
-</p:sld>
-</file>
-
-<file path=ppt/slides/slide48.xml><?xml version="1.0" encoding="utf-8"?>
-<p:sld xmlns:a="http://schemas.openxmlformats.org/drawingml/2006/main" xmlns:r="http://schemas.openxmlformats.org/officeDocument/2006/relationships" xmlns:p="http://schemas.openxmlformats.org/presentationml/2006/main">
-  <p:cSld>
-    <p:spTree>
-      <p:nvGrpSpPr>
-        <p:cNvPr id="1" name=""/>
-        <p:cNvGrpSpPr/>
-        <p:nvPr/>
-      </p:nvGrpSpPr>
-      <p:grpSpPr>
-        <a:xfrm>
-          <a:off x="0" y="0"/>
-          <a:ext cx="0" cy="0"/>
-          <a:chOff x="0" y="0"/>
-          <a:chExt cx="0" cy="0"/>
-        </a:xfrm>
-      </p:grpSpPr>
-      <p:sp>
-        <p:nvSpPr>
-          <p:cNvPr id="3" name="矩形 2"/>
-          <p:cNvSpPr/>
-          <p:nvPr/>
-        </p:nvSpPr>
-        <p:spPr>
-          <a:xfrm>
-            <a:off x="0" y="448022"/>
-            <a:ext cx="611560" cy="611560"/>
-          </a:xfrm>
-          <a:prstGeom prst="rect">
-            <a:avLst/>
-          </a:prstGeom>
-          <a:solidFill>
-            <a:srgbClr val="53C780"/>
-          </a:solidFill>
-          <a:ln>
-            <a:noFill/>
-          </a:ln>
-        </p:spPr>
-        <p:style>
-          <a:lnRef idx="2">
-            <a:schemeClr val="accent1">
-              <a:shade val="50000"/>
-            </a:schemeClr>
-          </a:lnRef>
-          <a:fillRef idx="1">
-            <a:schemeClr val="accent1"/>
-          </a:fillRef>
-          <a:effectRef idx="0">
-            <a:schemeClr val="accent1"/>
-          </a:effectRef>
-          <a:fontRef idx="minor">
-            <a:schemeClr val="lt1"/>
-          </a:fontRef>
-        </p:style>
-        <p:txBody>
-          <a:bodyPr rtlCol="0" anchor="ctr"/>
-          <a:lstStyle/>
-          <a:p>
-            <a:pPr algn="ctr"/>
-            <a:endParaRPr lang="zh-CN" altLang="en-US">
-              <a:solidFill>
-                <a:srgbClr val="53C780"/>
-              </a:solidFill>
-            </a:endParaRPr>
-          </a:p>
-        </p:txBody>
-      </p:sp>
-      <p:grpSp>
-        <p:nvGrpSpPr>
-          <p:cNvPr id="12" name="组合 11"/>
-          <p:cNvGrpSpPr/>
-          <p:nvPr/>
-        </p:nvGrpSpPr>
-        <p:grpSpPr>
-          <a:xfrm>
-            <a:off x="755576" y="2283718"/>
-            <a:ext cx="576064" cy="576064"/>
-            <a:chOff x="2915816" y="1254410"/>
-            <a:chExt cx="576064" cy="576064"/>
-          </a:xfrm>
-        </p:grpSpPr>
-        <p:sp>
-          <p:nvSpPr>
-            <p:cNvPr id="6" name="椭圆 5"/>
-            <p:cNvSpPr/>
-            <p:nvPr/>
-          </p:nvSpPr>
-          <p:spPr>
-            <a:xfrm>
-              <a:off x="2915816" y="1254410"/>
-              <a:ext cx="576064" cy="576064"/>
-            </a:xfrm>
-            <a:prstGeom prst="ellipse">
-              <a:avLst/>
-            </a:prstGeom>
-            <a:solidFill>
-              <a:srgbClr val="00B0F0"/>
-            </a:solidFill>
-            <a:ln>
-              <a:noFill/>
-            </a:ln>
-          </p:spPr>
-          <p:style>
-            <a:lnRef idx="2">
-              <a:schemeClr val="accent1">
-                <a:shade val="50000"/>
-              </a:schemeClr>
-            </a:lnRef>
-            <a:fillRef idx="1">
-              <a:schemeClr val="accent1"/>
-            </a:fillRef>
-            <a:effectRef idx="0">
-              <a:schemeClr val="accent1"/>
-            </a:effectRef>
-            <a:fontRef idx="minor">
-              <a:schemeClr val="lt1"/>
-            </a:fontRef>
-          </p:style>
-          <p:txBody>
-            <a:bodyPr rtlCol="0" anchor="ctr"/>
-            <a:lstStyle/>
-            <a:p>
-              <a:pPr algn="ctr"/>
-              <a:endParaRPr lang="zh-CN" altLang="en-US"/>
-            </a:p>
-          </p:txBody>
-        </p:sp>
-        <p:sp>
-          <p:nvSpPr>
-            <p:cNvPr id="7" name="TextBox 6"/>
-            <p:cNvSpPr txBox="1"/>
-            <p:nvPr/>
-          </p:nvSpPr>
-          <p:spPr>
-            <a:xfrm>
-              <a:off x="3037880" y="1275606"/>
-              <a:ext cx="288032" cy="523220"/>
-            </a:xfrm>
-            <a:prstGeom prst="rect">
-              <a:avLst/>
-            </a:prstGeom>
-            <a:noFill/>
-          </p:spPr>
-          <p:txBody>
-            <a:bodyPr wrap="square" rtlCol="0">
-              <a:spAutoFit/>
-            </a:bodyPr>
-            <a:lstStyle/>
-            <a:p>
-              <a:r>
-                <a:rPr lang="en-US" altLang="zh-CN" sz="2800" b="1" dirty="0" smtClean="0">
-                  <a:solidFill>
-                    <a:schemeClr val="bg1"/>
-                  </a:solidFill>
-                </a:rPr>
-                <a:t>1</a:t>
-              </a:r>
-              <a:endParaRPr lang="zh-CN" altLang="en-US" sz="2800" b="1" dirty="0">
-                <a:solidFill>
-                  <a:schemeClr val="bg1"/>
-                </a:solidFill>
-              </a:endParaRPr>
-            </a:p>
-          </p:txBody>
-        </p:sp>
-      </p:grpSp>
-      <p:grpSp>
-        <p:nvGrpSpPr>
-          <p:cNvPr id="42" name="组合 41"/>
-          <p:cNvGrpSpPr/>
-          <p:nvPr/>
-        </p:nvGrpSpPr>
-        <p:grpSpPr>
-          <a:xfrm>
-            <a:off x="5799702" y="2334494"/>
-            <a:ext cx="2892268" cy="2366872"/>
-            <a:chOff x="1475656" y="1347614"/>
-            <a:chExt cx="2892268" cy="2366872"/>
-          </a:xfrm>
-        </p:grpSpPr>
-        <p:sp>
-          <p:nvSpPr>
-            <p:cNvPr id="30" name="TextBox 29"/>
-            <p:cNvSpPr txBox="1"/>
-            <p:nvPr/>
-          </p:nvSpPr>
-          <p:spPr>
-            <a:xfrm>
-              <a:off x="1475656" y="1652383"/>
-              <a:ext cx="2892268" cy="2062103"/>
-            </a:xfrm>
-            <a:prstGeom prst="rect">
-              <a:avLst/>
-            </a:prstGeom>
-            <a:noFill/>
-          </p:spPr>
-          <p:txBody>
-            <a:bodyPr wrap="square" rtlCol="0">
-              <a:spAutoFit/>
-            </a:bodyPr>
-            <a:lstStyle/>
-            <a:p>
-              <a:r>
-                <a:rPr lang="zh-CN" altLang="en-US" sz="1600" dirty="0">
-                  <a:solidFill>
-                    <a:schemeClr val="tx1">
-                      <a:lumMod val="85000"/>
-                      <a:lumOff val="15000"/>
-                    </a:schemeClr>
-                  </a:solidFill>
-                </a:rPr>
-                <a:t>组织人：余敬（项目经理）</a:t>
-              </a:r>
-            </a:p>
-            <a:p>
-              <a:r>
-                <a:rPr lang="zh-CN" altLang="en-US" sz="1600" dirty="0">
-                  <a:solidFill>
-                    <a:schemeClr val="tx1">
-                      <a:lumMod val="85000"/>
-                      <a:lumOff val="15000"/>
-                    </a:schemeClr>
-                  </a:solidFill>
-                </a:rPr>
-                <a:t>会议地点：理四</a:t>
-              </a:r>
-              <a:r>
-                <a:rPr lang="en-US" altLang="zh-CN" sz="1600" dirty="0">
-                  <a:solidFill>
-                    <a:schemeClr val="tx1">
-                      <a:lumMod val="85000"/>
-                      <a:lumOff val="15000"/>
-                    </a:schemeClr>
-                  </a:solidFill>
-                </a:rPr>
-                <a:t>409</a:t>
-              </a:r>
-            </a:p>
-            <a:p>
-              <a:r>
-                <a:rPr lang="zh-CN" altLang="en-US" sz="1600" dirty="0">
-                  <a:solidFill>
-                    <a:schemeClr val="tx1">
-                      <a:lumMod val="85000"/>
-                      <a:lumOff val="15000"/>
-                    </a:schemeClr>
-                  </a:solidFill>
-                </a:rPr>
-                <a:t>会议时间：每周周三</a:t>
-              </a:r>
-              <a:r>
-                <a:rPr lang="en-US" altLang="zh-CN" sz="1600" dirty="0">
-                  <a:solidFill>
-                    <a:schemeClr val="tx1">
-                      <a:lumMod val="85000"/>
-                      <a:lumOff val="15000"/>
-                    </a:schemeClr>
-                  </a:solidFill>
-                </a:rPr>
-                <a:t>17</a:t>
-              </a:r>
-              <a:r>
-                <a:rPr lang="zh-CN" altLang="en-US" sz="1600" dirty="0">
-                  <a:solidFill>
-                    <a:schemeClr val="tx1">
-                      <a:lumMod val="85000"/>
-                      <a:lumOff val="15000"/>
-                    </a:schemeClr>
-                  </a:solidFill>
-                </a:rPr>
-                <a:t>：</a:t>
-              </a:r>
-              <a:r>
-                <a:rPr lang="en-US" altLang="zh-CN" sz="1600" dirty="0">
-                  <a:solidFill>
-                    <a:schemeClr val="tx1">
-                      <a:lumMod val="85000"/>
-                      <a:lumOff val="15000"/>
-                    </a:schemeClr>
-                  </a:solidFill>
-                </a:rPr>
-                <a:t>15</a:t>
-              </a:r>
-              <a:r>
-                <a:rPr lang="zh-CN" altLang="en-US" sz="1600" dirty="0">
-                  <a:solidFill>
-                    <a:schemeClr val="tx1">
-                      <a:lumMod val="85000"/>
-                      <a:lumOff val="15000"/>
-                    </a:schemeClr>
-                  </a:solidFill>
-                </a:rPr>
-                <a:t>（根据实际情况会有变动）</a:t>
-              </a:r>
-            </a:p>
-            <a:p>
-              <a:r>
-                <a:rPr lang="zh-CN" altLang="en-US" sz="1600" dirty="0">
-                  <a:solidFill>
-                    <a:schemeClr val="tx1">
-                      <a:lumMod val="85000"/>
-                      <a:lumOff val="15000"/>
-                    </a:schemeClr>
-                  </a:solidFill>
-                </a:rPr>
-                <a:t>会议参与人：余敬，张伟鹏，丁磊，陈建伟，唐子煜</a:t>
-              </a:r>
-            </a:p>
-            <a:p>
-              <a:r>
-                <a:rPr lang="zh-CN" altLang="en-US" sz="1600" dirty="0">
-                  <a:solidFill>
-                    <a:schemeClr val="tx1">
-                      <a:lumMod val="85000"/>
-                      <a:lumOff val="15000"/>
-                    </a:schemeClr>
-                  </a:solidFill>
-                </a:rPr>
-                <a:t>会议记录人：陈建伟</a:t>
-              </a:r>
-            </a:p>
-            <a:p>
-              <a:r>
-                <a:rPr lang="zh-CN" altLang="en-US" sz="1600" dirty="0">
-                  <a:solidFill>
-                    <a:schemeClr val="tx1">
-                      <a:lumMod val="85000"/>
-                      <a:lumOff val="15000"/>
-                    </a:schemeClr>
-                  </a:solidFill>
-                </a:rPr>
-                <a:t>会议录音人：张伟鹏</a:t>
-              </a:r>
-            </a:p>
-          </p:txBody>
-        </p:sp>
-        <p:sp>
-          <p:nvSpPr>
-            <p:cNvPr id="31" name="TextBox 30"/>
-            <p:cNvSpPr txBox="1"/>
-            <p:nvPr/>
-          </p:nvSpPr>
-          <p:spPr>
-            <a:xfrm>
-              <a:off x="1487604" y="1347614"/>
-              <a:ext cx="2088233" cy="338554"/>
-            </a:xfrm>
-            <a:prstGeom prst="rect">
-              <a:avLst/>
-            </a:prstGeom>
-            <a:noFill/>
-          </p:spPr>
-          <p:txBody>
-            <a:bodyPr wrap="square" rtlCol="0">
-              <a:spAutoFit/>
-            </a:bodyPr>
-            <a:lstStyle/>
-            <a:p>
-              <a:r>
-                <a:rPr lang="en-US" altLang="zh-CN" sz="1600" dirty="0" smtClean="0">
-                  <a:solidFill>
-                    <a:srgbClr val="00B0F0"/>
-                  </a:solidFill>
-                  <a:latin typeface="微软雅黑" pitchFamily="34" charset="-122"/>
-                  <a:ea typeface="微软雅黑" pitchFamily="34" charset="-122"/>
-                </a:rPr>
-                <a:t>8.3.3</a:t>
-              </a:r>
-              <a:r>
-                <a:rPr lang="zh-CN" altLang="en-US" sz="1600" dirty="0" smtClean="0">
-                  <a:solidFill>
-                    <a:srgbClr val="00B0F0"/>
-                  </a:solidFill>
-                  <a:latin typeface="微软雅黑" pitchFamily="34" charset="-122"/>
-                  <a:ea typeface="微软雅黑" pitchFamily="34" charset="-122"/>
-                </a:rPr>
-                <a:t>小组会议安排</a:t>
-              </a:r>
-              <a:endParaRPr lang="zh-CN" altLang="en-US" sz="1600" dirty="0">
-                <a:solidFill>
-                  <a:srgbClr val="00B0F0"/>
-                </a:solidFill>
-                <a:latin typeface="微软雅黑" pitchFamily="34" charset="-122"/>
-                <a:ea typeface="微软雅黑" pitchFamily="34" charset="-122"/>
-              </a:endParaRPr>
-            </a:p>
-          </p:txBody>
-        </p:sp>
-      </p:grpSp>
-      <p:sp>
-        <p:nvSpPr>
-          <p:cNvPr id="48" name="矩形 47"/>
-          <p:cNvSpPr/>
-          <p:nvPr/>
-        </p:nvSpPr>
-        <p:spPr>
-          <a:xfrm>
-            <a:off x="0" y="448022"/>
-            <a:ext cx="611560" cy="611560"/>
-          </a:xfrm>
-          <a:prstGeom prst="rect">
-            <a:avLst/>
-          </a:prstGeom>
-          <a:solidFill>
-            <a:srgbClr val="00B0F0"/>
-          </a:solidFill>
-          <a:ln>
-            <a:noFill/>
-          </a:ln>
-        </p:spPr>
-        <p:style>
-          <a:lnRef idx="2">
-            <a:schemeClr val="accent1">
-              <a:shade val="50000"/>
-            </a:schemeClr>
-          </a:lnRef>
-          <a:fillRef idx="1">
-            <a:schemeClr val="accent1"/>
-          </a:fillRef>
-          <a:effectRef idx="0">
-            <a:schemeClr val="accent1"/>
-          </a:effectRef>
-          <a:fontRef idx="minor">
-            <a:schemeClr val="lt1"/>
-          </a:fontRef>
-        </p:style>
-        <p:txBody>
-          <a:bodyPr rtlCol="0" anchor="ctr"/>
-          <a:lstStyle/>
-          <a:p>
-            <a:pPr algn="ctr"/>
-            <a:endParaRPr lang="zh-CN" altLang="en-US">
-              <a:solidFill>
-                <a:srgbClr val="F2A849"/>
-              </a:solidFill>
-            </a:endParaRPr>
-          </a:p>
-        </p:txBody>
-      </p:sp>
-      <p:sp>
-        <p:nvSpPr>
-          <p:cNvPr id="49" name="TextBox 2"/>
-          <p:cNvSpPr txBox="1"/>
-          <p:nvPr/>
-        </p:nvSpPr>
-        <p:spPr>
-          <a:xfrm>
-            <a:off x="755576" y="376410"/>
-            <a:ext cx="1944216" cy="369332"/>
-          </a:xfrm>
-          <a:prstGeom prst="rect">
-            <a:avLst/>
-          </a:prstGeom>
-          <a:noFill/>
-        </p:spPr>
-        <p:txBody>
-          <a:bodyPr wrap="square" rtlCol="0">
-            <a:spAutoFit/>
-          </a:bodyPr>
-          <a:lstStyle/>
-          <a:p>
-            <a:r>
-              <a:rPr lang="en-US" altLang="zh-CN" dirty="0" smtClean="0">
-                <a:solidFill>
-                  <a:srgbClr val="00B0F0"/>
-                </a:solidFill>
-                <a:latin typeface="微软雅黑" pitchFamily="34" charset="-122"/>
-                <a:ea typeface="微软雅黑" pitchFamily="34" charset="-122"/>
-              </a:rPr>
-              <a:t>8.</a:t>
-            </a:r>
-            <a:r>
-              <a:rPr lang="zh-CN" altLang="en-US" dirty="0" smtClean="0">
-                <a:solidFill>
-                  <a:srgbClr val="00B0F0"/>
-                </a:solidFill>
-                <a:latin typeface="微软雅黑" pitchFamily="34" charset="-122"/>
-                <a:ea typeface="微软雅黑" pitchFamily="34" charset="-122"/>
-              </a:rPr>
-              <a:t>沟通管理计划</a:t>
-            </a:r>
-            <a:endParaRPr lang="zh-CN" altLang="en-US" dirty="0">
-              <a:solidFill>
-                <a:srgbClr val="00B0F0"/>
-              </a:solidFill>
-              <a:latin typeface="微软雅黑" pitchFamily="34" charset="-122"/>
-              <a:ea typeface="微软雅黑" pitchFamily="34" charset="-122"/>
-            </a:endParaRPr>
-          </a:p>
-        </p:txBody>
-      </p:sp>
-      <p:sp>
-        <p:nvSpPr>
-          <p:cNvPr id="50" name="TextBox 3"/>
-          <p:cNvSpPr txBox="1"/>
-          <p:nvPr/>
-        </p:nvSpPr>
-        <p:spPr>
-          <a:xfrm>
-            <a:off x="755576" y="745742"/>
-            <a:ext cx="2727354" cy="338554"/>
-          </a:xfrm>
-          <a:prstGeom prst="rect">
-            <a:avLst/>
-          </a:prstGeom>
-          <a:noFill/>
-        </p:spPr>
-        <p:txBody>
-          <a:bodyPr wrap="square" rtlCol="0">
-            <a:spAutoFit/>
-          </a:bodyPr>
-          <a:lstStyle/>
-          <a:p>
-            <a:r>
-              <a:rPr lang="en-US" altLang="zh-CN" sz="1600" dirty="0" smtClean="0">
-                <a:solidFill>
-                  <a:srgbClr val="00B0F0"/>
-                </a:solidFill>
-                <a:latin typeface="微软雅黑" pitchFamily="34" charset="-122"/>
-                <a:ea typeface="微软雅黑" pitchFamily="34" charset="-122"/>
-              </a:rPr>
-              <a:t>8.3</a:t>
-            </a:r>
-            <a:r>
-              <a:rPr lang="zh-CN" altLang="en-US" sz="1600" dirty="0" smtClean="0">
-                <a:solidFill>
-                  <a:srgbClr val="00B0F0"/>
-                </a:solidFill>
-                <a:latin typeface="微软雅黑" pitchFamily="34" charset="-122"/>
-                <a:ea typeface="微软雅黑" pitchFamily="34" charset="-122"/>
-              </a:rPr>
-              <a:t>开发者</a:t>
-            </a:r>
-            <a:r>
-              <a:rPr lang="zh-CN" altLang="en-US" sz="1600" dirty="0">
-                <a:solidFill>
-                  <a:srgbClr val="00B0F0"/>
-                </a:solidFill>
-                <a:latin typeface="微软雅黑" pitchFamily="34" charset="-122"/>
-                <a:ea typeface="微软雅黑" pitchFamily="34" charset="-122"/>
-              </a:rPr>
-              <a:t>内部沟通计划</a:t>
-            </a:r>
-          </a:p>
-        </p:txBody>
-      </p:sp>
-      <p:sp>
-        <p:nvSpPr>
-          <p:cNvPr id="51" name="TextBox 3"/>
-          <p:cNvSpPr txBox="1"/>
-          <p:nvPr/>
-        </p:nvSpPr>
-        <p:spPr>
-          <a:xfrm>
-            <a:off x="755576" y="1127856"/>
-            <a:ext cx="7510784" cy="830997"/>
-          </a:xfrm>
-          <a:prstGeom prst="rect">
-            <a:avLst/>
-          </a:prstGeom>
-          <a:noFill/>
-        </p:spPr>
-        <p:txBody>
-          <a:bodyPr wrap="square" rtlCol="0">
-            <a:spAutoFit/>
-          </a:bodyPr>
-          <a:lstStyle/>
-          <a:p>
-            <a:r>
-              <a:rPr lang="zh-CN" altLang="en-US" sz="1600" dirty="0">
-                <a:solidFill>
-                  <a:srgbClr val="00B0F0"/>
-                </a:solidFill>
-                <a:latin typeface="微软雅黑" pitchFamily="34" charset="-122"/>
-                <a:ea typeface="微软雅黑" pitchFamily="34" charset="-122"/>
-              </a:rPr>
-              <a:t>每周开一次例会，用线下开会的方式并录音和进行记录，将开会记录上传至版本管理器上以供参考，会议内容主要为任务的分配。平时通过</a:t>
-            </a:r>
-            <a:r>
-              <a:rPr lang="en-US" altLang="zh-CN" sz="1600" dirty="0">
-                <a:solidFill>
-                  <a:srgbClr val="00B0F0"/>
-                </a:solidFill>
-                <a:latin typeface="微软雅黑" pitchFamily="34" charset="-122"/>
-                <a:ea typeface="微软雅黑" pitchFamily="34" charset="-122"/>
-              </a:rPr>
-              <a:t>QQ</a:t>
-            </a:r>
-            <a:r>
-              <a:rPr lang="zh-CN" altLang="en-US" sz="1600" dirty="0">
-                <a:solidFill>
-                  <a:srgbClr val="00B0F0"/>
-                </a:solidFill>
-                <a:latin typeface="微软雅黑" pitchFamily="34" charset="-122"/>
-                <a:ea typeface="微软雅黑" pitchFamily="34" charset="-122"/>
-              </a:rPr>
-              <a:t>等通讯软件来互相确认进度，也可以用</a:t>
-            </a:r>
-            <a:r>
-              <a:rPr lang="en-US" altLang="zh-CN" sz="1600" dirty="0">
-                <a:solidFill>
-                  <a:srgbClr val="00B0F0"/>
-                </a:solidFill>
-                <a:latin typeface="微软雅黑" pitchFamily="34" charset="-122"/>
-                <a:ea typeface="微软雅黑" pitchFamily="34" charset="-122"/>
-              </a:rPr>
-              <a:t>QQ</a:t>
-            </a:r>
-            <a:r>
-              <a:rPr lang="zh-CN" altLang="en-US" sz="1600" dirty="0">
-                <a:solidFill>
-                  <a:srgbClr val="00B0F0"/>
-                </a:solidFill>
-                <a:latin typeface="微软雅黑" pitchFamily="34" charset="-122"/>
-                <a:ea typeface="微软雅黑" pitchFamily="34" charset="-122"/>
-              </a:rPr>
-              <a:t>进行线上会议。</a:t>
-            </a:r>
-          </a:p>
-        </p:txBody>
-      </p:sp>
-      <p:grpSp>
-        <p:nvGrpSpPr>
-          <p:cNvPr id="52" name="组合 51"/>
-          <p:cNvGrpSpPr/>
-          <p:nvPr/>
-        </p:nvGrpSpPr>
-        <p:grpSpPr>
-          <a:xfrm>
-            <a:off x="755576" y="3673683"/>
-            <a:ext cx="576064" cy="576064"/>
-            <a:chOff x="2915816" y="1254410"/>
-            <a:chExt cx="576064" cy="576064"/>
-          </a:xfrm>
-        </p:grpSpPr>
-        <p:sp>
-          <p:nvSpPr>
-            <p:cNvPr id="53" name="椭圆 52"/>
-            <p:cNvSpPr/>
-            <p:nvPr/>
-          </p:nvSpPr>
-          <p:spPr>
-            <a:xfrm>
-              <a:off x="2915816" y="1254410"/>
-              <a:ext cx="576064" cy="576064"/>
-            </a:xfrm>
-            <a:prstGeom prst="ellipse">
-              <a:avLst/>
-            </a:prstGeom>
-            <a:solidFill>
-              <a:srgbClr val="00B0F0"/>
-            </a:solidFill>
-            <a:ln>
-              <a:noFill/>
-            </a:ln>
-          </p:spPr>
-          <p:style>
-            <a:lnRef idx="2">
-              <a:schemeClr val="accent1">
-                <a:shade val="50000"/>
-              </a:schemeClr>
-            </a:lnRef>
-            <a:fillRef idx="1">
-              <a:schemeClr val="accent1"/>
-            </a:fillRef>
-            <a:effectRef idx="0">
-              <a:schemeClr val="accent1"/>
-            </a:effectRef>
-            <a:fontRef idx="minor">
-              <a:schemeClr val="lt1"/>
-            </a:fontRef>
-          </p:style>
-          <p:txBody>
-            <a:bodyPr rtlCol="0" anchor="ctr"/>
-            <a:lstStyle/>
-            <a:p>
-              <a:pPr algn="ctr"/>
-              <a:endParaRPr lang="zh-CN" altLang="en-US"/>
-            </a:p>
-          </p:txBody>
-        </p:sp>
-        <p:sp>
-          <p:nvSpPr>
-            <p:cNvPr id="54" name="TextBox 6"/>
-            <p:cNvSpPr txBox="1"/>
-            <p:nvPr/>
-          </p:nvSpPr>
-          <p:spPr>
-            <a:xfrm>
-              <a:off x="3037880" y="1275606"/>
-              <a:ext cx="288032" cy="523220"/>
-            </a:xfrm>
-            <a:prstGeom prst="rect">
-              <a:avLst/>
-            </a:prstGeom>
-            <a:noFill/>
-          </p:spPr>
-          <p:txBody>
-            <a:bodyPr wrap="square" rtlCol="0">
-              <a:spAutoFit/>
-            </a:bodyPr>
-            <a:lstStyle/>
-            <a:p>
-              <a:r>
-                <a:rPr lang="en-US" altLang="zh-CN" sz="2800" b="1" dirty="0">
-                  <a:solidFill>
-                    <a:schemeClr val="bg1"/>
-                  </a:solidFill>
-                </a:rPr>
-                <a:t>2</a:t>
-              </a:r>
-              <a:endParaRPr lang="zh-CN" altLang="en-US" sz="2800" b="1" dirty="0">
-                <a:solidFill>
-                  <a:schemeClr val="bg1"/>
-                </a:solidFill>
-              </a:endParaRPr>
-            </a:p>
-          </p:txBody>
-        </p:sp>
-      </p:grpSp>
-      <p:grpSp>
-        <p:nvGrpSpPr>
-          <p:cNvPr id="55" name="组合 54"/>
-          <p:cNvGrpSpPr/>
-          <p:nvPr/>
-        </p:nvGrpSpPr>
-        <p:grpSpPr>
-          <a:xfrm>
-            <a:off x="1475656" y="3572059"/>
-            <a:ext cx="2892268" cy="889544"/>
-            <a:chOff x="1475656" y="1347614"/>
-            <a:chExt cx="2892268" cy="889544"/>
-          </a:xfrm>
-        </p:grpSpPr>
-        <p:sp>
-          <p:nvSpPr>
-            <p:cNvPr id="56" name="TextBox 29"/>
-            <p:cNvSpPr txBox="1"/>
-            <p:nvPr/>
-          </p:nvSpPr>
-          <p:spPr>
-            <a:xfrm>
-              <a:off x="1475656" y="1652383"/>
-              <a:ext cx="2892268" cy="584775"/>
-            </a:xfrm>
-            <a:prstGeom prst="rect">
-              <a:avLst/>
-            </a:prstGeom>
-            <a:noFill/>
-          </p:spPr>
-          <p:txBody>
-            <a:bodyPr wrap="square" rtlCol="0">
-              <a:spAutoFit/>
-            </a:bodyPr>
-            <a:lstStyle/>
-            <a:p>
-              <a:r>
-                <a:rPr lang="en-US" altLang="zh-CN" sz="1600" dirty="0">
-                  <a:solidFill>
-                    <a:schemeClr val="tx1">
-                      <a:lumMod val="85000"/>
-                      <a:lumOff val="15000"/>
-                    </a:schemeClr>
-                  </a:solidFill>
-                </a:rPr>
-                <a:t>1.</a:t>
-              </a:r>
-              <a:r>
-                <a:rPr lang="zh-CN" altLang="en-US" sz="1600" dirty="0">
-                  <a:solidFill>
-                    <a:schemeClr val="tx1">
-                      <a:lumMod val="85000"/>
-                      <a:lumOff val="15000"/>
-                    </a:schemeClr>
-                  </a:solidFill>
-                </a:rPr>
-                <a:t>小组会议</a:t>
-              </a:r>
-            </a:p>
-            <a:p>
-              <a:r>
-                <a:rPr lang="en-US" altLang="zh-CN" sz="1600" dirty="0">
-                  <a:solidFill>
-                    <a:schemeClr val="tx1">
-                      <a:lumMod val="85000"/>
-                      <a:lumOff val="15000"/>
-                    </a:schemeClr>
-                  </a:solidFill>
-                </a:rPr>
-                <a:t>2.qq</a:t>
-              </a:r>
-              <a:r>
-                <a:rPr lang="zh-CN" altLang="en-US" sz="1600" dirty="0">
-                  <a:solidFill>
-                    <a:schemeClr val="tx1">
-                      <a:lumMod val="85000"/>
-                      <a:lumOff val="15000"/>
-                    </a:schemeClr>
-                  </a:solidFill>
-                </a:rPr>
-                <a:t>群讨论</a:t>
-              </a:r>
-            </a:p>
-          </p:txBody>
-        </p:sp>
-        <p:sp>
-          <p:nvSpPr>
-            <p:cNvPr id="57" name="TextBox 30"/>
-            <p:cNvSpPr txBox="1"/>
-            <p:nvPr/>
-          </p:nvSpPr>
-          <p:spPr>
-            <a:xfrm>
-              <a:off x="1487604" y="1347614"/>
-              <a:ext cx="2088233" cy="338554"/>
-            </a:xfrm>
-            <a:prstGeom prst="rect">
-              <a:avLst/>
-            </a:prstGeom>
-            <a:noFill/>
-          </p:spPr>
-          <p:txBody>
-            <a:bodyPr wrap="square" rtlCol="0">
-              <a:spAutoFit/>
-            </a:bodyPr>
-            <a:lstStyle/>
-            <a:p>
-              <a:r>
-                <a:rPr lang="en-US" altLang="zh-CN" sz="1600" dirty="0" smtClean="0">
-                  <a:solidFill>
-                    <a:srgbClr val="00B0F0"/>
-                  </a:solidFill>
-                  <a:latin typeface="微软雅黑" pitchFamily="34" charset="-122"/>
-                  <a:ea typeface="微软雅黑" pitchFamily="34" charset="-122"/>
-                </a:rPr>
-                <a:t>8.3.2</a:t>
-              </a:r>
-              <a:r>
-                <a:rPr lang="zh-CN" altLang="en-US" sz="1600" dirty="0" smtClean="0">
-                  <a:solidFill>
-                    <a:srgbClr val="00B0F0"/>
-                  </a:solidFill>
-                  <a:latin typeface="微软雅黑" pitchFamily="34" charset="-122"/>
-                  <a:ea typeface="微软雅黑" pitchFamily="34" charset="-122"/>
-                </a:rPr>
-                <a:t>沟通方式</a:t>
-              </a:r>
-              <a:endParaRPr lang="zh-CN" altLang="en-US" sz="1600" dirty="0">
-                <a:solidFill>
-                  <a:srgbClr val="00B0F0"/>
-                </a:solidFill>
-                <a:latin typeface="微软雅黑" pitchFamily="34" charset="-122"/>
-                <a:ea typeface="微软雅黑" pitchFamily="34" charset="-122"/>
-              </a:endParaRPr>
-            </a:p>
-          </p:txBody>
-        </p:sp>
-      </p:grpSp>
-      <p:grpSp>
-        <p:nvGrpSpPr>
-          <p:cNvPr id="76" name="组合 75"/>
-          <p:cNvGrpSpPr/>
-          <p:nvPr/>
-        </p:nvGrpSpPr>
-        <p:grpSpPr>
-          <a:xfrm>
-            <a:off x="4871981" y="2278492"/>
-            <a:ext cx="576064" cy="576064"/>
-            <a:chOff x="2915816" y="1254410"/>
-            <a:chExt cx="576064" cy="576064"/>
-          </a:xfrm>
-        </p:grpSpPr>
-        <p:sp>
-          <p:nvSpPr>
-            <p:cNvPr id="77" name="椭圆 76"/>
-            <p:cNvSpPr/>
-            <p:nvPr/>
-          </p:nvSpPr>
-          <p:spPr>
-            <a:xfrm>
-              <a:off x="2915816" y="1254410"/>
-              <a:ext cx="576064" cy="576064"/>
-            </a:xfrm>
-            <a:prstGeom prst="ellipse">
-              <a:avLst/>
-            </a:prstGeom>
-            <a:solidFill>
-              <a:srgbClr val="00B0F0"/>
-            </a:solidFill>
-            <a:ln>
-              <a:noFill/>
-            </a:ln>
-          </p:spPr>
-          <p:style>
-            <a:lnRef idx="2">
-              <a:schemeClr val="accent1">
-                <a:shade val="50000"/>
-              </a:schemeClr>
-            </a:lnRef>
-            <a:fillRef idx="1">
-              <a:schemeClr val="accent1"/>
-            </a:fillRef>
-            <a:effectRef idx="0">
-              <a:schemeClr val="accent1"/>
-            </a:effectRef>
-            <a:fontRef idx="minor">
-              <a:schemeClr val="lt1"/>
-            </a:fontRef>
-          </p:style>
-          <p:txBody>
-            <a:bodyPr rtlCol="0" anchor="ctr"/>
-            <a:lstStyle/>
-            <a:p>
-              <a:pPr algn="ctr"/>
-              <a:endParaRPr lang="zh-CN" altLang="en-US"/>
-            </a:p>
-          </p:txBody>
-        </p:sp>
-        <p:sp>
-          <p:nvSpPr>
-            <p:cNvPr id="78" name="TextBox 6"/>
-            <p:cNvSpPr txBox="1"/>
-            <p:nvPr/>
-          </p:nvSpPr>
-          <p:spPr>
-            <a:xfrm>
-              <a:off x="3037880" y="1275606"/>
-              <a:ext cx="288032" cy="523220"/>
-            </a:xfrm>
-            <a:prstGeom prst="rect">
-              <a:avLst/>
-            </a:prstGeom>
-            <a:noFill/>
-          </p:spPr>
-          <p:txBody>
-            <a:bodyPr wrap="square" rtlCol="0">
-              <a:spAutoFit/>
-            </a:bodyPr>
-            <a:lstStyle/>
-            <a:p>
-              <a:r>
-                <a:rPr lang="en-US" altLang="zh-CN" sz="2800" b="1" dirty="0" smtClean="0">
-                  <a:solidFill>
-                    <a:schemeClr val="bg1"/>
-                  </a:solidFill>
-                </a:rPr>
-                <a:t>3</a:t>
-              </a:r>
-              <a:endParaRPr lang="zh-CN" altLang="en-US" sz="2800" b="1" dirty="0">
-                <a:solidFill>
-                  <a:schemeClr val="bg1"/>
-                </a:solidFill>
-              </a:endParaRPr>
-            </a:p>
-          </p:txBody>
-        </p:sp>
-      </p:grpSp>
-      <p:grpSp>
-        <p:nvGrpSpPr>
-          <p:cNvPr id="79" name="组合 78"/>
-          <p:cNvGrpSpPr/>
-          <p:nvPr/>
-        </p:nvGrpSpPr>
-        <p:grpSpPr>
-          <a:xfrm>
-            <a:off x="1628056" y="2334494"/>
-            <a:ext cx="2892268" cy="889544"/>
-            <a:chOff x="1475656" y="1347614"/>
-            <a:chExt cx="2892268" cy="889544"/>
-          </a:xfrm>
-        </p:grpSpPr>
-        <p:sp>
-          <p:nvSpPr>
-            <p:cNvPr id="80" name="TextBox 29"/>
-            <p:cNvSpPr txBox="1"/>
-            <p:nvPr/>
-          </p:nvSpPr>
-          <p:spPr>
-            <a:xfrm>
-              <a:off x="1475656" y="1652383"/>
-              <a:ext cx="2892268" cy="584775"/>
-            </a:xfrm>
-            <a:prstGeom prst="rect">
-              <a:avLst/>
-            </a:prstGeom>
-            <a:noFill/>
-          </p:spPr>
-          <p:txBody>
-            <a:bodyPr wrap="square" rtlCol="0">
-              <a:spAutoFit/>
-            </a:bodyPr>
-            <a:lstStyle/>
-            <a:p>
-              <a:r>
-                <a:rPr lang="zh-CN" altLang="en-US" sz="1600" dirty="0">
-                  <a:solidFill>
-                    <a:schemeClr val="tx1">
-                      <a:lumMod val="85000"/>
-                      <a:lumOff val="15000"/>
-                    </a:schemeClr>
-                  </a:solidFill>
-                </a:rPr>
-                <a:t>明确每周任务，总结每周出现的问题并提出修改</a:t>
-              </a:r>
-              <a:r>
-                <a:rPr lang="zh-CN" altLang="en-US" sz="1600" dirty="0" smtClean="0">
-                  <a:solidFill>
-                    <a:schemeClr val="tx1">
-                      <a:lumMod val="85000"/>
-                      <a:lumOff val="15000"/>
-                    </a:schemeClr>
-                  </a:solidFill>
-                </a:rPr>
-                <a:t>意见。</a:t>
-              </a:r>
-              <a:endParaRPr lang="zh-CN" altLang="en-US" sz="1600" dirty="0">
-                <a:solidFill>
-                  <a:schemeClr val="tx1">
-                    <a:lumMod val="85000"/>
-                    <a:lumOff val="15000"/>
-                  </a:schemeClr>
-                </a:solidFill>
-              </a:endParaRPr>
-            </a:p>
-          </p:txBody>
-        </p:sp>
-        <p:sp>
-          <p:nvSpPr>
-            <p:cNvPr id="81" name="TextBox 30"/>
-            <p:cNvSpPr txBox="1"/>
-            <p:nvPr/>
-          </p:nvSpPr>
-          <p:spPr>
-            <a:xfrm>
-              <a:off x="1487604" y="1347614"/>
-              <a:ext cx="2088233" cy="338554"/>
-            </a:xfrm>
-            <a:prstGeom prst="rect">
-              <a:avLst/>
-            </a:prstGeom>
-            <a:noFill/>
-          </p:spPr>
-          <p:txBody>
-            <a:bodyPr wrap="square" rtlCol="0">
-              <a:spAutoFit/>
-            </a:bodyPr>
-            <a:lstStyle/>
-            <a:p>
-              <a:r>
-                <a:rPr lang="en-US" altLang="zh-CN" sz="1600" dirty="0" smtClean="0">
-                  <a:solidFill>
-                    <a:srgbClr val="00B0F0"/>
-                  </a:solidFill>
-                  <a:latin typeface="微软雅黑" pitchFamily="34" charset="-122"/>
-                  <a:ea typeface="微软雅黑" pitchFamily="34" charset="-122"/>
-                </a:rPr>
-                <a:t>8.3.1</a:t>
-              </a:r>
-              <a:r>
-                <a:rPr lang="zh-CN" altLang="en-US" sz="1600" dirty="0" smtClean="0">
-                  <a:solidFill>
-                    <a:srgbClr val="00B0F0"/>
-                  </a:solidFill>
-                  <a:latin typeface="微软雅黑" pitchFamily="34" charset="-122"/>
-                  <a:ea typeface="微软雅黑" pitchFamily="34" charset="-122"/>
-                </a:rPr>
-                <a:t>沟通目的</a:t>
-              </a:r>
-              <a:endParaRPr lang="zh-CN" altLang="en-US" sz="1600" dirty="0">
-                <a:solidFill>
-                  <a:srgbClr val="00B0F0"/>
-                </a:solidFill>
-                <a:latin typeface="微软雅黑" pitchFamily="34" charset="-122"/>
-                <a:ea typeface="微软雅黑" pitchFamily="34" charset="-122"/>
-              </a:endParaRPr>
-            </a:p>
-          </p:txBody>
-        </p:sp>
-      </p:grpSp>
-    </p:spTree>
-    <p:extLst>
-      <p:ext uri="{BB962C8B-B14F-4D97-AF65-F5344CB8AC3E}">
-        <p14:creationId xmlns:p14="http://schemas.microsoft.com/office/powerpoint/2010/main" val="671805949"/>
       </p:ext>
     </p:extLst>
   </p:cSld>
@@ -35656,15 +35656,7 @@
                   <a:srgbClr val="53C780"/>
                 </a:solidFill>
               </a:rPr>
-              <a:t>成立质量保证</a:t>
-            </a:r>
-            <a:r>
-              <a:rPr lang="zh-CN" altLang="en-US" sz="1600" dirty="0" smtClean="0">
-                <a:solidFill>
-                  <a:srgbClr val="53C780"/>
-                </a:solidFill>
-              </a:rPr>
-              <a:t>小组</a:t>
+              <a:t>成立质量保证小组</a:t>
             </a:r>
             <a:endParaRPr lang="en-US" altLang="zh-CN" sz="1600" dirty="0" smtClean="0">
               <a:solidFill>
